--- a/tehtavat/tiedostot/maol/power_point/Racket-MAOL-9-listat.pptx
+++ b/tehtavat/tiedostot/maol/power_point/Racket-MAOL-9-listat.pptx
@@ -14510,7 +14510,7 @@
       </p:pic>
       <p:pic>
         <p:nvPicPr>
-          <p:cNvPr id="5" name="Picture 4"/>
+          <p:cNvPr id="8" name="Picture 7"/>
           <p:cNvPicPr>
             <a:picLocks noChangeAspect="1"/>
           </p:cNvPicPr>
@@ -14524,8 +14524,8 @@
         </p:blipFill>
         <p:spPr>
           <a:xfrm>
-            <a:off x="6123639" y="2980874"/>
-            <a:ext cx="2621281" cy="911100"/>
+            <a:off x="5150756" y="4185428"/>
+            <a:ext cx="3892774" cy="994733"/>
           </a:xfrm>
           <a:prstGeom prst="rect">
             <a:avLst/>
@@ -14534,7 +14534,7 @@
       </p:pic>
       <p:pic>
         <p:nvPicPr>
-          <p:cNvPr id="8" name="Picture 7"/>
+          <p:cNvPr id="2" name="Picture 1"/>
           <p:cNvPicPr>
             <a:picLocks noChangeAspect="1"/>
           </p:cNvPicPr>
@@ -14548,8 +14548,8 @@
         </p:blipFill>
         <p:spPr>
           <a:xfrm>
-            <a:off x="5150756" y="4185428"/>
-            <a:ext cx="3892774" cy="994733"/>
+            <a:off x="6057492" y="2996802"/>
+            <a:ext cx="2478778" cy="934166"/>
           </a:xfrm>
           <a:prstGeom prst="rect">
             <a:avLst/>
@@ -18150,7 +18150,7 @@
                 <a:latin typeface="Courier New" panose="02070309020205020404" pitchFamily="49" charset="0"/>
                 <a:cs typeface="Courier New" panose="02070309020205020404" pitchFamily="49" charset="0"/>
               </a:rPr>
-              <a:t>quicsort</a:t>
+              <a:t>quicksort</a:t>
             </a:r>
             <a:r>
               <a:rPr lang="fi-FI" sz="2000" dirty="0">
@@ -18162,7 +18162,7 @@
                 </a:solidFill>
                 <a:latin typeface="Arial" charset="0"/>
               </a:rPr>
-              <a:t>:in avulla voit järjestää listan alkiot tiettyyn järjestykseen. Järjestämiisen ehto annetaan predikaatti-funktiona, jonka avulla testataan, että kaikki listan alkiot toteuttavat ehdon, vertaamalla aina kahta peräkkäistä alkiota kerrallaan. Yleisimmät järjestämisen ehdot luvuille ovat: &lt; ja &gt;.</a:t>
+              <a:t>:in avulla voit järjestää listan alkiot tiettyyn järjestykseen. Järjestämisen ehto annetaan predikaatti-funktiona, jonka avulla testataan, että kaikki listan alkiot toteuttavat ehdon, vertaamalla aina kahta peräkkäistä alkiota kerrallaan. Yleisimmät järjestämisen ehdot luvuille ovat: &lt; ja &gt;.</a:t>
             </a:r>
             <a:endParaRPr lang="fi-FI" sz="2000" dirty="0">
               <a:solidFill>

--- a/tehtavat/tiedostot/maol/power_point/Racket-MAOL-9-listat.pptx
+++ b/tehtavat/tiedostot/maol/power_point/Racket-MAOL-9-listat.pptx
@@ -21315,7 +21315,7 @@
         <p:spPr>
           <a:xfrm>
             <a:off x="1195533" y="1638794"/>
-            <a:ext cx="7480921" cy="1446550"/>
+            <a:ext cx="7480921" cy="1785104"/>
           </a:xfrm>
           <a:prstGeom prst="rect">
             <a:avLst/>
@@ -21379,6 +21379,20 @@
               <a:t>Tulosta tiedot taulukkona. </a:t>
             </a:r>
           </a:p>
+          <a:p>
+            <a:pPr marL="457200" indent="-457200">
+              <a:buAutoNum type="alphaLcParenR"/>
+            </a:pPr>
+            <a:r>
+              <a:rPr lang="fi-FI" sz="2200" dirty="0">
+                <a:solidFill>
+                  <a:schemeClr val="tx1"/>
+                </a:solidFill>
+                <a:latin typeface="Arial" charset="0"/>
+              </a:rPr>
+              <a:t>Laske arvojen keskiarvot, mediaanit ja moodit</a:t>
+            </a:r>
+          </a:p>
         </p:txBody>
       </p:sp>
       <p:sp>
@@ -21389,7 +21403,7 @@
         </p:nvSpPr>
         <p:spPr>
           <a:xfrm>
-            <a:off x="2017419" y="5367582"/>
+            <a:off x="2195736" y="5471606"/>
             <a:ext cx="4887620" cy="646331"/>
           </a:xfrm>
           <a:prstGeom prst="rect">
@@ -21422,7 +21436,7 @@
         </p:nvSpPr>
         <p:spPr>
           <a:xfrm>
-            <a:off x="9453" y="3493878"/>
+            <a:off x="9453" y="3563713"/>
             <a:ext cx="1074012" cy="338554"/>
           </a:xfrm>
           <a:prstGeom prst="rect">
@@ -21468,7 +21482,7 @@
         </p:nvSpPr>
         <p:spPr>
           <a:xfrm>
-            <a:off x="1195532" y="3426244"/>
+            <a:off x="1195532" y="3496079"/>
             <a:ext cx="7480921" cy="1785104"/>
           </a:xfrm>
           <a:prstGeom prst="rect">
@@ -21488,7 +21502,7 @@
                 </a:solidFill>
                 <a:latin typeface="Arial" charset="0"/>
               </a:rPr>
-              <a:t>Tiedostossa on valmiina ohjelma, joka kysyy käyttäjältä kysymyksen ja tallentaa vastaukset listaan. Keksi itse uusi kysymys, sekä siihen sopivat vastausvaihtoehdot. Anna luokkatovereittesi vastata kyselyyn ja selvitä eri vastausten frekvenssit. Esitä tulokset haluamallasi tyylillä.</a:t>
+              <a:t>Tiedostossa on valmiina ohjelma, joka kysyy käyttäjältä kysymyksen ja tallentaa vastaukset listaan. Keksi itse parempi kysymys, sekä siihen sopivat vastausvaihtoehdot. Anna luokkatovereittesi vastata kyselyyn ja selvitä eri vastausten frekvenssit. Esitä tulokset haluamallasi tyylillä.</a:t>
             </a:r>
           </a:p>
         </p:txBody>
@@ -34760,7 +34774,7 @@
 <file path=ppt/tags/tag1.xml><?xml version="1.0" encoding="utf-8"?>
 <p:tagLst xmlns:a="http://schemas.openxmlformats.org/drawingml/2006/main" xmlns:r="http://schemas.openxmlformats.org/officeDocument/2006/relationships" xmlns:p="http://schemas.openxmlformats.org/presentationml/2006/main">
   <p:tag name="MMPROD_NEXTUNIQUEID" val="10009"/>
-  <p:tag name="MMPROD_UIDATA" val="&lt;database version=&quot;10.0&quot;&gt;&lt;object type=&quot;1&quot; unique_id=&quot;10001&quot;&gt;&lt;object type=&quot;2&quot; unique_id=&quot;10002&quot;&gt;&lt;object type=&quot;3&quot; unique_id=&quot;10225&quot;&gt;&lt;property id=&quot;20148&quot; value=&quot;5&quot;/&gt;&lt;property id=&quot;20300&quot; value=&quot;Slide 1&quot;/&gt;&lt;property id=&quot;20307&quot; value=&quot;388&quot;/&gt;&lt;/object&gt;&lt;object type=&quot;3&quot; unique_id=&quot;10643&quot;&gt;&lt;property id=&quot;20148&quot; value=&quot;5&quot;/&gt;&lt;property id=&quot;20300&quot; value=&quot;Slide 2&quot;/&gt;&lt;property id=&quot;20307&quot; value=&quot;393&quot;/&gt;&lt;/object&gt;&lt;object type=&quot;3&quot; unique_id=&quot;10644&quot;&gt;&lt;property id=&quot;20148&quot; value=&quot;5&quot;/&gt;&lt;property id=&quot;20300&quot; value=&quot;Slide 3&quot;/&gt;&lt;property id=&quot;20307&quot; value=&quot;392&quot;/&gt;&lt;/object&gt;&lt;object type=&quot;3&quot; unique_id=&quot;10827&quot;&gt;&lt;property id=&quot;20148&quot; value=&quot;5&quot;/&gt;&lt;property id=&quot;20300&quot; value=&quot;Slide 4&quot;/&gt;&lt;property id=&quot;20307&quot; value=&quot;394&quot;/&gt;&lt;/object&gt;&lt;object type=&quot;3&quot; unique_id=&quot;10903&quot;&gt;&lt;property id=&quot;20148&quot; value=&quot;5&quot;/&gt;&lt;property id=&quot;20300&quot; value=&quot;Slide 5&quot;/&gt;&lt;property id=&quot;20307&quot; value=&quot;395&quot;/&gt;&lt;/object&gt;&lt;object type=&quot;3&quot; unique_id=&quot;11292&quot;&gt;&lt;property id=&quot;20148&quot; value=&quot;5&quot;/&gt;&lt;property id=&quot;20300&quot; value=&quot;Slide 8&quot;/&gt;&lt;property id=&quot;20307&quot; value=&quot;396&quot;/&gt;&lt;/object&gt;&lt;object type=&quot;3&quot; unique_id=&quot;11413&quot;&gt;&lt;property id=&quot;20148&quot; value=&quot;5&quot;/&gt;&lt;property id=&quot;20300&quot; value=&quot;Slide 7&quot;/&gt;&lt;property id=&quot;20307&quot; value=&quot;397&quot;/&gt;&lt;/object&gt;&lt;object type=&quot;3&quot; unique_id=&quot;11646&quot;&gt;&lt;property id=&quot;20148&quot; value=&quot;5&quot;/&gt;&lt;property id=&quot;20300&quot; value=&quot;Slide 11&quot;/&gt;&lt;property id=&quot;20307&quot; value=&quot;399&quot;/&gt;&lt;/object&gt;&lt;object type=&quot;3&quot; unique_id=&quot;11647&quot;&gt;&lt;property id=&quot;20148&quot; value=&quot;5&quot;/&gt;&lt;property id=&quot;20300&quot; value=&quot;Slide 12&quot;/&gt;&lt;property id=&quot;20307&quot; value=&quot;398&quot;/&gt;&lt;/object&gt;&lt;object type=&quot;3&quot; unique_id=&quot;11791&quot;&gt;&lt;property id=&quot;20148&quot; value=&quot;5&quot;/&gt;&lt;property id=&quot;20300&quot; value=&quot;Slide 13&quot;/&gt;&lt;property id=&quot;20307&quot; value=&quot;400&quot;/&gt;&lt;/object&gt;&lt;object type=&quot;3&quot; unique_id=&quot;11876&quot;&gt;&lt;property id=&quot;20148&quot; value=&quot;5&quot;/&gt;&lt;property id=&quot;20300&quot; value=&quot;Slide 16&quot;/&gt;&lt;property id=&quot;20307&quot; value=&quot;401&quot;/&gt;&lt;/object&gt;&lt;object type=&quot;3&quot; unique_id=&quot;12214&quot;&gt;&lt;property id=&quot;20148&quot; value=&quot;5&quot;/&gt;&lt;property id=&quot;20300&quot; value=&quot;Slide 14&quot;/&gt;&lt;property id=&quot;20307&quot; value=&quot;403&quot;/&gt;&lt;/object&gt;&lt;object type=&quot;3&quot; unique_id=&quot;12283&quot;&gt;&lt;property id=&quot;20148&quot; value=&quot;5&quot;/&gt;&lt;property id=&quot;20300&quot; value=&quot;Slide 15&quot;/&gt;&lt;property id=&quot;20307&quot; value=&quot;405&quot;/&gt;&lt;/object&gt;&lt;object type=&quot;3&quot; unique_id=&quot;14090&quot;&gt;&lt;property id=&quot;20148&quot; value=&quot;5&quot;/&gt;&lt;property id=&quot;20300&quot; value=&quot;Slide 6&quot;/&gt;&lt;property id=&quot;20307&quot; value=&quot;415&quot;/&gt;&lt;/object&gt;&lt;object type=&quot;3&quot; unique_id=&quot;14451&quot;&gt;&lt;property id=&quot;20148&quot; value=&quot;5&quot;/&gt;&lt;property id=&quot;20300&quot; value=&quot;Slide 9&quot;/&gt;&lt;property id=&quot;20307&quot; value=&quot;416&quot;/&gt;&lt;/object&gt;&lt;object type=&quot;3&quot; unique_id=&quot;14927&quot;&gt;&lt;property id=&quot;20148&quot; value=&quot;5&quot;/&gt;&lt;property id=&quot;20300&quot; value=&quot;Slide 17&quot;/&gt;&lt;property id=&quot;20307&quot; value=&quot;417&quot;/&gt;&lt;/object&gt;&lt;object type=&quot;3&quot; unique_id=&quot;15006&quot;&gt;&lt;property id=&quot;20148&quot; value=&quot;5&quot;/&gt;&lt;property id=&quot;20300&quot; value=&quot;Slide 18&quot;/&gt;&lt;property id=&quot;20307&quot; value=&quot;418&quot;/&gt;&lt;/object&gt;&lt;object type=&quot;3&quot; unique_id=&quot;15194&quot;&gt;&lt;property id=&quot;20148&quot; value=&quot;5&quot;/&gt;&lt;property id=&quot;20300&quot; value=&quot;Slide 19&quot;/&gt;&lt;property id=&quot;20307&quot; value=&quot;419&quot;/&gt;&lt;/object&gt;&lt;object type=&quot;3&quot; unique_id=&quot;15531&quot;&gt;&lt;property id=&quot;20148&quot; value=&quot;5&quot;/&gt;&lt;property id=&quot;20300&quot; value=&quot;Slide 20&quot;/&gt;&lt;property id=&quot;20307&quot; value=&quot;421&quot;/&gt;&lt;/object&gt;&lt;object type=&quot;3&quot; unique_id=&quot;15532&quot;&gt;&lt;property id=&quot;20148&quot; value=&quot;5&quot;/&gt;&lt;property id=&quot;20300&quot; value=&quot;Slide 22&quot;/&gt;&lt;property id=&quot;20307&quot; value=&quot;420&quot;/&gt;&lt;/object&gt;&lt;object type=&quot;3&quot; unique_id=&quot;15694&quot;&gt;&lt;property id=&quot;20148&quot; value=&quot;5&quot;/&gt;&lt;property id=&quot;20300&quot; value=&quot;Slide 23&quot;/&gt;&lt;property id=&quot;20307&quot; value=&quot;422&quot;/&gt;&lt;/object&gt;&lt;object type=&quot;3&quot; unique_id=&quot;15788&quot;&gt;&lt;property id=&quot;20148&quot; value=&quot;5&quot;/&gt;&lt;property id=&quot;20300&quot; value=&quot;Slide 21&quot;/&gt;&lt;property id=&quot;20307&quot; value=&quot;423&quot;/&gt;&lt;/object&gt;&lt;object type=&quot;3&quot; unique_id=&quot;16465&quot;&gt;&lt;property id=&quot;20148&quot; value=&quot;5&quot;/&gt;&lt;property id=&quot;20300&quot; value=&quot;Slide 10&quot;/&gt;&lt;property id=&quot;20307&quot; value=&quot;424&quot;/&gt;&lt;/object&gt;&lt;/object&gt;&lt;object type=&quot;8&quot; unique_id=&quot;10028&quot;&gt;&lt;/object&gt;&lt;/object&gt;&lt;/database&gt;"/>
+  <p:tag name="MMPROD_UIDATA" val="&lt;database version=&quot;10.0&quot;&gt;&lt;object type=&quot;1&quot; unique_id=&quot;10001&quot;&gt;&lt;object type=&quot;2&quot; unique_id=&quot;10002&quot;&gt;&lt;object type=&quot;3&quot; unique_id=&quot;10225&quot;&gt;&lt;property id=&quot;20148&quot; value=&quot;5&quot;/&gt;&lt;property id=&quot;20300&quot; value=&quot;Slide 1&quot;/&gt;&lt;property id=&quot;20307&quot; value=&quot;388&quot;/&gt;&lt;/object&gt;&lt;object type=&quot;3&quot; unique_id=&quot;10643&quot;&gt;&lt;property id=&quot;20148&quot; value=&quot;5&quot;/&gt;&lt;property id=&quot;20300&quot; value=&quot;Slide 2&quot;/&gt;&lt;property id=&quot;20307&quot; value=&quot;393&quot;/&gt;&lt;/object&gt;&lt;object type=&quot;3&quot; unique_id=&quot;10644&quot;&gt;&lt;property id=&quot;20148&quot; value=&quot;5&quot;/&gt;&lt;property id=&quot;20300&quot; value=&quot;Slide 3&quot;/&gt;&lt;property id=&quot;20307&quot; value=&quot;392&quot;/&gt;&lt;/object&gt;&lt;object type=&quot;3&quot; unique_id=&quot;10827&quot;&gt;&lt;property id=&quot;20148&quot; value=&quot;5&quot;/&gt;&lt;property id=&quot;20300&quot; value=&quot;Slide 4&quot;/&gt;&lt;property id=&quot;20307&quot; value=&quot;394&quot;/&gt;&lt;/object&gt;&lt;object type=&quot;3&quot; unique_id=&quot;10903&quot;&gt;&lt;property id=&quot;20148&quot; value=&quot;5&quot;/&gt;&lt;property id=&quot;20300&quot; value=&quot;Slide 5&quot;/&gt;&lt;property id=&quot;20307&quot; value=&quot;395&quot;/&gt;&lt;/object&gt;&lt;object type=&quot;3&quot; unique_id=&quot;11292&quot;&gt;&lt;property id=&quot;20148&quot; value=&quot;5&quot;/&gt;&lt;property id=&quot;20300&quot; value=&quot;Slide 8&quot;/&gt;&lt;property id=&quot;20307&quot; value=&quot;396&quot;/&gt;&lt;/object&gt;&lt;object type=&quot;3&quot; unique_id=&quot;11413&quot;&gt;&lt;property id=&quot;20148&quot; value=&quot;5&quot;/&gt;&lt;property id=&quot;20300&quot; value=&quot;Slide 7&quot;/&gt;&lt;property id=&quot;20307&quot; value=&quot;397&quot;/&gt;&lt;/object&gt;&lt;object type=&quot;3&quot; unique_id=&quot;11646&quot;&gt;&lt;property id=&quot;20148&quot; value=&quot;5&quot;/&gt;&lt;property id=&quot;20300&quot; value=&quot;Slide 11&quot;/&gt;&lt;property id=&quot;20307&quot; value=&quot;399&quot;/&gt;&lt;/object&gt;&lt;object type=&quot;3&quot; unique_id=&quot;11647&quot;&gt;&lt;property id=&quot;20148&quot; value=&quot;5&quot;/&gt;&lt;property id=&quot;20300&quot; value=&quot;Slide 12&quot;/&gt;&lt;property id=&quot;20307&quot; value=&quot;398&quot;/&gt;&lt;/object&gt;&lt;object type=&quot;3&quot; unique_id=&quot;11791&quot;&gt;&lt;property id=&quot;20148&quot; value=&quot;5&quot;/&gt;&lt;property id=&quot;20300&quot; value=&quot;Slide 13&quot;/&gt;&lt;property id=&quot;20307&quot; value=&quot;400&quot;/&gt;&lt;/object&gt;&lt;object type=&quot;3&quot; unique_id=&quot;11876&quot;&gt;&lt;property id=&quot;20148&quot; value=&quot;5&quot;/&gt;&lt;property id=&quot;20300&quot; value=&quot;Slide 16&quot;/&gt;&lt;property id=&quot;20307&quot; value=&quot;401&quot;/&gt;&lt;/object&gt;&lt;object type=&quot;3&quot; unique_id=&quot;12214&quot;&gt;&lt;property id=&quot;20148&quot; value=&quot;5&quot;/&gt;&lt;property id=&quot;20300&quot; value=&quot;Slide 14&quot;/&gt;&lt;property id=&quot;20307&quot; value=&quot;403&quot;/&gt;&lt;/object&gt;&lt;object type=&quot;3&quot; unique_id=&quot;12283&quot;&gt;&lt;property id=&quot;20148&quot; value=&quot;5&quot;/&gt;&lt;property id=&quot;20300&quot; value=&quot;Slide 15&quot;/&gt;&lt;property id=&quot;20307&quot; value=&quot;405&quot;/&gt;&lt;/object&gt;&lt;object type=&quot;3&quot; unique_id=&quot;14090&quot;&gt;&lt;property id=&quot;20148&quot; value=&quot;5&quot;/&gt;&lt;property id=&quot;20300&quot; value=&quot;Slide 6&quot;/&gt;&lt;property id=&quot;20307&quot; value=&quot;415&quot;/&gt;&lt;/object&gt;&lt;object type=&quot;3&quot; unique_id=&quot;14451&quot;&gt;&lt;property id=&quot;20148&quot; value=&quot;5&quot;/&gt;&lt;property id=&quot;20300&quot; value=&quot;Slide 9&quot;/&gt;&lt;property id=&quot;20307&quot; value=&quot;416&quot;/&gt;&lt;/object&gt;&lt;object type=&quot;3&quot; unique_id=&quot;14927&quot;&gt;&lt;property id=&quot;20148&quot; value=&quot;5&quot;/&gt;&lt;property id=&quot;20300&quot; value=&quot;Slide 17&quot;/&gt;&lt;property id=&quot;20307&quot; value=&quot;417&quot;/&gt;&lt;/object&gt;&lt;object type=&quot;3&quot; unique_id=&quot;15006&quot;&gt;&lt;property id=&quot;20148&quot; value=&quot;5&quot;/&gt;&lt;property id=&quot;20300&quot; value=&quot;Slide 18&quot;/&gt;&lt;property id=&quot;20307&quot; value=&quot;418&quot;/&gt;&lt;/object&gt;&lt;object type=&quot;3&quot; unique_id=&quot;15194&quot;&gt;&lt;property id=&quot;20148&quot; value=&quot;5&quot;/&gt;&lt;property id=&quot;20300&quot; value=&quot;Slide 19&quot;/&gt;&lt;property id=&quot;20307&quot; value=&quot;419&quot;/&gt;&lt;/object&gt;&lt;object type=&quot;3&quot; unique_id=&quot;15531&quot;&gt;&lt;property id=&quot;20148&quot; value=&quot;5&quot;/&gt;&lt;property id=&quot;20300&quot; value=&quot;Slide 20&quot;/&gt;&lt;property id=&quot;20307&quot; value=&quot;421&quot;/&gt;&lt;/object&gt;&lt;object type=&quot;3&quot; unique_id=&quot;15532&quot;&gt;&lt;property id=&quot;20148&quot; value=&quot;5&quot;/&gt;&lt;property id=&quot;20300&quot; value=&quot;Slide 22&quot;/&gt;&lt;property id=&quot;20307&quot; value=&quot;420&quot;/&gt;&lt;/object&gt;&lt;object type=&quot;3&quot; unique_id=&quot;15694&quot;&gt;&lt;property id=&quot;20148&quot; value=&quot;5&quot;/&gt;&lt;property id=&quot;20300&quot; value=&quot;Slide 23&quot;/&gt;&lt;property id=&quot;20307&quot; value=&quot;422&quot;/&gt;&lt;/object&gt;&lt;object type=&quot;3&quot; unique_id=&quot;15788&quot;&gt;&lt;property id=&quot;20148&quot; value=&quot;5&quot;/&gt;&lt;property id=&quot;20300&quot; value=&quot;Slide 21&quot;/&gt;&lt;property id=&quot;20307&quot; value=&quot;423&quot;/&gt;&lt;/object&gt;&lt;object type=&quot;3&quot; unique_id=&quot;16465&quot;&gt;&lt;property id=&quot;20148&quot; value=&quot;5&quot;/&gt;&lt;property id=&quot;20300&quot; value=&quot;Slide 10&quot;/&gt;&lt;property id=&quot;20307&quot; value=&quot;424&quot;/&gt;&lt;/object&gt;&lt;object type=&quot;3&quot; unique_id=&quot;16467&quot;&gt;&lt;property id=&quot;20148&quot; value=&quot;5&quot;/&gt;&lt;property id=&quot;20300&quot; value=&quot;Slide 24&quot;/&gt;&lt;property id=&quot;20307&quot; value=&quot;436&quot;/&gt;&lt;/object&gt;&lt;object type=&quot;3&quot; unique_id=&quot;16468&quot;&gt;&lt;property id=&quot;20148&quot; value=&quot;5&quot;/&gt;&lt;property id=&quot;20300&quot; value=&quot;Slide 25&quot;/&gt;&lt;property id=&quot;20307&quot; value=&quot;437&quot;/&gt;&lt;/object&gt;&lt;object type=&quot;3&quot; unique_id=&quot;16469&quot;&gt;&lt;property id=&quot;20148&quot; value=&quot;5&quot;/&gt;&lt;property id=&quot;20300&quot; value=&quot;Slide 26&quot;/&gt;&lt;property id=&quot;20307&quot; value=&quot;438&quot;/&gt;&lt;/object&gt;&lt;object type=&quot;3&quot; unique_id=&quot;16470&quot;&gt;&lt;property id=&quot;20148&quot; value=&quot;5&quot;/&gt;&lt;property id=&quot;20300&quot; value=&quot;Slide 27 - &amp;quot;POISTETTUJA&amp;quot;&quot;/&gt;&lt;property id=&quot;20307&quot; value=&quot;435&quot;/&gt;&lt;/object&gt;&lt;object type=&quot;3&quot; unique_id=&quot;16471&quot;&gt;&lt;property id=&quot;20148&quot; value=&quot;5&quot;/&gt;&lt;property id=&quot;20300&quot; value=&quot;Slide 28&quot;/&gt;&lt;property id=&quot;20307&quot; value=&quot;425&quot;/&gt;&lt;/object&gt;&lt;object type=&quot;3&quot; unique_id=&quot;16472&quot;&gt;&lt;property id=&quot;20148&quot; value=&quot;5&quot;/&gt;&lt;property id=&quot;20300&quot; value=&quot;Slide 29&quot;/&gt;&lt;property id=&quot;20307&quot; value=&quot;426&quot;/&gt;&lt;/object&gt;&lt;object type=&quot;3&quot; unique_id=&quot;16473&quot;&gt;&lt;property id=&quot;20148&quot; value=&quot;5&quot;/&gt;&lt;property id=&quot;20300&quot; value=&quot;Slide 30&quot;/&gt;&lt;property id=&quot;20307&quot; value=&quot;427&quot;/&gt;&lt;/object&gt;&lt;object type=&quot;3&quot; unique_id=&quot;16474&quot;&gt;&lt;property id=&quot;20148&quot; value=&quot;5&quot;/&gt;&lt;property id=&quot;20300&quot; value=&quot;Slide 31&quot;/&gt;&lt;property id=&quot;20307&quot; value=&quot;428&quot;/&gt;&lt;/object&gt;&lt;object type=&quot;3&quot; unique_id=&quot;16475&quot;&gt;&lt;property id=&quot;20148&quot; value=&quot;5&quot;/&gt;&lt;property id=&quot;20300&quot; value=&quot;Slide 32&quot;/&gt;&lt;property id=&quot;20307&quot; value=&quot;432&quot;/&gt;&lt;/object&gt;&lt;object type=&quot;3&quot; unique_id=&quot;16476&quot;&gt;&lt;property id=&quot;20148&quot; value=&quot;5&quot;/&gt;&lt;property id=&quot;20300&quot; value=&quot;Slide 33&quot;/&gt;&lt;property id=&quot;20307&quot; value=&quot;433&quot;/&gt;&lt;/object&gt;&lt;/object&gt;&lt;object type=&quot;8&quot; unique_id=&quot;10028&quot;&gt;&lt;/object&gt;&lt;/object&gt;&lt;/database&gt;"/>
   <p:tag name="SECTOMILLISECCONVERTED" val="1"/>
 </p:tagLst>
 </file>

--- a/tehtavat/tiedostot/maol/power_point/Racket-MAOL-9-listat.pptx
+++ b/tehtavat/tiedostot/maol/power_point/Racket-MAOL-9-listat.pptx
@@ -19812,25 +19812,7 @@
                 </a:solidFill>
                 <a:latin typeface="Arial" charset="0"/>
               </a:rPr>
-              <a:t>Kirjoita funktio, joka palauttaa järjestämättömän listan lukujen mediaanin. Käytä apuna </a:t>
-            </a:r>
-            <a:r>
-              <a:rPr lang="fi-FI" sz="2200">
-                <a:solidFill>
-                  <a:schemeClr val="tx1"/>
-                </a:solidFill>
-                <a:latin typeface="Arial" charset="0"/>
-              </a:rPr>
-              <a:t>tehtävän 6 </a:t>
-            </a:r>
-            <a:r>
-              <a:rPr lang="fi-FI" sz="2200" dirty="0">
-                <a:solidFill>
-                  <a:schemeClr val="tx1"/>
-                </a:solidFill>
-                <a:latin typeface="Arial" charset="0"/>
-              </a:rPr>
-              <a:t>funktiota.</a:t>
+              <a:t>Kirjoita funktio, joka palauttaa järjestämättömän listan lukujen mediaanin. Käytä apuna tehtävän 6 funktiota.</a:t>
             </a:r>
           </a:p>
           <a:p>

--- a/tehtavat/tiedostot/maol/power_point/Racket-MAOL-9-listat.pptx
+++ b/tehtavat/tiedostot/maol/power_point/Racket-MAOL-9-listat.pptx
@@ -6,7 +6,7 @@
     <p:sldMasterId id="2147483703" r:id="rId2"/>
   </p:sldMasterIdLst>
   <p:notesMasterIdLst>
-    <p:notesMasterId r:id="rId40"/>
+    <p:notesMasterId r:id="rId41"/>
   </p:notesMasterIdLst>
   <p:sldIdLst>
     <p:sldId id="388" r:id="rId3"/>
@@ -39,18 +39,19 @@
     <p:sldId id="437" r:id="rId30"/>
     <p:sldId id="443" r:id="rId31"/>
     <p:sldId id="442" r:id="rId32"/>
-    <p:sldId id="435" r:id="rId33"/>
-    <p:sldId id="417" r:id="rId34"/>
-    <p:sldId id="425" r:id="rId35"/>
-    <p:sldId id="426" r:id="rId36"/>
-    <p:sldId id="427" r:id="rId37"/>
-    <p:sldId id="428" r:id="rId38"/>
-    <p:sldId id="433" r:id="rId39"/>
+    <p:sldId id="444" r:id="rId33"/>
+    <p:sldId id="435" r:id="rId34"/>
+    <p:sldId id="417" r:id="rId35"/>
+    <p:sldId id="425" r:id="rId36"/>
+    <p:sldId id="426" r:id="rId37"/>
+    <p:sldId id="427" r:id="rId38"/>
+    <p:sldId id="428" r:id="rId39"/>
+    <p:sldId id="433" r:id="rId40"/>
   </p:sldIdLst>
   <p:sldSz cx="9144000" cy="6858000" type="screen4x3"/>
   <p:notesSz cx="6858000" cy="9144000"/>
   <p:custDataLst>
-    <p:tags r:id="rId41"/>
+    <p:tags r:id="rId42"/>
   </p:custDataLst>
   <p:defaultTextStyle>
     <a:defPPr>
@@ -836,7 +837,7 @@
     </p:spTree>
     <p:extLst>
       <p:ext uri="{BB962C8B-B14F-4D97-AF65-F5344CB8AC3E}">
-        <p14:creationId xmlns:p14="http://schemas.microsoft.com/office/powerpoint/2010/main" val="1012366288"/>
+        <p14:creationId xmlns:p14="http://schemas.microsoft.com/office/powerpoint/2010/main" val="151545486"/>
       </p:ext>
     </p:extLst>
   </p:cSld>
@@ -902,6 +903,72 @@
     </p:spTree>
     <p:extLst>
       <p:ext uri="{BB962C8B-B14F-4D97-AF65-F5344CB8AC3E}">
+        <p14:creationId xmlns:p14="http://schemas.microsoft.com/office/powerpoint/2010/main" val="1012366288"/>
+      </p:ext>
+    </p:extLst>
+  </p:cSld>
+  <p:clrMapOvr>
+    <a:masterClrMapping/>
+  </p:clrMapOvr>
+</p:notes>
+</file>
+
+<file path=ppt/notesSlides/notesSlide14.xml><?xml version="1.0" encoding="utf-8"?>
+<p:notes xmlns:a="http://schemas.openxmlformats.org/drawingml/2006/main" xmlns:r="http://schemas.openxmlformats.org/officeDocument/2006/relationships" xmlns:p="http://schemas.openxmlformats.org/presentationml/2006/main">
+  <p:cSld>
+    <p:spTree>
+      <p:nvGrpSpPr>
+        <p:cNvPr id="1" name=""/>
+        <p:cNvGrpSpPr/>
+        <p:nvPr/>
+      </p:nvGrpSpPr>
+      <p:grpSpPr>
+        <a:xfrm>
+          <a:off x="0" y="0"/>
+          <a:ext cx="0" cy="0"/>
+          <a:chOff x="0" y="0"/>
+          <a:chExt cx="0" cy="0"/>
+        </a:xfrm>
+      </p:grpSpPr>
+      <p:sp>
+        <p:nvSpPr>
+          <p:cNvPr id="2" name="Slide Image Placeholder 1"/>
+          <p:cNvSpPr>
+            <a:spLocks noGrp="1" noRot="1" noChangeAspect="1"/>
+          </p:cNvSpPr>
+          <p:nvPr>
+            <p:ph type="sldImg"/>
+          </p:nvPr>
+        </p:nvSpPr>
+        <p:spPr>
+          <a:xfrm>
+            <a:off x="-14225588" y="-11796713"/>
+            <a:ext cx="16649701" cy="12488863"/>
+          </a:xfrm>
+        </p:spPr>
+      </p:sp>
+      <p:sp>
+        <p:nvSpPr>
+          <p:cNvPr id="3" name="Notes Placeholder 2"/>
+          <p:cNvSpPr>
+            <a:spLocks noGrp="1"/>
+          </p:cNvSpPr>
+          <p:nvPr>
+            <p:ph type="body" idx="1"/>
+          </p:nvPr>
+        </p:nvSpPr>
+        <p:spPr/>
+        <p:txBody>
+          <a:bodyPr/>
+          <a:lstStyle/>
+          <a:p>
+            <a:endParaRPr lang="fi-FI" dirty="0"/>
+          </a:p>
+        </p:txBody>
+      </p:sp>
+    </p:spTree>
+    <p:extLst>
+      <p:ext uri="{BB962C8B-B14F-4D97-AF65-F5344CB8AC3E}">
         <p14:creationId xmlns:p14="http://schemas.microsoft.com/office/powerpoint/2010/main" val="2850028296"/>
       </p:ext>
     </p:extLst>
@@ -912,7 +979,7 @@
 </p:notes>
 </file>
 
-<file path=ppt/notesSlides/notesSlide14.xml><?xml version="1.0" encoding="utf-8"?>
+<file path=ppt/notesSlides/notesSlide15.xml><?xml version="1.0" encoding="utf-8"?>
 <p:notes xmlns:a="http://schemas.openxmlformats.org/drawingml/2006/main" xmlns:r="http://schemas.openxmlformats.org/officeDocument/2006/relationships" xmlns:p="http://schemas.openxmlformats.org/presentationml/2006/main">
   <p:cSld>
     <p:spTree>
@@ -28594,50 +28661,270 @@
           <a:chExt cx="0" cy="0"/>
         </a:xfrm>
       </p:grpSpPr>
-      <p:sp>
-        <p:nvSpPr>
-          <p:cNvPr id="3" name="Title 2"/>
-          <p:cNvSpPr>
-            <a:spLocks noGrp="1"/>
-          </p:cNvSpPr>
-          <p:nvPr>
-            <p:ph type="title"/>
-          </p:nvPr>
-        </p:nvSpPr>
-        <p:spPr/>
-        <p:txBody>
-          <a:bodyPr/>
+      <p:pic>
+        <p:nvPicPr>
+          <p:cNvPr id="10" name="Picture 8" descr="https://avatars0.githubusercontent.com/u/232371?v=3&amp;s=400"/>
+          <p:cNvPicPr>
+            <a:picLocks noChangeAspect="1" noChangeArrowheads="1"/>
+          </p:cNvPicPr>
+          <p:nvPr/>
+        </p:nvPicPr>
+        <p:blipFill>
+          <a:blip r:embed="rId3" cstate="print">
+            <a:extLst>
+              <a:ext uri="{28A0092B-C50C-407E-A947-70E740481C1C}">
+                <a14:useLocalDpi xmlns:a14="http://schemas.microsoft.com/office/drawing/2010/main" val="0"/>
+              </a:ext>
+            </a:extLst>
+          </a:blip>
+          <a:srcRect/>
+          <a:stretch>
+            <a:fillRect/>
+          </a:stretch>
+        </p:blipFill>
+        <p:spPr bwMode="auto">
+          <a:xfrm>
+            <a:off x="235017" y="5306027"/>
+            <a:ext cx="1254667" cy="1254668"/>
+          </a:xfrm>
+          <a:prstGeom prst="rect">
+            <a:avLst/>
+          </a:prstGeom>
+          <a:noFill/>
+          <a:ln>
+            <a:noFill/>
+          </a:ln>
+          <a:extLst>
+            <a:ext uri="{909E8E84-426E-40DD-AFC4-6F175D3DCCD1}">
+              <a14:hiddenFill xmlns:a14="http://schemas.microsoft.com/office/drawing/2010/main">
+                <a:solidFill>
+                  <a:srgbClr val="FFFFFF"/>
+                </a:solidFill>
+              </a14:hiddenFill>
+            </a:ext>
+            <a:ext uri="{91240B29-F687-4F45-9708-019B960494DF}">
+              <a14:hiddenLine xmlns:a14="http://schemas.microsoft.com/office/drawing/2010/main" w="9525">
+                <a:solidFill>
+                  <a:srgbClr val="000000"/>
+                </a:solidFill>
+                <a:miter lim="800000"/>
+                <a:headEnd/>
+                <a:tailEnd/>
+              </a14:hiddenLine>
+            </a:ext>
+          </a:extLst>
+        </p:spPr>
+      </p:pic>
+      <p:sp>
+        <p:nvSpPr>
+          <p:cNvPr id="13" name="Suorakulmio 12"/>
+          <p:cNvSpPr/>
+          <p:nvPr/>
+        </p:nvSpPr>
+        <p:spPr bwMode="auto">
+          <a:xfrm>
+            <a:off x="5311958" y="240174"/>
+            <a:ext cx="3570371" cy="531170"/>
+          </a:xfrm>
+          <a:prstGeom prst="rect">
+            <a:avLst/>
+          </a:prstGeom>
+          <a:ln>
+            <a:headEnd type="none" w="med" len="med"/>
+            <a:tailEnd type="none" w="med" len="med"/>
+          </a:ln>
+          <a:scene3d>
+            <a:camera prst="orthographicFront"/>
+            <a:lightRig rig="threePt" dir="t"/>
+          </a:scene3d>
+          <a:sp3d>
+            <a:bevelT w="114300" prst="artDeco"/>
+          </a:sp3d>
+        </p:spPr>
+        <p:style>
+          <a:lnRef idx="2">
+            <a:schemeClr val="accent4"/>
+          </a:lnRef>
+          <a:fillRef idx="1">
+            <a:schemeClr val="lt1"/>
+          </a:fillRef>
+          <a:effectRef idx="0">
+            <a:schemeClr val="accent4"/>
+          </a:effectRef>
+          <a:fontRef idx="minor">
+            <a:schemeClr val="dk1"/>
+          </a:fontRef>
+        </p:style>
+        <p:txBody>
+          <a:bodyPr vert="horz" wrap="square" lIns="91440" tIns="45720" rIns="91440" bIns="45720" numCol="1" rtlCol="0" anchor="t" anchorCtr="0" compatLnSpc="1">
+            <a:prstTxWarp prst="textNoShape">
+              <a:avLst/>
+            </a:prstTxWarp>
+          </a:bodyPr>
           <a:lstStyle/>
           <a:p>
-            <a:r>
-              <a:rPr lang="fi-FI" dirty="0"/>
-              <a:t>POISTETTUJA</a:t>
-            </a:r>
-          </a:p>
-        </p:txBody>
-      </p:sp>
-      <p:sp>
-        <p:nvSpPr>
-          <p:cNvPr id="4" name="Text Placeholder 3"/>
-          <p:cNvSpPr>
-            <a:spLocks noGrp="1"/>
-          </p:cNvSpPr>
-          <p:nvPr>
-            <p:ph type="body" idx="1"/>
-          </p:nvPr>
-        </p:nvSpPr>
-        <p:spPr/>
-        <p:txBody>
-          <a:bodyPr/>
+            <a:pPr marL="0" marR="0" indent="0" algn="ctr" defTabSz="449263" rtl="0" eaLnBrk="1" fontAlgn="base" latinLnBrk="0" hangingPunct="1">
+              <a:lnSpc>
+                <a:spcPct val="100000"/>
+              </a:lnSpc>
+              <a:spcBef>
+                <a:spcPct val="0"/>
+              </a:spcBef>
+              <a:spcAft>
+                <a:spcPct val="0"/>
+              </a:spcAft>
+              <a:buClr>
+                <a:srgbClr val="000000"/>
+              </a:buClr>
+              <a:buSzPct val="100000"/>
+              <a:buFont typeface="Times New Roman" pitchFamily="16" charset="0"/>
+              <a:buNone/>
+              <a:tabLst/>
+            </a:pPr>
+            <a:r>
+              <a:rPr kumimoji="0" lang="fi-FI" sz="2400" b="0" i="0" u="none" strike="noStrike" cap="none" normalizeH="0" dirty="0">
+                <a:ln>
+                  <a:noFill/>
+                </a:ln>
+                <a:solidFill>
+                  <a:schemeClr val="tx2">
+                    <a:lumMod val="75000"/>
+                    <a:lumOff val="25000"/>
+                  </a:schemeClr>
+                </a:solidFill>
+                <a:effectLst/>
+                <a:latin typeface="Arial" charset="0"/>
+              </a:rPr>
+              <a:t>MÄÄRITTELYIKKUNA</a:t>
+            </a:r>
+            <a:endParaRPr kumimoji="0" lang="fi-FI" sz="1800" b="0" i="0" u="none" strike="noStrike" cap="none" normalizeH="0" dirty="0">
+              <a:ln>
+                <a:noFill/>
+              </a:ln>
+              <a:solidFill>
+                <a:schemeClr val="tx2">
+                  <a:lumMod val="75000"/>
+                  <a:lumOff val="25000"/>
+                </a:schemeClr>
+              </a:solidFill>
+              <a:effectLst/>
+              <a:latin typeface="Arial" charset="0"/>
+            </a:endParaRPr>
+          </a:p>
+          <a:p>
+            <a:pPr marL="0" marR="0" indent="0" algn="l" defTabSz="449263" rtl="0" eaLnBrk="1" fontAlgn="base" latinLnBrk="0" hangingPunct="1">
+              <a:lnSpc>
+                <a:spcPct val="100000"/>
+              </a:lnSpc>
+              <a:spcBef>
+                <a:spcPct val="0"/>
+              </a:spcBef>
+              <a:spcAft>
+                <a:spcPct val="0"/>
+              </a:spcAft>
+              <a:buClr>
+                <a:srgbClr val="000000"/>
+              </a:buClr>
+              <a:buSzPct val="100000"/>
+              <a:buFont typeface="Times New Roman" pitchFamily="16" charset="0"/>
+              <a:buNone/>
+              <a:tabLst/>
+            </a:pPr>
+            <a:endParaRPr kumimoji="0" lang="fi-FI" sz="1800" b="0" i="0" u="none" strike="noStrike" cap="none" normalizeH="0" dirty="0">
+              <a:ln>
+                <a:noFill/>
+              </a:ln>
+              <a:solidFill>
+                <a:schemeClr val="tx2">
+                  <a:lumMod val="75000"/>
+                  <a:lumOff val="25000"/>
+                </a:schemeClr>
+              </a:solidFill>
+              <a:effectLst/>
+              <a:latin typeface="Arial" charset="0"/>
+            </a:endParaRPr>
+          </a:p>
+        </p:txBody>
+      </p:sp>
+      <p:sp>
+        <p:nvSpPr>
+          <p:cNvPr id="43" name="Suorakulmio 42"/>
+          <p:cNvSpPr/>
+          <p:nvPr/>
+        </p:nvSpPr>
+        <p:spPr>
+          <a:xfrm>
+            <a:off x="0" y="1423517"/>
+            <a:ext cx="1074012" cy="338554"/>
+          </a:xfrm>
+          <a:prstGeom prst="rect">
+            <a:avLst/>
+          </a:prstGeom>
+          <a:solidFill>
+            <a:schemeClr val="accent2">
+              <a:lumMod val="75000"/>
+            </a:schemeClr>
+          </a:solidFill>
+        </p:spPr>
+        <p:txBody>
+          <a:bodyPr wrap="none">
+            <a:spAutoFit/>
+          </a:bodyPr>
           <a:lstStyle/>
           <a:p>
-            <a:endParaRPr lang="fi-FI"/>
-          </a:p>
-        </p:txBody>
-      </p:sp>
-      <p:sp>
-        <p:nvSpPr>
-          <p:cNvPr id="2" name="Footer Placeholder 1"/>
+            <a:r>
+              <a:rPr kumimoji="0" lang="fi-FI" sz="1600" b="0" i="0" u="none" strike="noStrike" cap="none" normalizeH="0" dirty="0">
+                <a:ln>
+                  <a:noFill/>
+                </a:ln>
+                <a:effectLst/>
+                <a:latin typeface="Arial" charset="0"/>
+              </a:rPr>
+              <a:t>Tehtävä </a:t>
+            </a:r>
+            <a:r>
+              <a:rPr lang="fi-FI" sz="1600" dirty="0">
+                <a:latin typeface="Arial" charset="0"/>
+              </a:rPr>
+              <a:t>6</a:t>
+            </a:r>
+            <a:endParaRPr lang="fi-FI" sz="1600" dirty="0"/>
+          </a:p>
+        </p:txBody>
+      </p:sp>
+      <p:pic>
+        <p:nvPicPr>
+          <p:cNvPr id="42" name="Kuva 41"/>
+          <p:cNvPicPr>
+            <a:picLocks noChangeAspect="1"/>
+          </p:cNvPicPr>
+          <p:nvPr/>
+        </p:nvPicPr>
+        <p:blipFill>
+          <a:blip r:embed="rId4">
+            <a:extLst>
+              <a:ext uri="{28A0092B-C50C-407E-A947-70E740481C1C}">
+                <a14:useLocalDpi xmlns:a14="http://schemas.microsoft.com/office/drawing/2010/main" val="0"/>
+              </a:ext>
+            </a:extLst>
+          </a:blip>
+          <a:stretch>
+            <a:fillRect/>
+          </a:stretch>
+        </p:blipFill>
+        <p:spPr>
+          <a:xfrm>
+            <a:off x="8068724" y="1165451"/>
+            <a:ext cx="1075276" cy="516133"/>
+          </a:xfrm>
+          <a:prstGeom prst="rect">
+            <a:avLst/>
+          </a:prstGeom>
+        </p:spPr>
+      </p:pic>
+      <p:sp>
+        <p:nvSpPr>
+          <p:cNvPr id="3" name="Alatunnisteen paikkamerkki 2"/>
           <p:cNvSpPr>
             <a:spLocks noGrp="1"/>
           </p:cNvSpPr>
@@ -28645,26 +28932,293 @@
             <p:ph type="ftr" sz="quarter" idx="11"/>
           </p:nvPr>
         </p:nvSpPr>
-        <p:spPr/>
+        <p:spPr>
+          <a:xfrm>
+            <a:off x="755576" y="6308361"/>
+            <a:ext cx="4870585" cy="365125"/>
+          </a:xfrm>
+        </p:spPr>
         <p:txBody>
           <a:bodyPr/>
           <a:lstStyle/>
           <a:p>
-            <a:pPr>
+            <a:pPr algn="r">
               <a:defRPr/>
             </a:pPr>
             <a:r>
-              <a:rPr lang="fi-FI"/>
+              <a:rPr lang="fi-FI" dirty="0"/>
               <a:t>MAOL Ohjelmointia matematiikkaan</a:t>
             </a:r>
-            <a:endParaRPr lang="ru-RU"/>
+            <a:endParaRPr lang="ru-RU" dirty="0"/>
+          </a:p>
+        </p:txBody>
+      </p:sp>
+      <p:sp>
+        <p:nvSpPr>
+          <p:cNvPr id="35" name="Suorakulmio 34"/>
+          <p:cNvSpPr/>
+          <p:nvPr/>
+        </p:nvSpPr>
+        <p:spPr>
+          <a:xfrm>
+            <a:off x="428520" y="765364"/>
+            <a:ext cx="8391952" cy="677108"/>
+          </a:xfrm>
+          <a:prstGeom prst="rect">
+            <a:avLst/>
+          </a:prstGeom>
+        </p:spPr>
+        <p:txBody>
+          <a:bodyPr wrap="square">
+            <a:spAutoFit/>
+          </a:bodyPr>
+          <a:lstStyle/>
+          <a:p>
+            <a:r>
+              <a:rPr lang="fi-FI" sz="2200" dirty="0">
+                <a:solidFill>
+                  <a:schemeClr val="tx1"/>
+                </a:solidFill>
+                <a:latin typeface="Arial" charset="0"/>
+              </a:rPr>
+              <a:t>Koodaa seuraavat funktiot:     </a:t>
+            </a:r>
+            <a:r>
+              <a:rPr lang="fi-FI" sz="1600" i="1" dirty="0">
+                <a:solidFill>
+                  <a:schemeClr val="tx1"/>
+                </a:solidFill>
+                <a:latin typeface="Arial" charset="0"/>
+              </a:rPr>
+              <a:t>(vinkki: list, length, filter, positive?, zero?, append, </a:t>
+            </a:r>
+          </a:p>
+          <a:p>
+            <a:r>
+              <a:rPr lang="fi-FI" sz="1600" i="1" dirty="0">
+                <a:solidFill>
+                  <a:schemeClr val="tx1"/>
+                </a:solidFill>
+                <a:latin typeface="Arial" charset="0"/>
+              </a:rPr>
+              <a:t>				                                             map, apply, +, /,  check-expect)</a:t>
+            </a:r>
+            <a:endParaRPr lang="fi-FI" sz="1600" i="1" dirty="0">
+              <a:solidFill>
+                <a:schemeClr val="tx1"/>
+              </a:solidFill>
+            </a:endParaRPr>
+          </a:p>
+        </p:txBody>
+      </p:sp>
+      <p:pic>
+        <p:nvPicPr>
+          <p:cNvPr id="61" name="Picture 2" descr="WeScheme Logo"/>
+          <p:cNvPicPr>
+            <a:picLocks noChangeAspect="1" noChangeArrowheads="1"/>
+          </p:cNvPicPr>
+          <p:nvPr/>
+        </p:nvPicPr>
+        <p:blipFill>
+          <a:blip r:embed="rId5" cstate="print">
+            <a:extLst>
+              <a:ext uri="{28A0092B-C50C-407E-A947-70E740481C1C}">
+                <a14:useLocalDpi xmlns:a14="http://schemas.microsoft.com/office/drawing/2010/main" val="0"/>
+              </a:ext>
+            </a:extLst>
+          </a:blip>
+          <a:srcRect/>
+          <a:stretch>
+            <a:fillRect/>
+          </a:stretch>
+        </p:blipFill>
+        <p:spPr bwMode="auto">
+          <a:xfrm>
+            <a:off x="7386527" y="5180161"/>
+            <a:ext cx="1495802" cy="1383832"/>
+          </a:xfrm>
+          <a:prstGeom prst="rect">
+            <a:avLst/>
+          </a:prstGeom>
+          <a:noFill/>
+          <a:ln>
+            <a:noFill/>
+          </a:ln>
+          <a:effectLst>
+            <a:outerShdw blurRad="50800" dist="38100" dir="5400000" algn="t" rotWithShape="0">
+              <a:prstClr val="black">
+                <a:alpha val="40000"/>
+              </a:prstClr>
+            </a:outerShdw>
+          </a:effectLst>
+          <a:extLst>
+            <a:ext uri="{909E8E84-426E-40DD-AFC4-6F175D3DCCD1}">
+              <a14:hiddenFill xmlns:a14="http://schemas.microsoft.com/office/drawing/2010/main">
+                <a:solidFill>
+                  <a:srgbClr val="FFFFFF"/>
+                </a:solidFill>
+              </a14:hiddenFill>
+            </a:ext>
+            <a:ext uri="{91240B29-F687-4F45-9708-019B960494DF}">
+              <a14:hiddenLine xmlns:a14="http://schemas.microsoft.com/office/drawing/2010/main" w="9525">
+                <a:solidFill>
+                  <a:srgbClr val="000000"/>
+                </a:solidFill>
+                <a:miter lim="800000"/>
+                <a:headEnd/>
+                <a:tailEnd/>
+              </a14:hiddenLine>
+            </a:ext>
+          </a:extLst>
+        </p:spPr>
+      </p:pic>
+      <p:sp>
+        <p:nvSpPr>
+          <p:cNvPr id="24" name="Suorakulmio 34"/>
+          <p:cNvSpPr/>
+          <p:nvPr/>
+        </p:nvSpPr>
+        <p:spPr>
+          <a:xfrm>
+            <a:off x="1187624" y="1353381"/>
+            <a:ext cx="7336906" cy="3693319"/>
+          </a:xfrm>
+          <a:prstGeom prst="rect">
+            <a:avLst/>
+          </a:prstGeom>
+        </p:spPr>
+        <p:txBody>
+          <a:bodyPr wrap="square">
+            <a:spAutoFit/>
+          </a:bodyPr>
+          <a:lstStyle/>
+          <a:p>
+            <a:r>
+              <a:rPr lang="fi-FI" sz="2200" dirty="0">
+                <a:solidFill>
+                  <a:schemeClr val="tx1"/>
+                </a:solidFill>
+                <a:latin typeface="Arial" charset="0"/>
+              </a:rPr>
+              <a:t>Sademääräongelma</a:t>
+            </a:r>
+          </a:p>
+          <a:p>
+            <a:endParaRPr lang="fi-FI" sz="2200" dirty="0">
+              <a:solidFill>
+                <a:schemeClr val="tx1"/>
+              </a:solidFill>
+              <a:latin typeface="Arial" charset="0"/>
+            </a:endParaRPr>
+          </a:p>
+          <a:p>
+            <a:r>
+              <a:rPr lang="fi-FI" sz="2000" dirty="0">
+                <a:solidFill>
+                  <a:schemeClr val="tx1"/>
+                </a:solidFill>
+                <a:latin typeface="Arial" charset="0"/>
+              </a:rPr>
+              <a:t>Saat käyttöösi sademäärät per päivä listan muodossa. Negatiiviset sademäärät ovat mittalaitteen virheellisiä lukemia ja niitä ei oteta mukaan laskuissa.</a:t>
+            </a:r>
+          </a:p>
+          <a:p>
+            <a:endParaRPr lang="fi-FI" sz="2000" dirty="0">
+              <a:solidFill>
+                <a:schemeClr val="tx1"/>
+              </a:solidFill>
+              <a:latin typeface="Arial" charset="0"/>
+            </a:endParaRPr>
+          </a:p>
+          <a:p>
+            <a:r>
+              <a:rPr lang="fi-FI" sz="2000" dirty="0">
+                <a:solidFill>
+                  <a:schemeClr val="tx1"/>
+                </a:solidFill>
+                <a:latin typeface="Arial" charset="0"/>
+              </a:rPr>
+              <a:t>Kirjoita ohjelma, joka laskee ja tulostaa:</a:t>
+            </a:r>
+          </a:p>
+          <a:p>
+            <a:r>
+              <a:rPr lang="fi-FI" dirty="0">
+                <a:solidFill>
+                  <a:schemeClr val="tx1"/>
+                </a:solidFill>
+                <a:latin typeface="Arial" charset="0"/>
+              </a:rPr>
+              <a:t>1. positiivisten sademäärien summan eli kokonaissademäärän ko. ajalta</a:t>
+            </a:r>
+          </a:p>
+          <a:p>
+            <a:r>
+              <a:rPr lang="fi-FI" dirty="0">
+                <a:solidFill>
+                  <a:schemeClr val="tx1"/>
+                </a:solidFill>
+                <a:latin typeface="Arial" charset="0"/>
+              </a:rPr>
+              <a:t>2. positiivisten sademäärien lukumäärän eli sadepäivät ko. ajalta</a:t>
+            </a:r>
+          </a:p>
+          <a:p>
+            <a:r>
+              <a:rPr lang="fi-FI" dirty="0">
+                <a:solidFill>
+                  <a:schemeClr val="tx1"/>
+                </a:solidFill>
+                <a:latin typeface="Arial" charset="0"/>
+              </a:rPr>
+              <a:t>3. keskimääräisen sademäärän ko. ajalta (jos yhtenäkään päivänä ei satanut ilmoitetaan "Ei sadepäiviä”)</a:t>
+            </a:r>
+            <a:endParaRPr lang="fi-FI" dirty="0">
+              <a:solidFill>
+                <a:schemeClr val="tx1"/>
+              </a:solidFill>
+              <a:latin typeface="Arial" charset="0"/>
+            </a:endParaRPr>
+          </a:p>
+        </p:txBody>
+      </p:sp>
+      <p:sp>
+        <p:nvSpPr>
+          <p:cNvPr id="17" name="Rectangle 16"/>
+          <p:cNvSpPr/>
+          <p:nvPr/>
+        </p:nvSpPr>
+        <p:spPr>
+          <a:xfrm>
+            <a:off x="2259016" y="5215865"/>
+            <a:ext cx="4887620" cy="923330"/>
+          </a:xfrm>
+          <a:prstGeom prst="rect">
+            <a:avLst/>
+          </a:prstGeom>
+        </p:spPr>
+        <p:txBody>
+          <a:bodyPr wrap="square">
+            <a:spAutoFit/>
+          </a:bodyPr>
+          <a:lstStyle/>
+          <a:p>
+            <a:r>
+              <a:rPr lang="fi-FI" i="1" dirty="0">
+                <a:solidFill>
+                  <a:schemeClr val="tx1"/>
+                </a:solidFill>
+                <a:latin typeface="Arial" charset="0"/>
+              </a:rPr>
+              <a:t>Vinkki! Voit ilmoittaa tulokset suoraan merkkijonoina ja lukuina. Jos jää aikaa, tee funktio joka palauttaa tulokset kuvana.</a:t>
+            </a:r>
           </a:p>
         </p:txBody>
       </p:sp>
     </p:spTree>
     <p:extLst>
       <p:ext uri="{BB962C8B-B14F-4D97-AF65-F5344CB8AC3E}">
-        <p14:creationId xmlns:p14="http://schemas.microsoft.com/office/powerpoint/2010/main" val="4285661351"/>
+        <p14:creationId xmlns:p14="http://schemas.microsoft.com/office/powerpoint/2010/main" val="2803609086"/>
       </p:ext>
     </p:extLst>
   </p:cSld>
@@ -28691,441 +29245,50 @@
           <a:chExt cx="0" cy="0"/>
         </a:xfrm>
       </p:grpSpPr>
-      <p:pic>
-        <p:nvPicPr>
-          <p:cNvPr id="3" name="Picture 8" descr="https://avatars0.githubusercontent.com/u/232371?v=3&amp;s=400"/>
-          <p:cNvPicPr>
-            <a:picLocks noChangeAspect="1" noChangeArrowheads="1"/>
-          </p:cNvPicPr>
-          <p:nvPr/>
-        </p:nvPicPr>
-        <p:blipFill>
-          <a:blip r:embed="rId2" cstate="print">
-            <a:extLst>
-              <a:ext uri="{28A0092B-C50C-407E-A947-70E740481C1C}">
-                <a14:useLocalDpi xmlns:a14="http://schemas.microsoft.com/office/drawing/2010/main" val="0"/>
-              </a:ext>
-            </a:extLst>
-          </a:blip>
-          <a:srcRect/>
-          <a:stretch>
-            <a:fillRect/>
-          </a:stretch>
-        </p:blipFill>
-        <p:spPr bwMode="auto">
-          <a:xfrm>
-            <a:off x="183365" y="5272742"/>
-            <a:ext cx="1254667" cy="1254668"/>
-          </a:xfrm>
-          <a:prstGeom prst="rect">
-            <a:avLst/>
-          </a:prstGeom>
-          <a:noFill/>
-          <a:ln>
-            <a:noFill/>
-          </a:ln>
-          <a:extLst>
-            <a:ext uri="{909E8E84-426E-40DD-AFC4-6F175D3DCCD1}">
-              <a14:hiddenFill xmlns:a14="http://schemas.microsoft.com/office/drawing/2010/main">
-                <a:solidFill>
-                  <a:srgbClr val="FFFFFF"/>
-                </a:solidFill>
-              </a14:hiddenFill>
-            </a:ext>
-            <a:ext uri="{91240B29-F687-4F45-9708-019B960494DF}">
-              <a14:hiddenLine xmlns:a14="http://schemas.microsoft.com/office/drawing/2010/main" w="9525">
-                <a:solidFill>
-                  <a:srgbClr val="000000"/>
-                </a:solidFill>
-                <a:miter lim="800000"/>
-                <a:headEnd/>
-                <a:tailEnd/>
-              </a14:hiddenLine>
-            </a:ext>
-          </a:extLst>
-        </p:spPr>
-      </p:pic>
-      <p:sp>
-        <p:nvSpPr>
-          <p:cNvPr id="7" name="Suorakulmio 6"/>
-          <p:cNvSpPr/>
-          <p:nvPr/>
-        </p:nvSpPr>
-        <p:spPr>
-          <a:xfrm>
-            <a:off x="428876" y="1953646"/>
-            <a:ext cx="8230201" cy="1938992"/>
-          </a:xfrm>
-          <a:prstGeom prst="rect">
-            <a:avLst/>
-          </a:prstGeom>
-        </p:spPr>
-        <p:txBody>
-          <a:bodyPr wrap="square">
-            <a:spAutoFit/>
-          </a:bodyPr>
+      <p:sp>
+        <p:nvSpPr>
+          <p:cNvPr id="3" name="Title 2"/>
+          <p:cNvSpPr>
+            <a:spLocks noGrp="1"/>
+          </p:cNvSpPr>
+          <p:nvPr>
+            <p:ph type="title"/>
+          </p:nvPr>
+        </p:nvSpPr>
+        <p:spPr/>
+        <p:txBody>
+          <a:bodyPr/>
           <a:lstStyle/>
           <a:p>
             <a:r>
-              <a:rPr lang="fi-FI" sz="2400" dirty="0">
-                <a:solidFill>
-                  <a:schemeClr val="tx2">
-                    <a:lumMod val="75000"/>
-                    <a:lumOff val="25000"/>
-                  </a:schemeClr>
-                </a:solidFill>
-                <a:latin typeface="Courier New" panose="02070309020205020404" pitchFamily="49" charset="0"/>
-                <a:cs typeface="Courier New" panose="02070309020205020404" pitchFamily="49" charset="0"/>
-              </a:rPr>
-              <a:t>Foldl</a:t>
-            </a:r>
-            <a:r>
-              <a:rPr lang="fi-FI" sz="2400" dirty="0">
-                <a:solidFill>
-                  <a:schemeClr val="tx2">
-                    <a:lumMod val="75000"/>
-                    <a:lumOff val="25000"/>
-                  </a:schemeClr>
-                </a:solidFill>
-                <a:latin typeface="Arial" charset="0"/>
-                <a:cs typeface="Courier New" panose="02070309020205020404" pitchFamily="49" charset="0"/>
-              </a:rPr>
-              <a:t>:iä (</a:t>
-            </a:r>
-            <a:r>
-              <a:rPr lang="fi-FI" sz="2400" i="1" dirty="0">
-                <a:solidFill>
-                  <a:schemeClr val="tx2">
-                    <a:lumMod val="75000"/>
-                    <a:lumOff val="25000"/>
-                  </a:schemeClr>
-                </a:solidFill>
-                <a:latin typeface="Arial" charset="0"/>
-                <a:cs typeface="Courier New" panose="02070309020205020404" pitchFamily="49" charset="0"/>
-              </a:rPr>
-              <a:t>fold left</a:t>
-            </a:r>
-            <a:r>
-              <a:rPr lang="fi-FI" sz="2400" dirty="0">
-                <a:solidFill>
-                  <a:schemeClr val="tx2">
-                    <a:lumMod val="75000"/>
-                    <a:lumOff val="25000"/>
-                  </a:schemeClr>
-                </a:solidFill>
-                <a:latin typeface="Arial" charset="0"/>
-                <a:cs typeface="Courier New" panose="02070309020205020404" pitchFamily="49" charset="0"/>
-              </a:rPr>
-              <a:t>) voidaan käyttää, kun halutaan käyttää funktiota, joka yhdistää listan alkiot yhdeksi arvoksi. Tähän tarvitaan ns. ”akkumulaattori”-arvo, johon vastaus kerätään listaa käsiteltäessä. Akkumulaattorille pitää antaa sopiva lähtöarvo. </a:t>
-            </a:r>
-            <a:endParaRPr lang="fi-FI" sz="2400" dirty="0">
-              <a:solidFill>
-                <a:schemeClr val="tx2">
-                  <a:lumMod val="75000"/>
-                  <a:lumOff val="25000"/>
-                </a:schemeClr>
-              </a:solidFill>
-              <a:latin typeface="Arial" charset="0"/>
-            </a:endParaRPr>
-          </a:p>
-        </p:txBody>
-      </p:sp>
-      <p:sp>
-        <p:nvSpPr>
-          <p:cNvPr id="12" name="Suorakulmio 11"/>
-          <p:cNvSpPr/>
-          <p:nvPr/>
-        </p:nvSpPr>
-        <p:spPr>
-          <a:xfrm>
-            <a:off x="1438032" y="5752085"/>
-            <a:ext cx="2069797" cy="369332"/>
-          </a:xfrm>
-          <a:prstGeom prst="rect">
-            <a:avLst/>
-          </a:prstGeom>
-        </p:spPr>
-        <p:txBody>
-          <a:bodyPr wrap="none">
-            <a:spAutoFit/>
-          </a:bodyPr>
+              <a:rPr lang="fi-FI" dirty="0"/>
+              <a:t>POISTETTUJA</a:t>
+            </a:r>
+          </a:p>
+        </p:txBody>
+      </p:sp>
+      <p:sp>
+        <p:nvSpPr>
+          <p:cNvPr id="4" name="Text Placeholder 3"/>
+          <p:cNvSpPr>
+            <a:spLocks noGrp="1"/>
+          </p:cNvSpPr>
+          <p:nvPr>
+            <p:ph type="body" idx="1"/>
+          </p:nvPr>
+        </p:nvSpPr>
+        <p:spPr/>
+        <p:txBody>
+          <a:bodyPr/>
           <a:lstStyle/>
           <a:p>
-            <a:r>
-              <a:rPr kumimoji="0" lang="fi-FI" sz="1800" b="0" i="0" u="none" strike="noStrike" cap="none" normalizeH="0" dirty="0">
-                <a:ln>
-                  <a:noFill/>
-                </a:ln>
-                <a:solidFill>
-                  <a:schemeClr val="tx2">
-                    <a:lumMod val="75000"/>
-                    <a:lumOff val="25000"/>
-                  </a:schemeClr>
-                </a:solidFill>
-                <a:effectLst/>
-                <a:latin typeface="Arial" charset="0"/>
-              </a:rPr>
-              <a:t>Advanced Student</a:t>
-            </a:r>
-            <a:endParaRPr lang="fi-FI" dirty="0"/>
-          </a:p>
-        </p:txBody>
-      </p:sp>
-      <p:sp>
-        <p:nvSpPr>
-          <p:cNvPr id="10" name="Otsikko 1"/>
-          <p:cNvSpPr txBox="1">
-            <a:spLocks/>
-          </p:cNvSpPr>
-          <p:nvPr/>
-        </p:nvSpPr>
-        <p:spPr bwMode="auto">
-          <a:xfrm>
-            <a:off x="418559" y="880090"/>
-            <a:ext cx="8240518" cy="599694"/>
-          </a:xfrm>
-          <a:prstGeom prst="rect">
-            <a:avLst/>
-          </a:prstGeom>
-          <a:noFill/>
-          <a:ln>
-            <a:noFill/>
-          </a:ln>
-          <a:extLst>
-            <a:ext uri="{909E8E84-426E-40DD-AFC4-6F175D3DCCD1}">
-              <a14:hiddenFill xmlns:a14="http://schemas.microsoft.com/office/drawing/2010/main">
-                <a:solidFill>
-                  <a:srgbClr val="FFFFFF"/>
-                </a:solidFill>
-              </a14:hiddenFill>
-            </a:ext>
-            <a:ext uri="{91240B29-F687-4F45-9708-019B960494DF}">
-              <a14:hiddenLine xmlns:a14="http://schemas.microsoft.com/office/drawing/2010/main" w="9525">
-                <a:solidFill>
-                  <a:srgbClr val="000000"/>
-                </a:solidFill>
-                <a:round/>
-                <a:headEnd/>
-                <a:tailEnd/>
-              </a14:hiddenLine>
-            </a:ext>
-          </a:extLst>
-        </p:spPr>
-        <p:txBody>
-          <a:bodyPr vert="horz" wrap="square" lIns="90000" tIns="46800" rIns="90000" bIns="46800" numCol="1" anchor="ctr" anchorCtr="0" compatLnSpc="1">
-            <a:prstTxWarp prst="textNoShape">
-              <a:avLst/>
-            </a:prstTxWarp>
-          </a:bodyPr>
-          <a:lstStyle>
-            <a:lvl1pPr algn="ctr" defTabSz="449263" rtl="0" eaLnBrk="0" fontAlgn="base" hangingPunct="0">
-              <a:spcBef>
-                <a:spcPct val="0"/>
-              </a:spcBef>
-              <a:spcAft>
-                <a:spcPct val="0"/>
-              </a:spcAft>
-              <a:buClr>
-                <a:srgbClr val="000000"/>
-              </a:buClr>
-              <a:buSzPct val="100000"/>
-              <a:buFont typeface="Times New Roman" panose="02020603050405020304" pitchFamily="18" charset="0"/>
-              <a:defRPr sz="4400">
-                <a:solidFill>
-                  <a:srgbClr val="000000"/>
-                </a:solidFill>
-                <a:latin typeface="+mj-lt"/>
-                <a:ea typeface="+mj-ea"/>
-                <a:cs typeface="+mj-cs"/>
-              </a:defRPr>
-            </a:lvl1pPr>
-            <a:lvl2pPr algn="ctr" defTabSz="449263" rtl="0" eaLnBrk="0" fontAlgn="base" hangingPunct="0">
-              <a:spcBef>
-                <a:spcPct val="0"/>
-              </a:spcBef>
-              <a:spcAft>
-                <a:spcPct val="0"/>
-              </a:spcAft>
-              <a:buClr>
-                <a:srgbClr val="000000"/>
-              </a:buClr>
-              <a:buSzPct val="100000"/>
-              <a:buFont typeface="Times New Roman" panose="02020603050405020304" pitchFamily="18" charset="0"/>
-              <a:defRPr sz="4400">
-                <a:solidFill>
-                  <a:srgbClr val="000000"/>
-                </a:solidFill>
-                <a:latin typeface="Arial" charset="0"/>
-                <a:ea typeface="AR PL Mingti2L Big5" charset="0"/>
-                <a:cs typeface="AR PL Mingti2L Big5" charset="0"/>
-              </a:defRPr>
-            </a:lvl2pPr>
-            <a:lvl3pPr algn="ctr" defTabSz="449263" rtl="0" eaLnBrk="0" fontAlgn="base" hangingPunct="0">
-              <a:spcBef>
-                <a:spcPct val="0"/>
-              </a:spcBef>
-              <a:spcAft>
-                <a:spcPct val="0"/>
-              </a:spcAft>
-              <a:buClr>
-                <a:srgbClr val="000000"/>
-              </a:buClr>
-              <a:buSzPct val="100000"/>
-              <a:buFont typeface="Times New Roman" panose="02020603050405020304" pitchFamily="18" charset="0"/>
-              <a:defRPr sz="4400">
-                <a:solidFill>
-                  <a:srgbClr val="000000"/>
-                </a:solidFill>
-                <a:latin typeface="Arial" charset="0"/>
-                <a:ea typeface="AR PL Mingti2L Big5" charset="0"/>
-                <a:cs typeface="AR PL Mingti2L Big5" charset="0"/>
-              </a:defRPr>
-            </a:lvl3pPr>
-            <a:lvl4pPr algn="ctr" defTabSz="449263" rtl="0" eaLnBrk="0" fontAlgn="base" hangingPunct="0">
-              <a:spcBef>
-                <a:spcPct val="0"/>
-              </a:spcBef>
-              <a:spcAft>
-                <a:spcPct val="0"/>
-              </a:spcAft>
-              <a:buClr>
-                <a:srgbClr val="000000"/>
-              </a:buClr>
-              <a:buSzPct val="100000"/>
-              <a:buFont typeface="Times New Roman" panose="02020603050405020304" pitchFamily="18" charset="0"/>
-              <a:defRPr sz="4400">
-                <a:solidFill>
-                  <a:srgbClr val="000000"/>
-                </a:solidFill>
-                <a:latin typeface="Arial" charset="0"/>
-                <a:ea typeface="AR PL Mingti2L Big5" charset="0"/>
-                <a:cs typeface="AR PL Mingti2L Big5" charset="0"/>
-              </a:defRPr>
-            </a:lvl4pPr>
-            <a:lvl5pPr algn="ctr" defTabSz="449263" rtl="0" eaLnBrk="0" fontAlgn="base" hangingPunct="0">
-              <a:spcBef>
-                <a:spcPct val="0"/>
-              </a:spcBef>
-              <a:spcAft>
-                <a:spcPct val="0"/>
-              </a:spcAft>
-              <a:buClr>
-                <a:srgbClr val="000000"/>
-              </a:buClr>
-              <a:buSzPct val="100000"/>
-              <a:buFont typeface="Times New Roman" panose="02020603050405020304" pitchFamily="18" charset="0"/>
-              <a:defRPr sz="4400">
-                <a:solidFill>
-                  <a:srgbClr val="000000"/>
-                </a:solidFill>
-                <a:latin typeface="Arial" charset="0"/>
-                <a:ea typeface="AR PL Mingti2L Big5" charset="0"/>
-                <a:cs typeface="AR PL Mingti2L Big5" charset="0"/>
-              </a:defRPr>
-            </a:lvl5pPr>
-            <a:lvl6pPr marL="2514600" indent="-228600" algn="ctr" defTabSz="449263" rtl="0" fontAlgn="base">
-              <a:spcBef>
-                <a:spcPct val="0"/>
-              </a:spcBef>
-              <a:spcAft>
-                <a:spcPct val="0"/>
-              </a:spcAft>
-              <a:buClr>
-                <a:srgbClr val="000000"/>
-              </a:buClr>
-              <a:buSzPct val="100000"/>
-              <a:buFont typeface="Times New Roman" pitchFamily="16" charset="0"/>
-              <a:defRPr sz="4400">
-                <a:solidFill>
-                  <a:srgbClr val="000000"/>
-                </a:solidFill>
-                <a:latin typeface="Arial" charset="0"/>
-                <a:ea typeface="AR PL Mingti2L Big5" charset="0"/>
-                <a:cs typeface="AR PL Mingti2L Big5" charset="0"/>
-              </a:defRPr>
-            </a:lvl6pPr>
-            <a:lvl7pPr marL="2971800" indent="-228600" algn="ctr" defTabSz="449263" rtl="0" fontAlgn="base">
-              <a:spcBef>
-                <a:spcPct val="0"/>
-              </a:spcBef>
-              <a:spcAft>
-                <a:spcPct val="0"/>
-              </a:spcAft>
-              <a:buClr>
-                <a:srgbClr val="000000"/>
-              </a:buClr>
-              <a:buSzPct val="100000"/>
-              <a:buFont typeface="Times New Roman" pitchFamily="16" charset="0"/>
-              <a:defRPr sz="4400">
-                <a:solidFill>
-                  <a:srgbClr val="000000"/>
-                </a:solidFill>
-                <a:latin typeface="Arial" charset="0"/>
-                <a:ea typeface="AR PL Mingti2L Big5" charset="0"/>
-                <a:cs typeface="AR PL Mingti2L Big5" charset="0"/>
-              </a:defRPr>
-            </a:lvl7pPr>
-            <a:lvl8pPr marL="3429000" indent="-228600" algn="ctr" defTabSz="449263" rtl="0" fontAlgn="base">
-              <a:spcBef>
-                <a:spcPct val="0"/>
-              </a:spcBef>
-              <a:spcAft>
-                <a:spcPct val="0"/>
-              </a:spcAft>
-              <a:buClr>
-                <a:srgbClr val="000000"/>
-              </a:buClr>
-              <a:buSzPct val="100000"/>
-              <a:buFont typeface="Times New Roman" pitchFamily="16" charset="0"/>
-              <a:defRPr sz="4400">
-                <a:solidFill>
-                  <a:srgbClr val="000000"/>
-                </a:solidFill>
-                <a:latin typeface="Arial" charset="0"/>
-                <a:ea typeface="AR PL Mingti2L Big5" charset="0"/>
-                <a:cs typeface="AR PL Mingti2L Big5" charset="0"/>
-              </a:defRPr>
-            </a:lvl8pPr>
-            <a:lvl9pPr marL="3886200" indent="-228600" algn="ctr" defTabSz="449263" rtl="0" fontAlgn="base">
-              <a:spcBef>
-                <a:spcPct val="0"/>
-              </a:spcBef>
-              <a:spcAft>
-                <a:spcPct val="0"/>
-              </a:spcAft>
-              <a:buClr>
-                <a:srgbClr val="000000"/>
-              </a:buClr>
-              <a:buSzPct val="100000"/>
-              <a:buFont typeface="Times New Roman" pitchFamily="16" charset="0"/>
-              <a:defRPr sz="4400">
-                <a:solidFill>
-                  <a:srgbClr val="000000"/>
-                </a:solidFill>
-                <a:latin typeface="Arial" charset="0"/>
-                <a:ea typeface="AR PL Mingti2L Big5" charset="0"/>
-                <a:cs typeface="AR PL Mingti2L Big5" charset="0"/>
-              </a:defRPr>
-            </a:lvl9pPr>
-          </a:lstStyle>
-          <a:p>
-            <a:pPr algn="l"/>
-            <a:r>
-              <a:rPr lang="fi-FI" altLang="fi-FI" sz="4000" b="1" kern="0" dirty="0">
-                <a:solidFill>
-                  <a:schemeClr val="accent6">
-                    <a:lumMod val="75000"/>
-                  </a:schemeClr>
-                </a:solidFill>
-              </a:rPr>
-              <a:t>Listan arvojen yhdistäminen (foldl, foldr)</a:t>
-            </a:r>
-          </a:p>
-        </p:txBody>
-      </p:sp>
-      <p:sp>
-        <p:nvSpPr>
-          <p:cNvPr id="17" name="Alatunnisteen paikkamerkki 16"/>
+            <a:endParaRPr lang="fi-FI"/>
+          </a:p>
+        </p:txBody>
+      </p:sp>
+      <p:sp>
+        <p:nvSpPr>
+          <p:cNvPr id="2" name="Footer Placeholder 1"/>
           <p:cNvSpPr>
             <a:spLocks noGrp="1"/>
           </p:cNvSpPr>
@@ -29138,429 +29301,21 @@
           <a:bodyPr/>
           <a:lstStyle/>
           <a:p>
-            <a:pPr algn="r">
+            <a:pPr>
               <a:defRPr/>
             </a:pPr>
             <a:r>
-              <a:rPr lang="fi-FI" dirty="0"/>
+              <a:rPr lang="fi-FI"/>
               <a:t>MAOL Ohjelmointia matematiikkaan</a:t>
             </a:r>
-            <a:endParaRPr lang="ru-RU" dirty="0"/>
-          </a:p>
-        </p:txBody>
-      </p:sp>
-      <p:pic>
-        <p:nvPicPr>
-          <p:cNvPr id="18" name="Picture 2" descr="WeScheme Logo"/>
-          <p:cNvPicPr>
-            <a:picLocks noChangeAspect="1" noChangeArrowheads="1"/>
-          </p:cNvPicPr>
-          <p:nvPr/>
-        </p:nvPicPr>
-        <p:blipFill>
-          <a:blip r:embed="rId3" cstate="print">
-            <a:extLst>
-              <a:ext uri="{28A0092B-C50C-407E-A947-70E740481C1C}">
-                <a14:useLocalDpi xmlns:a14="http://schemas.microsoft.com/office/drawing/2010/main" val="0"/>
-              </a:ext>
-            </a:extLst>
-          </a:blip>
-          <a:srcRect/>
-          <a:stretch>
-            <a:fillRect/>
-          </a:stretch>
-        </p:blipFill>
-        <p:spPr bwMode="auto">
-          <a:xfrm>
-            <a:off x="7380312" y="5208160"/>
-            <a:ext cx="1495802" cy="1383832"/>
-          </a:xfrm>
-          <a:prstGeom prst="rect">
-            <a:avLst/>
-          </a:prstGeom>
-          <a:noFill/>
-          <a:ln>
-            <a:noFill/>
-          </a:ln>
-          <a:effectLst>
-            <a:outerShdw blurRad="50800" dist="38100" dir="5400000" algn="t" rotWithShape="0">
-              <a:prstClr val="black">
-                <a:alpha val="40000"/>
-              </a:prstClr>
-            </a:outerShdw>
-          </a:effectLst>
-          <a:extLst>
-            <a:ext uri="{909E8E84-426E-40DD-AFC4-6F175D3DCCD1}">
-              <a14:hiddenFill xmlns:a14="http://schemas.microsoft.com/office/drawing/2010/main">
-                <a:solidFill>
-                  <a:srgbClr val="FFFFFF"/>
-                </a:solidFill>
-              </a14:hiddenFill>
-            </a:ext>
-            <a:ext uri="{91240B29-F687-4F45-9708-019B960494DF}">
-              <a14:hiddenLine xmlns:a14="http://schemas.microsoft.com/office/drawing/2010/main" w="9525">
-                <a:solidFill>
-                  <a:srgbClr val="000000"/>
-                </a:solidFill>
-                <a:miter lim="800000"/>
-                <a:headEnd/>
-                <a:tailEnd/>
-              </a14:hiddenLine>
-            </a:ext>
-          </a:extLst>
-        </p:spPr>
-      </p:pic>
-      <p:sp>
-        <p:nvSpPr>
-          <p:cNvPr id="2" name="TextBox 1"/>
-          <p:cNvSpPr txBox="1"/>
-          <p:nvPr/>
-        </p:nvSpPr>
-        <p:spPr>
-          <a:xfrm>
-            <a:off x="1763688" y="4083698"/>
-            <a:ext cx="5793870" cy="1661993"/>
-          </a:xfrm>
-          <a:prstGeom prst="rect">
-            <a:avLst/>
-          </a:prstGeom>
-          <a:noFill/>
-        </p:spPr>
-        <p:txBody>
-          <a:bodyPr wrap="square" rtlCol="0">
-            <a:spAutoFit/>
-          </a:bodyPr>
-          <a:lstStyle/>
-          <a:p>
-            <a:pPr>
-              <a:spcBef>
-                <a:spcPts val="1200"/>
-              </a:spcBef>
-            </a:pPr>
-            <a:r>
-              <a:rPr lang="fi-FI" dirty="0">
-                <a:solidFill>
-                  <a:srgbClr val="002060"/>
-                </a:solidFill>
-                <a:latin typeface="Courier New" panose="02070309020205020404" pitchFamily="49" charset="0"/>
-                <a:cs typeface="Courier New" panose="02070309020205020404" pitchFamily="49" charset="0"/>
-              </a:rPr>
-              <a:t>(foldl + 0 (list 1 2 3 4 5 6))</a:t>
-            </a:r>
-          </a:p>
-          <a:p>
-            <a:pPr>
-              <a:spcBef>
-                <a:spcPts val="1200"/>
-              </a:spcBef>
-            </a:pPr>
-            <a:endParaRPr lang="fi-FI" dirty="0">
-              <a:solidFill>
-                <a:srgbClr val="002060"/>
-              </a:solidFill>
-            </a:endParaRPr>
-          </a:p>
-          <a:p>
-            <a:pPr>
-              <a:spcBef>
-                <a:spcPts val="1200"/>
-              </a:spcBef>
-            </a:pPr>
-            <a:r>
-              <a:rPr lang="fi-FI" dirty="0">
-                <a:solidFill>
-                  <a:srgbClr val="002060"/>
-                </a:solidFill>
-              </a:rPr>
-              <a:t>Tuottaa saman paluuarvon kuin:</a:t>
-            </a:r>
-          </a:p>
-          <a:p>
-            <a:pPr>
-              <a:spcBef>
-                <a:spcPts val="1200"/>
-              </a:spcBef>
-            </a:pPr>
-            <a:r>
-              <a:rPr lang="fi-FI" dirty="0">
-                <a:solidFill>
-                  <a:srgbClr val="002060"/>
-                </a:solidFill>
-                <a:latin typeface="Courier New" panose="02070309020205020404" pitchFamily="49" charset="0"/>
-                <a:cs typeface="Courier New" panose="02070309020205020404" pitchFamily="49" charset="0"/>
-              </a:rPr>
-              <a:t>(+ 0 (+ 1 (+ 2 (+ 3 (+ 4 (+ 5 6)))))) </a:t>
-            </a:r>
-            <a:endParaRPr lang="fi-FI" dirty="0">
-              <a:solidFill>
-                <a:srgbClr val="002060"/>
-              </a:solidFill>
-            </a:endParaRPr>
-          </a:p>
-        </p:txBody>
-      </p:sp>
-      <p:cxnSp>
-        <p:nvCxnSpPr>
-          <p:cNvPr id="9" name="Straight Arrow Connector 8"/>
-          <p:cNvCxnSpPr/>
-          <p:nvPr/>
-        </p:nvCxnSpPr>
-        <p:spPr>
-          <a:xfrm flipV="1">
-            <a:off x="2887128" y="4386995"/>
-            <a:ext cx="0" cy="250651"/>
-          </a:xfrm>
-          <a:prstGeom prst="straightConnector1">
-            <a:avLst/>
-          </a:prstGeom>
-          <a:ln w="38100">
-            <a:solidFill>
-              <a:srgbClr val="FF0000"/>
-            </a:solidFill>
-            <a:tailEnd type="triangle"/>
-          </a:ln>
-        </p:spPr>
-        <p:style>
-          <a:lnRef idx="1">
-            <a:schemeClr val="accent1"/>
-          </a:lnRef>
-          <a:fillRef idx="0">
-            <a:schemeClr val="accent1"/>
-          </a:fillRef>
-          <a:effectRef idx="0">
-            <a:schemeClr val="accent1"/>
-          </a:effectRef>
-          <a:fontRef idx="minor">
-            <a:schemeClr val="tx1"/>
-          </a:fontRef>
-        </p:style>
-      </p:cxnSp>
-      <p:sp>
-        <p:nvSpPr>
-          <p:cNvPr id="11" name="Rectangle 10"/>
-          <p:cNvSpPr/>
-          <p:nvPr/>
-        </p:nvSpPr>
-        <p:spPr>
-          <a:xfrm>
-            <a:off x="2436912" y="4637646"/>
-            <a:ext cx="954271" cy="253405"/>
-          </a:xfrm>
-          <a:prstGeom prst="rect">
-            <a:avLst/>
-          </a:prstGeom>
-          <a:solidFill>
-            <a:srgbClr val="D4EAF3"/>
-          </a:solidFill>
-        </p:spPr>
-        <p:style>
-          <a:lnRef idx="2">
-            <a:schemeClr val="accent1">
-              <a:shade val="50000"/>
-            </a:schemeClr>
-          </a:lnRef>
-          <a:fillRef idx="1">
-            <a:schemeClr val="accent1"/>
-          </a:fillRef>
-          <a:effectRef idx="0">
-            <a:schemeClr val="accent1"/>
-          </a:effectRef>
-          <a:fontRef idx="minor">
-            <a:schemeClr val="lt1"/>
-          </a:fontRef>
-        </p:style>
-        <p:txBody>
-          <a:bodyPr rtlCol="0" anchor="ctr"/>
-          <a:lstStyle/>
-          <a:p>
-            <a:pPr algn="ctr"/>
-            <a:r>
-              <a:rPr lang="fi-FI" dirty="0">
-                <a:solidFill>
-                  <a:schemeClr val="tx1"/>
-                </a:solidFill>
-              </a:rPr>
-              <a:t>funktio </a:t>
-            </a:r>
-          </a:p>
-        </p:txBody>
-      </p:sp>
-      <p:cxnSp>
-        <p:nvCxnSpPr>
-          <p:cNvPr id="13" name="Straight Arrow Connector 12"/>
-          <p:cNvCxnSpPr/>
-          <p:nvPr/>
-        </p:nvCxnSpPr>
-        <p:spPr>
-          <a:xfrm>
-            <a:off x="3176927" y="3830293"/>
-            <a:ext cx="0" cy="253405"/>
-          </a:xfrm>
-          <a:prstGeom prst="straightConnector1">
-            <a:avLst/>
-          </a:prstGeom>
-          <a:ln w="38100">
-            <a:solidFill>
-              <a:srgbClr val="FF0000"/>
-            </a:solidFill>
-            <a:tailEnd type="triangle"/>
-          </a:ln>
-        </p:spPr>
-        <p:style>
-          <a:lnRef idx="1">
-            <a:schemeClr val="accent1"/>
-          </a:lnRef>
-          <a:fillRef idx="0">
-            <a:schemeClr val="accent1"/>
-          </a:fillRef>
-          <a:effectRef idx="0">
-            <a:schemeClr val="accent1"/>
-          </a:effectRef>
-          <a:fontRef idx="minor">
-            <a:schemeClr val="tx1"/>
-          </a:fontRef>
-        </p:style>
-      </p:cxnSp>
-      <p:sp>
-        <p:nvSpPr>
-          <p:cNvPr id="14" name="Rectangle 13"/>
-          <p:cNvSpPr/>
-          <p:nvPr/>
-        </p:nvSpPr>
-        <p:spPr>
-          <a:xfrm>
-            <a:off x="2436912" y="3568914"/>
-            <a:ext cx="1584176" cy="261379"/>
-          </a:xfrm>
-          <a:prstGeom prst="rect">
-            <a:avLst/>
-          </a:prstGeom>
-          <a:solidFill>
-            <a:srgbClr val="D4EAF3"/>
-          </a:solidFill>
-        </p:spPr>
-        <p:style>
-          <a:lnRef idx="2">
-            <a:schemeClr val="accent1">
-              <a:shade val="50000"/>
-            </a:schemeClr>
-          </a:lnRef>
-          <a:fillRef idx="1">
-            <a:schemeClr val="accent1"/>
-          </a:fillRef>
-          <a:effectRef idx="0">
-            <a:schemeClr val="accent1"/>
-          </a:effectRef>
-          <a:fontRef idx="minor">
-            <a:schemeClr val="lt1"/>
-          </a:fontRef>
-        </p:style>
-        <p:txBody>
-          <a:bodyPr rtlCol="0" anchor="ctr"/>
-          <a:lstStyle/>
-          <a:p>
-            <a:pPr algn="ctr"/>
-            <a:r>
-              <a:rPr lang="fi-FI" dirty="0">
-                <a:solidFill>
-                  <a:schemeClr val="tx1"/>
-                </a:solidFill>
-              </a:rPr>
-              <a:t>akkumulaattori</a:t>
-            </a:r>
-          </a:p>
-        </p:txBody>
-      </p:sp>
-      <p:cxnSp>
-        <p:nvCxnSpPr>
-          <p:cNvPr id="15" name="Straight Arrow Connector 14"/>
-          <p:cNvCxnSpPr/>
-          <p:nvPr/>
-        </p:nvCxnSpPr>
-        <p:spPr>
-          <a:xfrm flipV="1">
-            <a:off x="4751021" y="4386995"/>
-            <a:ext cx="0" cy="250651"/>
-          </a:xfrm>
-          <a:prstGeom prst="straightConnector1">
-            <a:avLst/>
-          </a:prstGeom>
-          <a:ln w="38100">
-            <a:solidFill>
-              <a:srgbClr val="FF0000"/>
-            </a:solidFill>
-            <a:tailEnd type="triangle"/>
-          </a:ln>
-        </p:spPr>
-        <p:style>
-          <a:lnRef idx="1">
-            <a:schemeClr val="accent1"/>
-          </a:lnRef>
-          <a:fillRef idx="0">
-            <a:schemeClr val="accent1"/>
-          </a:fillRef>
-          <a:effectRef idx="0">
-            <a:schemeClr val="accent1"/>
-          </a:effectRef>
-          <a:fontRef idx="minor">
-            <a:schemeClr val="tx1"/>
-          </a:fontRef>
-        </p:style>
-      </p:cxnSp>
-      <p:sp>
-        <p:nvSpPr>
-          <p:cNvPr id="16" name="Rectangle 15"/>
-          <p:cNvSpPr/>
-          <p:nvPr/>
-        </p:nvSpPr>
-        <p:spPr>
-          <a:xfrm>
-            <a:off x="4280648" y="4637646"/>
-            <a:ext cx="954271" cy="253405"/>
-          </a:xfrm>
-          <a:prstGeom prst="rect">
-            <a:avLst/>
-          </a:prstGeom>
-          <a:solidFill>
-            <a:srgbClr val="D4EAF3"/>
-          </a:solidFill>
-        </p:spPr>
-        <p:style>
-          <a:lnRef idx="2">
-            <a:schemeClr val="accent1">
-              <a:shade val="50000"/>
-            </a:schemeClr>
-          </a:lnRef>
-          <a:fillRef idx="1">
-            <a:schemeClr val="accent1"/>
-          </a:fillRef>
-          <a:effectRef idx="0">
-            <a:schemeClr val="accent1"/>
-          </a:effectRef>
-          <a:fontRef idx="minor">
-            <a:schemeClr val="lt1"/>
-          </a:fontRef>
-        </p:style>
-        <p:txBody>
-          <a:bodyPr rtlCol="0" anchor="ctr"/>
-          <a:lstStyle/>
-          <a:p>
-            <a:pPr algn="ctr"/>
-            <a:r>
-              <a:rPr lang="fi-FI" dirty="0">
-                <a:solidFill>
-                  <a:schemeClr val="tx1"/>
-                </a:solidFill>
-              </a:rPr>
-              <a:t>lista</a:t>
-            </a:r>
+            <a:endParaRPr lang="ru-RU"/>
           </a:p>
         </p:txBody>
       </p:sp>
     </p:spTree>
     <p:extLst>
       <p:ext uri="{BB962C8B-B14F-4D97-AF65-F5344CB8AC3E}">
-        <p14:creationId xmlns:p14="http://schemas.microsoft.com/office/powerpoint/2010/main" val="4043679132"/>
+        <p14:creationId xmlns:p14="http://schemas.microsoft.com/office/powerpoint/2010/main" val="4285661351"/>
       </p:ext>
     </p:extLst>
   </p:cSld>
@@ -29650,7 +29405,7 @@
         <p:spPr>
           <a:xfrm>
             <a:off x="428876" y="1953646"/>
-            <a:ext cx="8230201" cy="1384995"/>
+            <a:ext cx="8230201" cy="1938992"/>
           </a:xfrm>
           <a:prstGeom prst="rect">
             <a:avLst/>
@@ -29663,33 +29418,33 @@
           <a:lstStyle/>
           <a:p>
             <a:r>
-              <a:rPr lang="fi-FI" sz="2800" dirty="0">
+              <a:rPr lang="fi-FI" sz="2400" dirty="0">
                 <a:solidFill>
                   <a:schemeClr val="tx2">
                     <a:lumMod val="75000"/>
                     <a:lumOff val="25000"/>
                   </a:schemeClr>
                 </a:solidFill>
-                <a:latin typeface="Arial" charset="0"/>
+                <a:latin typeface="Courier New" panose="02070309020205020404" pitchFamily="49" charset="0"/>
                 <a:cs typeface="Courier New" panose="02070309020205020404" pitchFamily="49" charset="0"/>
               </a:rPr>
-              <a:t>Jos funktion toinen parametri halutaan pitää vakiona, voidaan lista muodostaa </a:t>
-            </a:r>
-            <a:r>
-              <a:rPr lang="fi-FI" sz="2800" dirty="0">
+              <a:t>Foldl</a:t>
+            </a:r>
+            <a:r>
+              <a:rPr lang="fi-FI" sz="2400" dirty="0">
                 <a:solidFill>
                   <a:schemeClr val="tx2">
                     <a:lumMod val="75000"/>
                     <a:lumOff val="25000"/>
                   </a:schemeClr>
                 </a:solidFill>
-                <a:latin typeface="Courier New" panose="02070309020205020404" pitchFamily="49" charset="0"/>
+                <a:latin typeface="Arial" charset="0"/>
                 <a:cs typeface="Courier New" panose="02070309020205020404" pitchFamily="49" charset="0"/>
               </a:rPr>
-              <a:t>make-list</a:t>
-            </a:r>
-            <a:r>
-              <a:rPr lang="fi-FI" sz="2800" dirty="0">
+              <a:t>:iä (</a:t>
+            </a:r>
+            <a:r>
+              <a:rPr lang="fi-FI" sz="2400" i="1" dirty="0">
                 <a:solidFill>
                   <a:schemeClr val="tx2">
                     <a:lumMod val="75000"/>
@@ -29699,9 +29454,22 @@
                 <a:latin typeface="Arial" charset="0"/>
                 <a:cs typeface="Courier New" panose="02070309020205020404" pitchFamily="49" charset="0"/>
               </a:rPr>
-              <a:t>:an avulla (saadaan lista, jossa toistuu sama alkio).</a:t>
-            </a:r>
-            <a:endParaRPr lang="fi-FI" sz="2800" dirty="0">
+              <a:t>fold left</a:t>
+            </a:r>
+            <a:r>
+              <a:rPr lang="fi-FI" sz="2400" dirty="0">
+                <a:solidFill>
+                  <a:schemeClr val="tx2">
+                    <a:lumMod val="75000"/>
+                    <a:lumOff val="25000"/>
+                  </a:schemeClr>
+                </a:solidFill>
+                <a:latin typeface="Arial" charset="0"/>
+                <a:cs typeface="Courier New" panose="02070309020205020404" pitchFamily="49" charset="0"/>
+              </a:rPr>
+              <a:t>) voidaan käyttää, kun halutaan käyttää funktiota, joka yhdistää listan alkiot yhdeksi arvoksi. Tähän tarvitaan ns. ”akkumulaattori”-arvo, johon vastaus kerätään listaa käsiteltäessä. Akkumulaattorille pitää antaa sopiva lähtöarvo. </a:t>
+            </a:r>
+            <a:endParaRPr lang="fi-FI" sz="2400" dirty="0">
               <a:solidFill>
                 <a:schemeClr val="tx2">
                   <a:lumMod val="75000"/>
@@ -29721,7 +29489,7 @@
         </p:nvSpPr>
         <p:spPr>
           <a:xfrm>
-            <a:off x="1434179" y="5715410"/>
+            <a:off x="1438032" y="5752085"/>
             <a:ext cx="2069797" cy="369332"/>
           </a:xfrm>
           <a:prstGeom prst="rect">
@@ -30001,7 +29769,7 @@
                   </a:schemeClr>
                 </a:solidFill>
               </a:rPr>
-              <a:t>Useamman listan alkioiden käsittely funktion avulla (map)</a:t>
+              <a:t>Listan arvojen yhdistäminen (foldl, foldr)</a:t>
             </a:r>
           </a:p>
         </p:txBody>
@@ -30055,7 +29823,7 @@
         </p:blipFill>
         <p:spPr bwMode="auto">
           <a:xfrm>
-            <a:off x="7236296" y="5143578"/>
+            <a:off x="7380312" y="5208160"/>
             <a:ext cx="1495802" cy="1383832"/>
           </a:xfrm>
           <a:prstGeom prst="rect">
@@ -30101,8 +29869,8 @@
         </p:nvSpPr>
         <p:spPr>
           <a:xfrm>
-            <a:off x="1691680" y="3480585"/>
-            <a:ext cx="5793870" cy="2092881"/>
+            <a:off x="1763688" y="4083698"/>
+            <a:ext cx="5793870" cy="1661993"/>
           </a:xfrm>
           <a:prstGeom prst="rect">
             <a:avLst/>
@@ -30128,7 +29896,7 @@
                 <a:latin typeface="Courier New" panose="02070309020205020404" pitchFamily="49" charset="0"/>
                 <a:cs typeface="Courier New" panose="02070309020205020404" pitchFamily="49" charset="0"/>
               </a:rPr>
-              <a:t>(map expt (list 1 2 3) (make-list 3 4) </a:t>
+              <a:t>(foldl + 0 (list 1 2 3 4 5 6))</a:t>
             </a:r>
           </a:p>
           <a:p>
@@ -30172,7 +29940,7 @@
                 <a:latin typeface="Courier New" panose="02070309020205020404" pitchFamily="49" charset="0"/>
                 <a:cs typeface="Courier New" panose="02070309020205020404" pitchFamily="49" charset="0"/>
               </a:rPr>
-              <a:t>(map expt (list 1 2 3) (list 4 4 4) </a:t>
+              <a:t>(+ 0 (+ 1 (+ 2 (+ 3 (+ 4 (+ 5 6)))))) </a:t>
             </a:r>
             <a:endParaRPr lang="fi-FI" dirty="0">
               <a:solidFill>
@@ -30180,34 +29948,6 @@
               </a:solidFill>
             </a:endParaRPr>
           </a:p>
-          <a:p>
-            <a:pPr>
-              <a:spcBef>
-                <a:spcPts val="1200"/>
-              </a:spcBef>
-            </a:pPr>
-            <a:r>
-              <a:rPr lang="fi-FI" dirty="0">
-                <a:solidFill>
-                  <a:srgbClr val="002060"/>
-                </a:solidFill>
-                <a:latin typeface="Courier New" panose="02070309020205020404" pitchFamily="49" charset="0"/>
-                <a:cs typeface="Courier New" panose="02070309020205020404" pitchFamily="49" charset="0"/>
-                <a:sym typeface="Wingdings" panose="05000000000000000000" pitchFamily="2" charset="2"/>
-              </a:rPr>
-              <a:t></a:t>
-            </a:r>
-            <a:r>
-              <a:rPr lang="fi-FI" dirty="0">
-                <a:solidFill>
-                  <a:srgbClr val="002060"/>
-                </a:solidFill>
-                <a:latin typeface="Courier New" panose="02070309020205020404" pitchFamily="49" charset="0"/>
-                <a:cs typeface="Courier New" panose="02070309020205020404" pitchFamily="49" charset="0"/>
-              </a:rPr>
-              <a:t>(list (expt 1 4) (expt 2 4) (expt 3 4))</a:t>
-            </a:r>
-          </a:p>
         </p:txBody>
       </p:sp>
       <p:cxnSp>
@@ -30218,7 +29958,7 @@
         </p:nvCxnSpPr>
         <p:spPr>
           <a:xfrm flipV="1">
-            <a:off x="2724816" y="3807525"/>
+            <a:off x="2887128" y="4386995"/>
             <a:ext cx="0" cy="250651"/>
           </a:xfrm>
           <a:prstGeom prst="straightConnector1">
@@ -30254,7 +29994,7 @@
         </p:nvSpPr>
         <p:spPr>
           <a:xfrm>
-            <a:off x="2274600" y="4058176"/>
+            <a:off x="2436912" y="4637646"/>
             <a:ext cx="954271" cy="253405"/>
           </a:xfrm>
           <a:prstGeom prst="rect">
@@ -30303,9 +30043,9 @@
           <p:nvPr/>
         </p:nvCxnSpPr>
         <p:spPr>
-          <a:xfrm flipV="1">
-            <a:off x="4230317" y="3807525"/>
-            <a:ext cx="0" cy="250651"/>
+          <a:xfrm>
+            <a:off x="3176927" y="3830293"/>
+            <a:ext cx="0" cy="253405"/>
           </a:xfrm>
           <a:prstGeom prst="straightConnector1">
             <a:avLst/>
@@ -30340,8 +30080,8 @@
         </p:nvSpPr>
         <p:spPr>
           <a:xfrm>
-            <a:off x="3780101" y="4058176"/>
-            <a:ext cx="954271" cy="253405"/>
+            <a:off x="2436912" y="3568914"/>
+            <a:ext cx="1584176" cy="261379"/>
           </a:xfrm>
           <a:prstGeom prst="rect">
             <a:avLst/>
@@ -30377,7 +30117,7 @@
                   <a:schemeClr val="tx1"/>
                 </a:solidFill>
               </a:rPr>
-              <a:t>lista 1</a:t>
+              <a:t>akkumulaattori</a:t>
             </a:r>
           </a:p>
         </p:txBody>
@@ -30390,7 +30130,7 @@
         </p:nvCxnSpPr>
         <p:spPr>
           <a:xfrm flipV="1">
-            <a:off x="5755975" y="3807525"/>
+            <a:off x="4751021" y="4386995"/>
             <a:ext cx="0" cy="250651"/>
           </a:xfrm>
           <a:prstGeom prst="straightConnector1">
@@ -30426,7 +30166,7 @@
         </p:nvSpPr>
         <p:spPr>
           <a:xfrm>
-            <a:off x="5285602" y="4058176"/>
+            <a:off x="4280648" y="4637646"/>
             <a:ext cx="954271" cy="253405"/>
           </a:xfrm>
           <a:prstGeom prst="rect">
@@ -30463,7 +30203,7 @@
                   <a:schemeClr val="tx1"/>
                 </a:solidFill>
               </a:rPr>
-              <a:t>lista 2</a:t>
+              <a:t>lista</a:t>
             </a:r>
           </a:p>
         </p:txBody>
@@ -30471,7 +30211,7 @@
     </p:spTree>
     <p:extLst>
       <p:ext uri="{BB962C8B-B14F-4D97-AF65-F5344CB8AC3E}">
-        <p14:creationId xmlns:p14="http://schemas.microsoft.com/office/powerpoint/2010/main" val="4290675072"/>
+        <p14:creationId xmlns:p14="http://schemas.microsoft.com/office/powerpoint/2010/main" val="4043679132"/>
       </p:ext>
     </p:extLst>
   </p:cSld>
@@ -30498,22 +30238,681 @@
           <a:chExt cx="0" cy="0"/>
         </a:xfrm>
       </p:grpSpPr>
-      <p:sp>
-        <p:nvSpPr>
-          <p:cNvPr id="35" name="Rounded Rectangle 34"/>
+      <p:pic>
+        <p:nvPicPr>
+          <p:cNvPr id="3" name="Picture 8" descr="https://avatars0.githubusercontent.com/u/232371?v=3&amp;s=400"/>
+          <p:cNvPicPr>
+            <a:picLocks noChangeAspect="1" noChangeArrowheads="1"/>
+          </p:cNvPicPr>
+          <p:nvPr/>
+        </p:nvPicPr>
+        <p:blipFill>
+          <a:blip r:embed="rId2" cstate="print">
+            <a:extLst>
+              <a:ext uri="{28A0092B-C50C-407E-A947-70E740481C1C}">
+                <a14:useLocalDpi xmlns:a14="http://schemas.microsoft.com/office/drawing/2010/main" val="0"/>
+              </a:ext>
+            </a:extLst>
+          </a:blip>
+          <a:srcRect/>
+          <a:stretch>
+            <a:fillRect/>
+          </a:stretch>
+        </p:blipFill>
+        <p:spPr bwMode="auto">
+          <a:xfrm>
+            <a:off x="183365" y="5272742"/>
+            <a:ext cx="1254667" cy="1254668"/>
+          </a:xfrm>
+          <a:prstGeom prst="rect">
+            <a:avLst/>
+          </a:prstGeom>
+          <a:noFill/>
+          <a:ln>
+            <a:noFill/>
+          </a:ln>
+          <a:extLst>
+            <a:ext uri="{909E8E84-426E-40DD-AFC4-6F175D3DCCD1}">
+              <a14:hiddenFill xmlns:a14="http://schemas.microsoft.com/office/drawing/2010/main">
+                <a:solidFill>
+                  <a:srgbClr val="FFFFFF"/>
+                </a:solidFill>
+              </a14:hiddenFill>
+            </a:ext>
+            <a:ext uri="{91240B29-F687-4F45-9708-019B960494DF}">
+              <a14:hiddenLine xmlns:a14="http://schemas.microsoft.com/office/drawing/2010/main" w="9525">
+                <a:solidFill>
+                  <a:srgbClr val="000000"/>
+                </a:solidFill>
+                <a:miter lim="800000"/>
+                <a:headEnd/>
+                <a:tailEnd/>
+              </a14:hiddenLine>
+            </a:ext>
+          </a:extLst>
+        </p:spPr>
+      </p:pic>
+      <p:sp>
+        <p:nvSpPr>
+          <p:cNvPr id="7" name="Suorakulmio 6"/>
           <p:cNvSpPr/>
           <p:nvPr/>
         </p:nvSpPr>
         <p:spPr>
           <a:xfrm>
-            <a:off x="1768843" y="2978471"/>
-            <a:ext cx="3696495" cy="1053856"/>
-          </a:xfrm>
-          <a:prstGeom prst="roundRect">
+            <a:off x="428876" y="1953646"/>
+            <a:ext cx="8230201" cy="1384995"/>
+          </a:xfrm>
+          <a:prstGeom prst="rect">
+            <a:avLst/>
+          </a:prstGeom>
+        </p:spPr>
+        <p:txBody>
+          <a:bodyPr wrap="square">
+            <a:spAutoFit/>
+          </a:bodyPr>
+          <a:lstStyle/>
+          <a:p>
+            <a:r>
+              <a:rPr lang="fi-FI" sz="2800" dirty="0">
+                <a:solidFill>
+                  <a:schemeClr val="tx2">
+                    <a:lumMod val="75000"/>
+                    <a:lumOff val="25000"/>
+                  </a:schemeClr>
+                </a:solidFill>
+                <a:latin typeface="Arial" charset="0"/>
+                <a:cs typeface="Courier New" panose="02070309020205020404" pitchFamily="49" charset="0"/>
+              </a:rPr>
+              <a:t>Jos funktion toinen parametri halutaan pitää vakiona, voidaan lista muodostaa </a:t>
+            </a:r>
+            <a:r>
+              <a:rPr lang="fi-FI" sz="2800" dirty="0">
+                <a:solidFill>
+                  <a:schemeClr val="tx2">
+                    <a:lumMod val="75000"/>
+                    <a:lumOff val="25000"/>
+                  </a:schemeClr>
+                </a:solidFill>
+                <a:latin typeface="Courier New" panose="02070309020205020404" pitchFamily="49" charset="0"/>
+                <a:cs typeface="Courier New" panose="02070309020205020404" pitchFamily="49" charset="0"/>
+              </a:rPr>
+              <a:t>make-list</a:t>
+            </a:r>
+            <a:r>
+              <a:rPr lang="fi-FI" sz="2800" dirty="0">
+                <a:solidFill>
+                  <a:schemeClr val="tx2">
+                    <a:lumMod val="75000"/>
+                    <a:lumOff val="25000"/>
+                  </a:schemeClr>
+                </a:solidFill>
+                <a:latin typeface="Arial" charset="0"/>
+                <a:cs typeface="Courier New" panose="02070309020205020404" pitchFamily="49" charset="0"/>
+              </a:rPr>
+              <a:t>:an avulla (saadaan lista, jossa toistuu sama alkio).</a:t>
+            </a:r>
+            <a:endParaRPr lang="fi-FI" sz="2800" dirty="0">
+              <a:solidFill>
+                <a:schemeClr val="tx2">
+                  <a:lumMod val="75000"/>
+                  <a:lumOff val="25000"/>
+                </a:schemeClr>
+              </a:solidFill>
+              <a:latin typeface="Arial" charset="0"/>
+            </a:endParaRPr>
+          </a:p>
+        </p:txBody>
+      </p:sp>
+      <p:sp>
+        <p:nvSpPr>
+          <p:cNvPr id="12" name="Suorakulmio 11"/>
+          <p:cNvSpPr/>
+          <p:nvPr/>
+        </p:nvSpPr>
+        <p:spPr>
+          <a:xfrm>
+            <a:off x="1434179" y="5715410"/>
+            <a:ext cx="2069797" cy="369332"/>
+          </a:xfrm>
+          <a:prstGeom prst="rect">
+            <a:avLst/>
+          </a:prstGeom>
+        </p:spPr>
+        <p:txBody>
+          <a:bodyPr wrap="none">
+            <a:spAutoFit/>
+          </a:bodyPr>
+          <a:lstStyle/>
+          <a:p>
+            <a:r>
+              <a:rPr kumimoji="0" lang="fi-FI" sz="1800" b="0" i="0" u="none" strike="noStrike" cap="none" normalizeH="0" dirty="0">
+                <a:ln>
+                  <a:noFill/>
+                </a:ln>
+                <a:solidFill>
+                  <a:schemeClr val="tx2">
+                    <a:lumMod val="75000"/>
+                    <a:lumOff val="25000"/>
+                  </a:schemeClr>
+                </a:solidFill>
+                <a:effectLst/>
+                <a:latin typeface="Arial" charset="0"/>
+              </a:rPr>
+              <a:t>Advanced Student</a:t>
+            </a:r>
+            <a:endParaRPr lang="fi-FI" dirty="0"/>
+          </a:p>
+        </p:txBody>
+      </p:sp>
+      <p:sp>
+        <p:nvSpPr>
+          <p:cNvPr id="10" name="Otsikko 1"/>
+          <p:cNvSpPr txBox="1">
+            <a:spLocks/>
+          </p:cNvSpPr>
+          <p:nvPr/>
+        </p:nvSpPr>
+        <p:spPr bwMode="auto">
+          <a:xfrm>
+            <a:off x="418559" y="880090"/>
+            <a:ext cx="8240518" cy="599694"/>
+          </a:xfrm>
+          <a:prstGeom prst="rect">
+            <a:avLst/>
+          </a:prstGeom>
+          <a:noFill/>
+          <a:ln>
+            <a:noFill/>
+          </a:ln>
+          <a:extLst>
+            <a:ext uri="{909E8E84-426E-40DD-AFC4-6F175D3DCCD1}">
+              <a14:hiddenFill xmlns:a14="http://schemas.microsoft.com/office/drawing/2010/main">
+                <a:solidFill>
+                  <a:srgbClr val="FFFFFF"/>
+                </a:solidFill>
+              </a14:hiddenFill>
+            </a:ext>
+            <a:ext uri="{91240B29-F687-4F45-9708-019B960494DF}">
+              <a14:hiddenLine xmlns:a14="http://schemas.microsoft.com/office/drawing/2010/main" w="9525">
+                <a:solidFill>
+                  <a:srgbClr val="000000"/>
+                </a:solidFill>
+                <a:round/>
+                <a:headEnd/>
+                <a:tailEnd/>
+              </a14:hiddenLine>
+            </a:ext>
+          </a:extLst>
+        </p:spPr>
+        <p:txBody>
+          <a:bodyPr vert="horz" wrap="square" lIns="90000" tIns="46800" rIns="90000" bIns="46800" numCol="1" anchor="ctr" anchorCtr="0" compatLnSpc="1">
+            <a:prstTxWarp prst="textNoShape">
+              <a:avLst/>
+            </a:prstTxWarp>
+          </a:bodyPr>
+          <a:lstStyle>
+            <a:lvl1pPr algn="ctr" defTabSz="449263" rtl="0" eaLnBrk="0" fontAlgn="base" hangingPunct="0">
+              <a:spcBef>
+                <a:spcPct val="0"/>
+              </a:spcBef>
+              <a:spcAft>
+                <a:spcPct val="0"/>
+              </a:spcAft>
+              <a:buClr>
+                <a:srgbClr val="000000"/>
+              </a:buClr>
+              <a:buSzPct val="100000"/>
+              <a:buFont typeface="Times New Roman" panose="02020603050405020304" pitchFamily="18" charset="0"/>
+              <a:defRPr sz="4400">
+                <a:solidFill>
+                  <a:srgbClr val="000000"/>
+                </a:solidFill>
+                <a:latin typeface="+mj-lt"/>
+                <a:ea typeface="+mj-ea"/>
+                <a:cs typeface="+mj-cs"/>
+              </a:defRPr>
+            </a:lvl1pPr>
+            <a:lvl2pPr algn="ctr" defTabSz="449263" rtl="0" eaLnBrk="0" fontAlgn="base" hangingPunct="0">
+              <a:spcBef>
+                <a:spcPct val="0"/>
+              </a:spcBef>
+              <a:spcAft>
+                <a:spcPct val="0"/>
+              </a:spcAft>
+              <a:buClr>
+                <a:srgbClr val="000000"/>
+              </a:buClr>
+              <a:buSzPct val="100000"/>
+              <a:buFont typeface="Times New Roman" panose="02020603050405020304" pitchFamily="18" charset="0"/>
+              <a:defRPr sz="4400">
+                <a:solidFill>
+                  <a:srgbClr val="000000"/>
+                </a:solidFill>
+                <a:latin typeface="Arial" charset="0"/>
+                <a:ea typeface="AR PL Mingti2L Big5" charset="0"/>
+                <a:cs typeface="AR PL Mingti2L Big5" charset="0"/>
+              </a:defRPr>
+            </a:lvl2pPr>
+            <a:lvl3pPr algn="ctr" defTabSz="449263" rtl="0" eaLnBrk="0" fontAlgn="base" hangingPunct="0">
+              <a:spcBef>
+                <a:spcPct val="0"/>
+              </a:spcBef>
+              <a:spcAft>
+                <a:spcPct val="0"/>
+              </a:spcAft>
+              <a:buClr>
+                <a:srgbClr val="000000"/>
+              </a:buClr>
+              <a:buSzPct val="100000"/>
+              <a:buFont typeface="Times New Roman" panose="02020603050405020304" pitchFamily="18" charset="0"/>
+              <a:defRPr sz="4400">
+                <a:solidFill>
+                  <a:srgbClr val="000000"/>
+                </a:solidFill>
+                <a:latin typeface="Arial" charset="0"/>
+                <a:ea typeface="AR PL Mingti2L Big5" charset="0"/>
+                <a:cs typeface="AR PL Mingti2L Big5" charset="0"/>
+              </a:defRPr>
+            </a:lvl3pPr>
+            <a:lvl4pPr algn="ctr" defTabSz="449263" rtl="0" eaLnBrk="0" fontAlgn="base" hangingPunct="0">
+              <a:spcBef>
+                <a:spcPct val="0"/>
+              </a:spcBef>
+              <a:spcAft>
+                <a:spcPct val="0"/>
+              </a:spcAft>
+              <a:buClr>
+                <a:srgbClr val="000000"/>
+              </a:buClr>
+              <a:buSzPct val="100000"/>
+              <a:buFont typeface="Times New Roman" panose="02020603050405020304" pitchFamily="18" charset="0"/>
+              <a:defRPr sz="4400">
+                <a:solidFill>
+                  <a:srgbClr val="000000"/>
+                </a:solidFill>
+                <a:latin typeface="Arial" charset="0"/>
+                <a:ea typeface="AR PL Mingti2L Big5" charset="0"/>
+                <a:cs typeface="AR PL Mingti2L Big5" charset="0"/>
+              </a:defRPr>
+            </a:lvl4pPr>
+            <a:lvl5pPr algn="ctr" defTabSz="449263" rtl="0" eaLnBrk="0" fontAlgn="base" hangingPunct="0">
+              <a:spcBef>
+                <a:spcPct val="0"/>
+              </a:spcBef>
+              <a:spcAft>
+                <a:spcPct val="0"/>
+              </a:spcAft>
+              <a:buClr>
+                <a:srgbClr val="000000"/>
+              </a:buClr>
+              <a:buSzPct val="100000"/>
+              <a:buFont typeface="Times New Roman" panose="02020603050405020304" pitchFamily="18" charset="0"/>
+              <a:defRPr sz="4400">
+                <a:solidFill>
+                  <a:srgbClr val="000000"/>
+                </a:solidFill>
+                <a:latin typeface="Arial" charset="0"/>
+                <a:ea typeface="AR PL Mingti2L Big5" charset="0"/>
+                <a:cs typeface="AR PL Mingti2L Big5" charset="0"/>
+              </a:defRPr>
+            </a:lvl5pPr>
+            <a:lvl6pPr marL="2514600" indent="-228600" algn="ctr" defTabSz="449263" rtl="0" fontAlgn="base">
+              <a:spcBef>
+                <a:spcPct val="0"/>
+              </a:spcBef>
+              <a:spcAft>
+                <a:spcPct val="0"/>
+              </a:spcAft>
+              <a:buClr>
+                <a:srgbClr val="000000"/>
+              </a:buClr>
+              <a:buSzPct val="100000"/>
+              <a:buFont typeface="Times New Roman" pitchFamily="16" charset="0"/>
+              <a:defRPr sz="4400">
+                <a:solidFill>
+                  <a:srgbClr val="000000"/>
+                </a:solidFill>
+                <a:latin typeface="Arial" charset="0"/>
+                <a:ea typeface="AR PL Mingti2L Big5" charset="0"/>
+                <a:cs typeface="AR PL Mingti2L Big5" charset="0"/>
+              </a:defRPr>
+            </a:lvl6pPr>
+            <a:lvl7pPr marL="2971800" indent="-228600" algn="ctr" defTabSz="449263" rtl="0" fontAlgn="base">
+              <a:spcBef>
+                <a:spcPct val="0"/>
+              </a:spcBef>
+              <a:spcAft>
+                <a:spcPct val="0"/>
+              </a:spcAft>
+              <a:buClr>
+                <a:srgbClr val="000000"/>
+              </a:buClr>
+              <a:buSzPct val="100000"/>
+              <a:buFont typeface="Times New Roman" pitchFamily="16" charset="0"/>
+              <a:defRPr sz="4400">
+                <a:solidFill>
+                  <a:srgbClr val="000000"/>
+                </a:solidFill>
+                <a:latin typeface="Arial" charset="0"/>
+                <a:ea typeface="AR PL Mingti2L Big5" charset="0"/>
+                <a:cs typeface="AR PL Mingti2L Big5" charset="0"/>
+              </a:defRPr>
+            </a:lvl7pPr>
+            <a:lvl8pPr marL="3429000" indent="-228600" algn="ctr" defTabSz="449263" rtl="0" fontAlgn="base">
+              <a:spcBef>
+                <a:spcPct val="0"/>
+              </a:spcBef>
+              <a:spcAft>
+                <a:spcPct val="0"/>
+              </a:spcAft>
+              <a:buClr>
+                <a:srgbClr val="000000"/>
+              </a:buClr>
+              <a:buSzPct val="100000"/>
+              <a:buFont typeface="Times New Roman" pitchFamily="16" charset="0"/>
+              <a:defRPr sz="4400">
+                <a:solidFill>
+                  <a:srgbClr val="000000"/>
+                </a:solidFill>
+                <a:latin typeface="Arial" charset="0"/>
+                <a:ea typeface="AR PL Mingti2L Big5" charset="0"/>
+                <a:cs typeface="AR PL Mingti2L Big5" charset="0"/>
+              </a:defRPr>
+            </a:lvl8pPr>
+            <a:lvl9pPr marL="3886200" indent="-228600" algn="ctr" defTabSz="449263" rtl="0" fontAlgn="base">
+              <a:spcBef>
+                <a:spcPct val="0"/>
+              </a:spcBef>
+              <a:spcAft>
+                <a:spcPct val="0"/>
+              </a:spcAft>
+              <a:buClr>
+                <a:srgbClr val="000000"/>
+              </a:buClr>
+              <a:buSzPct val="100000"/>
+              <a:buFont typeface="Times New Roman" pitchFamily="16" charset="0"/>
+              <a:defRPr sz="4400">
+                <a:solidFill>
+                  <a:srgbClr val="000000"/>
+                </a:solidFill>
+                <a:latin typeface="Arial" charset="0"/>
+                <a:ea typeface="AR PL Mingti2L Big5" charset="0"/>
+                <a:cs typeface="AR PL Mingti2L Big5" charset="0"/>
+              </a:defRPr>
+            </a:lvl9pPr>
+          </a:lstStyle>
+          <a:p>
+            <a:pPr algn="l"/>
+            <a:r>
+              <a:rPr lang="fi-FI" altLang="fi-FI" sz="4000" b="1" kern="0" dirty="0">
+                <a:solidFill>
+                  <a:schemeClr val="accent6">
+                    <a:lumMod val="75000"/>
+                  </a:schemeClr>
+                </a:solidFill>
+              </a:rPr>
+              <a:t>Useamman listan alkioiden käsittely funktion avulla (map)</a:t>
+            </a:r>
+          </a:p>
+        </p:txBody>
+      </p:sp>
+      <p:sp>
+        <p:nvSpPr>
+          <p:cNvPr id="17" name="Alatunnisteen paikkamerkki 16"/>
+          <p:cNvSpPr>
+            <a:spLocks noGrp="1"/>
+          </p:cNvSpPr>
+          <p:nvPr>
+            <p:ph type="ftr" sz="quarter" idx="11"/>
+          </p:nvPr>
+        </p:nvSpPr>
+        <p:spPr/>
+        <p:txBody>
+          <a:bodyPr/>
+          <a:lstStyle/>
+          <a:p>
+            <a:pPr algn="r">
+              <a:defRPr/>
+            </a:pPr>
+            <a:r>
+              <a:rPr lang="fi-FI" dirty="0"/>
+              <a:t>MAOL Ohjelmointia matematiikkaan</a:t>
+            </a:r>
+            <a:endParaRPr lang="ru-RU" dirty="0"/>
+          </a:p>
+        </p:txBody>
+      </p:sp>
+      <p:pic>
+        <p:nvPicPr>
+          <p:cNvPr id="18" name="Picture 2" descr="WeScheme Logo"/>
+          <p:cNvPicPr>
+            <a:picLocks noChangeAspect="1" noChangeArrowheads="1"/>
+          </p:cNvPicPr>
+          <p:nvPr/>
+        </p:nvPicPr>
+        <p:blipFill>
+          <a:blip r:embed="rId3" cstate="print">
+            <a:extLst>
+              <a:ext uri="{28A0092B-C50C-407E-A947-70E740481C1C}">
+                <a14:useLocalDpi xmlns:a14="http://schemas.microsoft.com/office/drawing/2010/main" val="0"/>
+              </a:ext>
+            </a:extLst>
+          </a:blip>
+          <a:srcRect/>
+          <a:stretch>
+            <a:fillRect/>
+          </a:stretch>
+        </p:blipFill>
+        <p:spPr bwMode="auto">
+          <a:xfrm>
+            <a:off x="7236296" y="5143578"/>
+            <a:ext cx="1495802" cy="1383832"/>
+          </a:xfrm>
+          <a:prstGeom prst="rect">
+            <a:avLst/>
+          </a:prstGeom>
+          <a:noFill/>
+          <a:ln>
+            <a:noFill/>
+          </a:ln>
+          <a:effectLst>
+            <a:outerShdw blurRad="50800" dist="38100" dir="5400000" algn="t" rotWithShape="0">
+              <a:prstClr val="black">
+                <a:alpha val="40000"/>
+              </a:prstClr>
+            </a:outerShdw>
+          </a:effectLst>
+          <a:extLst>
+            <a:ext uri="{909E8E84-426E-40DD-AFC4-6F175D3DCCD1}">
+              <a14:hiddenFill xmlns:a14="http://schemas.microsoft.com/office/drawing/2010/main">
+                <a:solidFill>
+                  <a:srgbClr val="FFFFFF"/>
+                </a:solidFill>
+              </a14:hiddenFill>
+            </a:ext>
+            <a:ext uri="{91240B29-F687-4F45-9708-019B960494DF}">
+              <a14:hiddenLine xmlns:a14="http://schemas.microsoft.com/office/drawing/2010/main" w="9525">
+                <a:solidFill>
+                  <a:srgbClr val="000000"/>
+                </a:solidFill>
+                <a:miter lim="800000"/>
+                <a:headEnd/>
+                <a:tailEnd/>
+              </a14:hiddenLine>
+            </a:ext>
+          </a:extLst>
+        </p:spPr>
+      </p:pic>
+      <p:sp>
+        <p:nvSpPr>
+          <p:cNvPr id="2" name="TextBox 1"/>
+          <p:cNvSpPr txBox="1"/>
+          <p:nvPr/>
+        </p:nvSpPr>
+        <p:spPr>
+          <a:xfrm>
+            <a:off x="1691680" y="3480585"/>
+            <a:ext cx="5793870" cy="2092881"/>
+          </a:xfrm>
+          <a:prstGeom prst="rect">
+            <a:avLst/>
+          </a:prstGeom>
+          <a:noFill/>
+        </p:spPr>
+        <p:txBody>
+          <a:bodyPr wrap="square" rtlCol="0">
+            <a:spAutoFit/>
+          </a:bodyPr>
+          <a:lstStyle/>
+          <a:p>
+            <a:pPr>
+              <a:spcBef>
+                <a:spcPts val="1200"/>
+              </a:spcBef>
+            </a:pPr>
+            <a:r>
+              <a:rPr lang="fi-FI" dirty="0">
+                <a:solidFill>
+                  <a:srgbClr val="002060"/>
+                </a:solidFill>
+                <a:latin typeface="Courier New" panose="02070309020205020404" pitchFamily="49" charset="0"/>
+                <a:cs typeface="Courier New" panose="02070309020205020404" pitchFamily="49" charset="0"/>
+              </a:rPr>
+              <a:t>(map expt (list 1 2 3) (make-list 3 4) </a:t>
+            </a:r>
+          </a:p>
+          <a:p>
+            <a:pPr>
+              <a:spcBef>
+                <a:spcPts val="1200"/>
+              </a:spcBef>
+            </a:pPr>
+            <a:endParaRPr lang="fi-FI" dirty="0">
+              <a:solidFill>
+                <a:srgbClr val="002060"/>
+              </a:solidFill>
+            </a:endParaRPr>
+          </a:p>
+          <a:p>
+            <a:pPr>
+              <a:spcBef>
+                <a:spcPts val="1200"/>
+              </a:spcBef>
+            </a:pPr>
+            <a:r>
+              <a:rPr lang="fi-FI" dirty="0">
+                <a:solidFill>
+                  <a:srgbClr val="002060"/>
+                </a:solidFill>
+              </a:rPr>
+              <a:t>Tuottaa saman paluuarvon kuin:</a:t>
+            </a:r>
+          </a:p>
+          <a:p>
+            <a:pPr>
+              <a:spcBef>
+                <a:spcPts val="1200"/>
+              </a:spcBef>
+            </a:pPr>
+            <a:r>
+              <a:rPr lang="fi-FI" dirty="0">
+                <a:solidFill>
+                  <a:srgbClr val="002060"/>
+                </a:solidFill>
+                <a:latin typeface="Courier New" panose="02070309020205020404" pitchFamily="49" charset="0"/>
+                <a:cs typeface="Courier New" panose="02070309020205020404" pitchFamily="49" charset="0"/>
+              </a:rPr>
+              <a:t>(map expt (list 1 2 3) (list 4 4 4) </a:t>
+            </a:r>
+            <a:endParaRPr lang="fi-FI" dirty="0">
+              <a:solidFill>
+                <a:srgbClr val="002060"/>
+              </a:solidFill>
+            </a:endParaRPr>
+          </a:p>
+          <a:p>
+            <a:pPr>
+              <a:spcBef>
+                <a:spcPts val="1200"/>
+              </a:spcBef>
+            </a:pPr>
+            <a:r>
+              <a:rPr lang="fi-FI" dirty="0">
+                <a:solidFill>
+                  <a:srgbClr val="002060"/>
+                </a:solidFill>
+                <a:latin typeface="Courier New" panose="02070309020205020404" pitchFamily="49" charset="0"/>
+                <a:cs typeface="Courier New" panose="02070309020205020404" pitchFamily="49" charset="0"/>
+                <a:sym typeface="Wingdings" panose="05000000000000000000" pitchFamily="2" charset="2"/>
+              </a:rPr>
+              <a:t></a:t>
+            </a:r>
+            <a:r>
+              <a:rPr lang="fi-FI" dirty="0">
+                <a:solidFill>
+                  <a:srgbClr val="002060"/>
+                </a:solidFill>
+                <a:latin typeface="Courier New" panose="02070309020205020404" pitchFamily="49" charset="0"/>
+                <a:cs typeface="Courier New" panose="02070309020205020404" pitchFamily="49" charset="0"/>
+              </a:rPr>
+              <a:t>(list (expt 1 4) (expt 2 4) (expt 3 4))</a:t>
+            </a:r>
+          </a:p>
+        </p:txBody>
+      </p:sp>
+      <p:cxnSp>
+        <p:nvCxnSpPr>
+          <p:cNvPr id="9" name="Straight Arrow Connector 8"/>
+          <p:cNvCxnSpPr/>
+          <p:nvPr/>
+        </p:nvCxnSpPr>
+        <p:spPr>
+          <a:xfrm flipV="1">
+            <a:off x="2724816" y="3807525"/>
+            <a:ext cx="0" cy="250651"/>
+          </a:xfrm>
+          <a:prstGeom prst="straightConnector1">
+            <a:avLst/>
+          </a:prstGeom>
+          <a:ln w="38100">
+            <a:solidFill>
+              <a:srgbClr val="FF0000"/>
+            </a:solidFill>
+            <a:tailEnd type="triangle"/>
+          </a:ln>
+        </p:spPr>
+        <p:style>
+          <a:lnRef idx="1">
+            <a:schemeClr val="accent1"/>
+          </a:lnRef>
+          <a:fillRef idx="0">
+            <a:schemeClr val="accent1"/>
+          </a:fillRef>
+          <a:effectRef idx="0">
+            <a:schemeClr val="accent1"/>
+          </a:effectRef>
+          <a:fontRef idx="minor">
+            <a:schemeClr val="tx1"/>
+          </a:fontRef>
+        </p:style>
+      </p:cxnSp>
+      <p:sp>
+        <p:nvSpPr>
+          <p:cNvPr id="11" name="Rectangle 10"/>
+          <p:cNvSpPr/>
+          <p:nvPr/>
+        </p:nvSpPr>
+        <p:spPr>
+          <a:xfrm>
+            <a:off x="2274600" y="4058176"/>
+            <a:ext cx="954271" cy="253405"/>
+          </a:xfrm>
+          <a:prstGeom prst="rect">
             <a:avLst/>
           </a:prstGeom>
           <a:solidFill>
-            <a:schemeClr val="bg2"/>
+            <a:srgbClr val="D4EAF3"/>
           </a:solidFill>
         </p:spPr>
         <p:style>
@@ -30537,581 +30936,63 @@
           <a:lstStyle/>
           <a:p>
             <a:pPr algn="ctr"/>
-            <a:endParaRPr lang="fi-FI"/>
-          </a:p>
-        </p:txBody>
-      </p:sp>
-      <p:sp>
-        <p:nvSpPr>
-          <p:cNvPr id="7" name="Suorakulmio 6"/>
+            <a:r>
+              <a:rPr lang="fi-FI" dirty="0">
+                <a:solidFill>
+                  <a:schemeClr val="tx1"/>
+                </a:solidFill>
+              </a:rPr>
+              <a:t>funktio </a:t>
+            </a:r>
+          </a:p>
+        </p:txBody>
+      </p:sp>
+      <p:cxnSp>
+        <p:nvCxnSpPr>
+          <p:cNvPr id="13" name="Straight Arrow Connector 12"/>
+          <p:cNvCxnSpPr/>
+          <p:nvPr/>
+        </p:nvCxnSpPr>
+        <p:spPr>
+          <a:xfrm flipV="1">
+            <a:off x="4230317" y="3807525"/>
+            <a:ext cx="0" cy="250651"/>
+          </a:xfrm>
+          <a:prstGeom prst="straightConnector1">
+            <a:avLst/>
+          </a:prstGeom>
+          <a:ln w="38100">
+            <a:solidFill>
+              <a:srgbClr val="FF0000"/>
+            </a:solidFill>
+            <a:tailEnd type="triangle"/>
+          </a:ln>
+        </p:spPr>
+        <p:style>
+          <a:lnRef idx="1">
+            <a:schemeClr val="accent1"/>
+          </a:lnRef>
+          <a:fillRef idx="0">
+            <a:schemeClr val="accent1"/>
+          </a:fillRef>
+          <a:effectRef idx="0">
+            <a:schemeClr val="accent1"/>
+          </a:effectRef>
+          <a:fontRef idx="minor">
+            <a:schemeClr val="tx1"/>
+          </a:fontRef>
+        </p:style>
+      </p:cxnSp>
+      <p:sp>
+        <p:nvSpPr>
+          <p:cNvPr id="14" name="Rectangle 13"/>
           <p:cNvSpPr/>
           <p:nvPr/>
         </p:nvSpPr>
         <p:spPr>
           <a:xfrm>
-            <a:off x="418559" y="1778142"/>
-            <a:ext cx="8230201" cy="1200329"/>
-          </a:xfrm>
-          <a:prstGeom prst="rect">
-            <a:avLst/>
-          </a:prstGeom>
-        </p:spPr>
-        <p:txBody>
-          <a:bodyPr wrap="square">
-            <a:spAutoFit/>
-          </a:bodyPr>
-          <a:lstStyle/>
-          <a:p>
-            <a:r>
-              <a:rPr lang="fi-FI" sz="2400" dirty="0">
-                <a:solidFill>
-                  <a:schemeClr val="tx2">
-                    <a:lumMod val="75000"/>
-                    <a:lumOff val="25000"/>
-                  </a:schemeClr>
-                </a:solidFill>
-                <a:latin typeface="Arial" charset="0"/>
-                <a:cs typeface="Courier New" panose="02070309020205020404" pitchFamily="49" charset="0"/>
-              </a:rPr>
-              <a:t>Oman funktion voi myös parametrisoida toimimaan paremmin eri tilanteissa. Silloin oman funktion paluuarvo on funktio (määritellään </a:t>
-            </a:r>
-            <a:r>
-              <a:rPr lang="fi-FI" sz="2400" dirty="0">
-                <a:solidFill>
-                  <a:schemeClr val="tx2">
-                    <a:lumMod val="75000"/>
-                    <a:lumOff val="25000"/>
-                  </a:schemeClr>
-                </a:solidFill>
-                <a:latin typeface="Courier New" panose="02070309020205020404" pitchFamily="49" charset="0"/>
-                <a:cs typeface="Courier New" panose="02070309020205020404" pitchFamily="49" charset="0"/>
-              </a:rPr>
-              <a:t>lambda</a:t>
-            </a:r>
-            <a:r>
-              <a:rPr lang="fi-FI" sz="2400" dirty="0">
-                <a:solidFill>
-                  <a:schemeClr val="tx2">
-                    <a:lumMod val="75000"/>
-                    <a:lumOff val="25000"/>
-                  </a:schemeClr>
-                </a:solidFill>
-                <a:latin typeface="Arial" charset="0"/>
-                <a:cs typeface="Courier New" panose="02070309020205020404" pitchFamily="49" charset="0"/>
-              </a:rPr>
-              <a:t>:n avulla).</a:t>
-            </a:r>
-            <a:endParaRPr lang="fi-FI" sz="2400" dirty="0">
-              <a:solidFill>
-                <a:schemeClr val="tx2">
-                  <a:lumMod val="75000"/>
-                  <a:lumOff val="25000"/>
-                </a:schemeClr>
-              </a:solidFill>
-              <a:latin typeface="Arial" charset="0"/>
-            </a:endParaRPr>
-          </a:p>
-        </p:txBody>
-      </p:sp>
-      <p:sp>
-        <p:nvSpPr>
-          <p:cNvPr id="10" name="Otsikko 1"/>
-          <p:cNvSpPr txBox="1">
-            <a:spLocks/>
-          </p:cNvSpPr>
-          <p:nvPr/>
-        </p:nvSpPr>
-        <p:spPr bwMode="auto">
-          <a:xfrm>
-            <a:off x="418559" y="880090"/>
-            <a:ext cx="8240518" cy="599694"/>
-          </a:xfrm>
-          <a:prstGeom prst="rect">
-            <a:avLst/>
-          </a:prstGeom>
-          <a:noFill/>
-          <a:ln>
-            <a:noFill/>
-          </a:ln>
-          <a:extLst>
-            <a:ext uri="{909E8E84-426E-40DD-AFC4-6F175D3DCCD1}">
-              <a14:hiddenFill xmlns:a14="http://schemas.microsoft.com/office/drawing/2010/main">
-                <a:solidFill>
-                  <a:srgbClr val="FFFFFF"/>
-                </a:solidFill>
-              </a14:hiddenFill>
-            </a:ext>
-            <a:ext uri="{91240B29-F687-4F45-9708-019B960494DF}">
-              <a14:hiddenLine xmlns:a14="http://schemas.microsoft.com/office/drawing/2010/main" w="9525">
-                <a:solidFill>
-                  <a:srgbClr val="000000"/>
-                </a:solidFill>
-                <a:round/>
-                <a:headEnd/>
-                <a:tailEnd/>
-              </a14:hiddenLine>
-            </a:ext>
-          </a:extLst>
-        </p:spPr>
-        <p:txBody>
-          <a:bodyPr vert="horz" wrap="square" lIns="90000" tIns="46800" rIns="90000" bIns="46800" numCol="1" anchor="ctr" anchorCtr="0" compatLnSpc="1">
-            <a:prstTxWarp prst="textNoShape">
-              <a:avLst/>
-            </a:prstTxWarp>
-          </a:bodyPr>
-          <a:lstStyle>
-            <a:lvl1pPr algn="ctr" defTabSz="449263" rtl="0" eaLnBrk="0" fontAlgn="base" hangingPunct="0">
-              <a:spcBef>
-                <a:spcPct val="0"/>
-              </a:spcBef>
-              <a:spcAft>
-                <a:spcPct val="0"/>
-              </a:spcAft>
-              <a:buClr>
-                <a:srgbClr val="000000"/>
-              </a:buClr>
-              <a:buSzPct val="100000"/>
-              <a:buFont typeface="Times New Roman" panose="02020603050405020304" pitchFamily="18" charset="0"/>
-              <a:defRPr sz="4400">
-                <a:solidFill>
-                  <a:srgbClr val="000000"/>
-                </a:solidFill>
-                <a:latin typeface="+mj-lt"/>
-                <a:ea typeface="+mj-ea"/>
-                <a:cs typeface="+mj-cs"/>
-              </a:defRPr>
-            </a:lvl1pPr>
-            <a:lvl2pPr algn="ctr" defTabSz="449263" rtl="0" eaLnBrk="0" fontAlgn="base" hangingPunct="0">
-              <a:spcBef>
-                <a:spcPct val="0"/>
-              </a:spcBef>
-              <a:spcAft>
-                <a:spcPct val="0"/>
-              </a:spcAft>
-              <a:buClr>
-                <a:srgbClr val="000000"/>
-              </a:buClr>
-              <a:buSzPct val="100000"/>
-              <a:buFont typeface="Times New Roman" panose="02020603050405020304" pitchFamily="18" charset="0"/>
-              <a:defRPr sz="4400">
-                <a:solidFill>
-                  <a:srgbClr val="000000"/>
-                </a:solidFill>
-                <a:latin typeface="Arial" charset="0"/>
-                <a:ea typeface="AR PL Mingti2L Big5" charset="0"/>
-                <a:cs typeface="AR PL Mingti2L Big5" charset="0"/>
-              </a:defRPr>
-            </a:lvl2pPr>
-            <a:lvl3pPr algn="ctr" defTabSz="449263" rtl="0" eaLnBrk="0" fontAlgn="base" hangingPunct="0">
-              <a:spcBef>
-                <a:spcPct val="0"/>
-              </a:spcBef>
-              <a:spcAft>
-                <a:spcPct val="0"/>
-              </a:spcAft>
-              <a:buClr>
-                <a:srgbClr val="000000"/>
-              </a:buClr>
-              <a:buSzPct val="100000"/>
-              <a:buFont typeface="Times New Roman" panose="02020603050405020304" pitchFamily="18" charset="0"/>
-              <a:defRPr sz="4400">
-                <a:solidFill>
-                  <a:srgbClr val="000000"/>
-                </a:solidFill>
-                <a:latin typeface="Arial" charset="0"/>
-                <a:ea typeface="AR PL Mingti2L Big5" charset="0"/>
-                <a:cs typeface="AR PL Mingti2L Big5" charset="0"/>
-              </a:defRPr>
-            </a:lvl3pPr>
-            <a:lvl4pPr algn="ctr" defTabSz="449263" rtl="0" eaLnBrk="0" fontAlgn="base" hangingPunct="0">
-              <a:spcBef>
-                <a:spcPct val="0"/>
-              </a:spcBef>
-              <a:spcAft>
-                <a:spcPct val="0"/>
-              </a:spcAft>
-              <a:buClr>
-                <a:srgbClr val="000000"/>
-              </a:buClr>
-              <a:buSzPct val="100000"/>
-              <a:buFont typeface="Times New Roman" panose="02020603050405020304" pitchFamily="18" charset="0"/>
-              <a:defRPr sz="4400">
-                <a:solidFill>
-                  <a:srgbClr val="000000"/>
-                </a:solidFill>
-                <a:latin typeface="Arial" charset="0"/>
-                <a:ea typeface="AR PL Mingti2L Big5" charset="0"/>
-                <a:cs typeface="AR PL Mingti2L Big5" charset="0"/>
-              </a:defRPr>
-            </a:lvl4pPr>
-            <a:lvl5pPr algn="ctr" defTabSz="449263" rtl="0" eaLnBrk="0" fontAlgn="base" hangingPunct="0">
-              <a:spcBef>
-                <a:spcPct val="0"/>
-              </a:spcBef>
-              <a:spcAft>
-                <a:spcPct val="0"/>
-              </a:spcAft>
-              <a:buClr>
-                <a:srgbClr val="000000"/>
-              </a:buClr>
-              <a:buSzPct val="100000"/>
-              <a:buFont typeface="Times New Roman" panose="02020603050405020304" pitchFamily="18" charset="0"/>
-              <a:defRPr sz="4400">
-                <a:solidFill>
-                  <a:srgbClr val="000000"/>
-                </a:solidFill>
-                <a:latin typeface="Arial" charset="0"/>
-                <a:ea typeface="AR PL Mingti2L Big5" charset="0"/>
-                <a:cs typeface="AR PL Mingti2L Big5" charset="0"/>
-              </a:defRPr>
-            </a:lvl5pPr>
-            <a:lvl6pPr marL="2514600" indent="-228600" algn="ctr" defTabSz="449263" rtl="0" fontAlgn="base">
-              <a:spcBef>
-                <a:spcPct val="0"/>
-              </a:spcBef>
-              <a:spcAft>
-                <a:spcPct val="0"/>
-              </a:spcAft>
-              <a:buClr>
-                <a:srgbClr val="000000"/>
-              </a:buClr>
-              <a:buSzPct val="100000"/>
-              <a:buFont typeface="Times New Roman" pitchFamily="16" charset="0"/>
-              <a:defRPr sz="4400">
-                <a:solidFill>
-                  <a:srgbClr val="000000"/>
-                </a:solidFill>
-                <a:latin typeface="Arial" charset="0"/>
-                <a:ea typeface="AR PL Mingti2L Big5" charset="0"/>
-                <a:cs typeface="AR PL Mingti2L Big5" charset="0"/>
-              </a:defRPr>
-            </a:lvl6pPr>
-            <a:lvl7pPr marL="2971800" indent="-228600" algn="ctr" defTabSz="449263" rtl="0" fontAlgn="base">
-              <a:spcBef>
-                <a:spcPct val="0"/>
-              </a:spcBef>
-              <a:spcAft>
-                <a:spcPct val="0"/>
-              </a:spcAft>
-              <a:buClr>
-                <a:srgbClr val="000000"/>
-              </a:buClr>
-              <a:buSzPct val="100000"/>
-              <a:buFont typeface="Times New Roman" pitchFamily="16" charset="0"/>
-              <a:defRPr sz="4400">
-                <a:solidFill>
-                  <a:srgbClr val="000000"/>
-                </a:solidFill>
-                <a:latin typeface="Arial" charset="0"/>
-                <a:ea typeface="AR PL Mingti2L Big5" charset="0"/>
-                <a:cs typeface="AR PL Mingti2L Big5" charset="0"/>
-              </a:defRPr>
-            </a:lvl7pPr>
-            <a:lvl8pPr marL="3429000" indent="-228600" algn="ctr" defTabSz="449263" rtl="0" fontAlgn="base">
-              <a:spcBef>
-                <a:spcPct val="0"/>
-              </a:spcBef>
-              <a:spcAft>
-                <a:spcPct val="0"/>
-              </a:spcAft>
-              <a:buClr>
-                <a:srgbClr val="000000"/>
-              </a:buClr>
-              <a:buSzPct val="100000"/>
-              <a:buFont typeface="Times New Roman" pitchFamily="16" charset="0"/>
-              <a:defRPr sz="4400">
-                <a:solidFill>
-                  <a:srgbClr val="000000"/>
-                </a:solidFill>
-                <a:latin typeface="Arial" charset="0"/>
-                <a:ea typeface="AR PL Mingti2L Big5" charset="0"/>
-                <a:cs typeface="AR PL Mingti2L Big5" charset="0"/>
-              </a:defRPr>
-            </a:lvl8pPr>
-            <a:lvl9pPr marL="3886200" indent="-228600" algn="ctr" defTabSz="449263" rtl="0" fontAlgn="base">
-              <a:spcBef>
-                <a:spcPct val="0"/>
-              </a:spcBef>
-              <a:spcAft>
-                <a:spcPct val="0"/>
-              </a:spcAft>
-              <a:buClr>
-                <a:srgbClr val="000000"/>
-              </a:buClr>
-              <a:buSzPct val="100000"/>
-              <a:buFont typeface="Times New Roman" pitchFamily="16" charset="0"/>
-              <a:defRPr sz="4400">
-                <a:solidFill>
-                  <a:srgbClr val="000000"/>
-                </a:solidFill>
-                <a:latin typeface="Arial" charset="0"/>
-                <a:ea typeface="AR PL Mingti2L Big5" charset="0"/>
-                <a:cs typeface="AR PL Mingti2L Big5" charset="0"/>
-              </a:defRPr>
-            </a:lvl9pPr>
-          </a:lstStyle>
-          <a:p>
-            <a:pPr algn="l"/>
-            <a:r>
-              <a:rPr lang="fi-FI" altLang="fi-FI" sz="4000" b="1" kern="0" dirty="0">
-                <a:solidFill>
-                  <a:schemeClr val="accent6">
-                    <a:lumMod val="75000"/>
-                  </a:schemeClr>
-                </a:solidFill>
-              </a:rPr>
-              <a:t>Oman funktion määrittely 1I</a:t>
-            </a:r>
-          </a:p>
-          <a:p>
-            <a:pPr algn="l"/>
-            <a:r>
-              <a:rPr lang="fi-FI" altLang="fi-FI" sz="4000" b="1" kern="0" dirty="0">
-                <a:solidFill>
-                  <a:schemeClr val="accent6">
-                    <a:lumMod val="75000"/>
-                  </a:schemeClr>
-                </a:solidFill>
-              </a:rPr>
-              <a:t>(lambda)</a:t>
-            </a:r>
-          </a:p>
-        </p:txBody>
-      </p:sp>
-      <p:sp>
-        <p:nvSpPr>
-          <p:cNvPr id="17" name="Alatunnisteen paikkamerkki 16"/>
-          <p:cNvSpPr>
-            <a:spLocks noGrp="1"/>
-          </p:cNvSpPr>
-          <p:nvPr>
-            <p:ph type="ftr" sz="quarter" idx="11"/>
-          </p:nvPr>
-        </p:nvSpPr>
-        <p:spPr>
-          <a:xfrm>
-            <a:off x="594753" y="6077321"/>
-            <a:ext cx="4870585" cy="365125"/>
-          </a:xfrm>
-        </p:spPr>
-        <p:txBody>
-          <a:bodyPr/>
-          <a:lstStyle/>
-          <a:p>
-            <a:pPr algn="r">
-              <a:defRPr/>
-            </a:pPr>
-            <a:r>
-              <a:rPr lang="fi-FI" dirty="0"/>
-              <a:t>MAOL Ohjelmointia matematiikkaan</a:t>
-            </a:r>
-            <a:endParaRPr lang="ru-RU" dirty="0"/>
-          </a:p>
-        </p:txBody>
-      </p:sp>
-      <p:sp>
-        <p:nvSpPr>
-          <p:cNvPr id="2" name="TextBox 1"/>
-          <p:cNvSpPr txBox="1"/>
-          <p:nvPr/>
-        </p:nvSpPr>
-        <p:spPr>
-          <a:xfrm>
-            <a:off x="1732539" y="2978471"/>
-            <a:ext cx="6926538" cy="3154710"/>
-          </a:xfrm>
-          <a:prstGeom prst="rect">
-            <a:avLst/>
-          </a:prstGeom>
-          <a:noFill/>
-        </p:spPr>
-        <p:txBody>
-          <a:bodyPr wrap="square" rtlCol="0">
-            <a:spAutoFit/>
-          </a:bodyPr>
-          <a:lstStyle/>
-          <a:p>
-            <a:pPr>
-              <a:spcBef>
-                <a:spcPts val="600"/>
-              </a:spcBef>
-            </a:pPr>
-            <a:r>
-              <a:rPr lang="fi-FI" b="1" dirty="0">
-                <a:solidFill>
-                  <a:schemeClr val="tx1"/>
-                </a:solidFill>
-                <a:latin typeface="Courier New" panose="02070309020205020404" pitchFamily="49" charset="0"/>
-                <a:cs typeface="Courier New" panose="02070309020205020404" pitchFamily="49" charset="0"/>
-              </a:rPr>
-              <a:t>;; kerro : Luku -&gt; Funktio</a:t>
-            </a:r>
-          </a:p>
-          <a:p>
-            <a:pPr>
-              <a:spcBef>
-                <a:spcPts val="600"/>
-              </a:spcBef>
-            </a:pPr>
-            <a:r>
-              <a:rPr lang="fi-FI" b="1" dirty="0">
-                <a:solidFill>
-                  <a:schemeClr val="tx1"/>
-                </a:solidFill>
-                <a:latin typeface="Courier New" panose="02070309020205020404" pitchFamily="49" charset="0"/>
-                <a:cs typeface="Courier New" panose="02070309020205020404" pitchFamily="49" charset="0"/>
-              </a:rPr>
-              <a:t>(define (kerro k)</a:t>
-            </a:r>
-          </a:p>
-          <a:p>
-            <a:pPr>
-              <a:spcBef>
-                <a:spcPts val="600"/>
-              </a:spcBef>
-            </a:pPr>
-            <a:r>
-              <a:rPr lang="fi-FI" b="1" dirty="0">
-                <a:solidFill>
-                  <a:schemeClr val="tx1"/>
-                </a:solidFill>
-                <a:latin typeface="Courier New" panose="02070309020205020404" pitchFamily="49" charset="0"/>
-                <a:cs typeface="Courier New" panose="02070309020205020404" pitchFamily="49" charset="0"/>
-              </a:rPr>
-              <a:t>   (lambda (x) (* x k)))</a:t>
-            </a:r>
-          </a:p>
-          <a:p>
-            <a:pPr>
-              <a:spcBef>
-                <a:spcPts val="600"/>
-              </a:spcBef>
-            </a:pPr>
-            <a:endParaRPr lang="fi-FI" sz="800" dirty="0">
-              <a:solidFill>
-                <a:srgbClr val="002060"/>
-              </a:solidFill>
-              <a:latin typeface="Courier New" panose="02070309020205020404" pitchFamily="49" charset="0"/>
-              <a:cs typeface="Courier New" panose="02070309020205020404" pitchFamily="49" charset="0"/>
-            </a:endParaRPr>
-          </a:p>
-          <a:p>
-            <a:pPr>
-              <a:spcBef>
-                <a:spcPts val="600"/>
-              </a:spcBef>
-            </a:pPr>
-            <a:r>
-              <a:rPr lang="fi-FI" dirty="0">
-                <a:solidFill>
-                  <a:srgbClr val="002060"/>
-                </a:solidFill>
-                <a:latin typeface="Courier New" panose="02070309020205020404" pitchFamily="49" charset="0"/>
-                <a:cs typeface="Courier New" panose="02070309020205020404" pitchFamily="49" charset="0"/>
-              </a:rPr>
-              <a:t>(map (kerro 5) (list 1 2 3))</a:t>
-            </a:r>
-          </a:p>
-          <a:p>
-            <a:pPr>
-              <a:spcBef>
-                <a:spcPts val="600"/>
-              </a:spcBef>
-            </a:pPr>
-            <a:endParaRPr lang="fi-FI" sz="1000" dirty="0">
-              <a:solidFill>
-                <a:srgbClr val="002060"/>
-              </a:solidFill>
-              <a:latin typeface="Courier New" panose="02070309020205020404" pitchFamily="49" charset="0"/>
-              <a:cs typeface="Courier New" panose="02070309020205020404" pitchFamily="49" charset="0"/>
-            </a:endParaRPr>
-          </a:p>
-          <a:p>
-            <a:pPr>
-              <a:spcBef>
-                <a:spcPts val="600"/>
-              </a:spcBef>
-            </a:pPr>
-            <a:endParaRPr lang="fi-FI" sz="1000" dirty="0">
-              <a:solidFill>
-                <a:srgbClr val="002060"/>
-              </a:solidFill>
-              <a:latin typeface="Courier New" panose="02070309020205020404" pitchFamily="49" charset="0"/>
-              <a:cs typeface="Courier New" panose="02070309020205020404" pitchFamily="49" charset="0"/>
-            </a:endParaRPr>
-          </a:p>
-          <a:p>
-            <a:pPr>
-              <a:spcBef>
-                <a:spcPts val="600"/>
-              </a:spcBef>
-            </a:pPr>
-            <a:r>
-              <a:rPr lang="fi-FI" dirty="0">
-                <a:solidFill>
-                  <a:srgbClr val="002060"/>
-                </a:solidFill>
-              </a:rPr>
-              <a:t>Tuottaa saman paluuarvon kuin:</a:t>
-            </a:r>
-          </a:p>
-          <a:p>
-            <a:pPr>
-              <a:spcBef>
-                <a:spcPts val="600"/>
-              </a:spcBef>
-            </a:pPr>
-            <a:r>
-              <a:rPr lang="fi-FI" dirty="0">
-                <a:solidFill>
-                  <a:srgbClr val="002060"/>
-                </a:solidFill>
-                <a:latin typeface="Courier New" panose="02070309020205020404" pitchFamily="49" charset="0"/>
-                <a:cs typeface="Courier New" panose="02070309020205020404" pitchFamily="49" charset="0"/>
-              </a:rPr>
-              <a:t>(list ((kerro 5) 1) ((kerro 5) 2) ((kerro 5) 3))</a:t>
-            </a:r>
-          </a:p>
-          <a:p>
-            <a:pPr>
-              <a:spcBef>
-                <a:spcPts val="600"/>
-              </a:spcBef>
-            </a:pPr>
-            <a:r>
-              <a:rPr lang="fi-FI" dirty="0">
-                <a:solidFill>
-                  <a:srgbClr val="002060"/>
-                </a:solidFill>
-                <a:latin typeface="Courier New" panose="02070309020205020404" pitchFamily="49" charset="0"/>
-                <a:cs typeface="Courier New" panose="02070309020205020404" pitchFamily="49" charset="0"/>
-                <a:sym typeface="Wingdings" panose="05000000000000000000" pitchFamily="2" charset="2"/>
-              </a:rPr>
-              <a:t></a:t>
-            </a:r>
-            <a:r>
-              <a:rPr lang="fi-FI" dirty="0">
-                <a:solidFill>
-                  <a:srgbClr val="002060"/>
-                </a:solidFill>
-                <a:latin typeface="Courier New" panose="02070309020205020404" pitchFamily="49" charset="0"/>
-                <a:cs typeface="Courier New" panose="02070309020205020404" pitchFamily="49" charset="0"/>
-              </a:rPr>
-              <a:t>(list (* 1 5) (* 2 5) (* 3 5))</a:t>
-            </a:r>
-          </a:p>
-        </p:txBody>
-      </p:sp>
-      <p:sp>
-        <p:nvSpPr>
-          <p:cNvPr id="4" name="Rectangle 3"/>
-          <p:cNvSpPr/>
-          <p:nvPr/>
-        </p:nvSpPr>
-        <p:spPr>
-          <a:xfrm>
-            <a:off x="6432729" y="3900400"/>
-            <a:ext cx="1530037" cy="1131641"/>
+            <a:off x="3780101" y="4058176"/>
+            <a:ext cx="954271" cy="253405"/>
           </a:xfrm>
           <a:prstGeom prst="rect">
             <a:avLst/>
@@ -31147,63 +31028,20 @@
                   <a:schemeClr val="tx1"/>
                 </a:solidFill>
               </a:rPr>
-              <a:t>Sama funktio toimii eri kertoimilla (tässä k=5)</a:t>
-            </a:r>
-          </a:p>
-        </p:txBody>
-      </p:sp>
-      <p:sp>
-        <p:nvSpPr>
-          <p:cNvPr id="5" name="Left Brace 4"/>
-          <p:cNvSpPr/>
-          <p:nvPr/>
-        </p:nvSpPr>
-        <p:spPr>
-          <a:xfrm rot="5400000">
-            <a:off x="7054486" y="4740627"/>
-            <a:ext cx="286525" cy="1008113"/>
-          </a:xfrm>
-          <a:prstGeom prst="leftBrace">
-            <a:avLst/>
-          </a:prstGeom>
-          <a:ln>
-            <a:solidFill>
-              <a:schemeClr val="tx1"/>
-            </a:solidFill>
-          </a:ln>
-        </p:spPr>
-        <p:style>
-          <a:lnRef idx="1">
-            <a:schemeClr val="accent1"/>
-          </a:lnRef>
-          <a:fillRef idx="0">
-            <a:schemeClr val="accent1"/>
-          </a:fillRef>
-          <a:effectRef idx="0">
-            <a:schemeClr val="accent1"/>
-          </a:effectRef>
-          <a:fontRef idx="minor">
-            <a:schemeClr val="tx1"/>
-          </a:fontRef>
-        </p:style>
-        <p:txBody>
-          <a:bodyPr rtlCol="0" anchor="ctr"/>
-          <a:lstStyle/>
-          <a:p>
-            <a:pPr algn="ctr"/>
-            <a:endParaRPr lang="fi-FI"/>
+              <a:t>lista 1</a:t>
+            </a:r>
           </a:p>
         </p:txBody>
       </p:sp>
       <p:cxnSp>
         <p:nvCxnSpPr>
-          <p:cNvPr id="31" name="Straight Arrow Connector 30"/>
+          <p:cNvPr id="15" name="Straight Arrow Connector 14"/>
           <p:cNvCxnSpPr/>
           <p:nvPr/>
         </p:nvCxnSpPr>
         <p:spPr>
           <a:xfrm flipV="1">
-            <a:off x="3136525" y="4527985"/>
+            <a:off x="5755975" y="3807525"/>
             <a:ext cx="0" cy="250651"/>
           </a:xfrm>
           <a:prstGeom prst="straightConnector1">
@@ -31233,13 +31071,13 @@
       </p:cxnSp>
       <p:sp>
         <p:nvSpPr>
-          <p:cNvPr id="32" name="Rectangle 31"/>
+          <p:cNvPr id="16" name="Rectangle 15"/>
           <p:cNvSpPr/>
           <p:nvPr/>
         </p:nvSpPr>
         <p:spPr>
           <a:xfrm>
-            <a:off x="2686309" y="4778636"/>
+            <a:off x="5285602" y="4058176"/>
             <a:ext cx="954271" cy="253405"/>
           </a:xfrm>
           <a:prstGeom prst="rect">
@@ -31276,93 +31114,7 @@
                   <a:schemeClr val="tx1"/>
                 </a:solidFill>
               </a:rPr>
-              <a:t>funktio </a:t>
-            </a:r>
-          </a:p>
-        </p:txBody>
-      </p:sp>
-      <p:cxnSp>
-        <p:nvCxnSpPr>
-          <p:cNvPr id="33" name="Straight Arrow Connector 32"/>
-          <p:cNvCxnSpPr/>
-          <p:nvPr/>
-        </p:nvCxnSpPr>
-        <p:spPr>
-          <a:xfrm flipV="1">
-            <a:off x="4644744" y="4527985"/>
-            <a:ext cx="0" cy="250651"/>
-          </a:xfrm>
-          <a:prstGeom prst="straightConnector1">
-            <a:avLst/>
-          </a:prstGeom>
-          <a:ln w="38100">
-            <a:solidFill>
-              <a:srgbClr val="FF0000"/>
-            </a:solidFill>
-            <a:tailEnd type="triangle"/>
-          </a:ln>
-        </p:spPr>
-        <p:style>
-          <a:lnRef idx="1">
-            <a:schemeClr val="accent1"/>
-          </a:lnRef>
-          <a:fillRef idx="0">
-            <a:schemeClr val="accent1"/>
-          </a:fillRef>
-          <a:effectRef idx="0">
-            <a:schemeClr val="accent1"/>
-          </a:effectRef>
-          <a:fontRef idx="minor">
-            <a:schemeClr val="tx1"/>
-          </a:fontRef>
-        </p:style>
-      </p:cxnSp>
-      <p:sp>
-        <p:nvSpPr>
-          <p:cNvPr id="34" name="Rectangle 33"/>
-          <p:cNvSpPr/>
-          <p:nvPr/>
-        </p:nvSpPr>
-        <p:spPr>
-          <a:xfrm>
-            <a:off x="4194528" y="4778636"/>
-            <a:ext cx="954271" cy="253405"/>
-          </a:xfrm>
-          <a:prstGeom prst="rect">
-            <a:avLst/>
-          </a:prstGeom>
-          <a:solidFill>
-            <a:srgbClr val="D4EAF3"/>
-          </a:solidFill>
-        </p:spPr>
-        <p:style>
-          <a:lnRef idx="2">
-            <a:schemeClr val="accent1">
-              <a:shade val="50000"/>
-            </a:schemeClr>
-          </a:lnRef>
-          <a:fillRef idx="1">
-            <a:schemeClr val="accent1"/>
-          </a:fillRef>
-          <a:effectRef idx="0">
-            <a:schemeClr val="accent1"/>
-          </a:effectRef>
-          <a:fontRef idx="minor">
-            <a:schemeClr val="lt1"/>
-          </a:fontRef>
-        </p:style>
-        <p:txBody>
-          <a:bodyPr rtlCol="0" anchor="ctr"/>
-          <a:lstStyle/>
-          <a:p>
-            <a:pPr algn="ctr"/>
-            <a:r>
-              <a:rPr lang="fi-FI" dirty="0">
-                <a:solidFill>
-                  <a:schemeClr val="tx1"/>
-                </a:solidFill>
-              </a:rPr>
-              <a:t>lista</a:t>
+              <a:t>lista 2</a:t>
             </a:r>
           </a:p>
         </p:txBody>
@@ -31370,7 +31122,7 @@
     </p:spTree>
     <p:extLst>
       <p:ext uri="{BB962C8B-B14F-4D97-AF65-F5344CB8AC3E}">
-        <p14:creationId xmlns:p14="http://schemas.microsoft.com/office/powerpoint/2010/main" val="4215634532"/>
+        <p14:creationId xmlns:p14="http://schemas.microsoft.com/office/powerpoint/2010/main" val="4290675072"/>
       </p:ext>
     </p:extLst>
   </p:cSld>
@@ -31397,31 +31149,133 @@
           <a:chExt cx="0" cy="0"/>
         </a:xfrm>
       </p:grpSpPr>
-      <p:pic>
-        <p:nvPicPr>
-          <p:cNvPr id="10" name="Picture 8" descr="https://avatars0.githubusercontent.com/u/232371?v=3&amp;s=400"/>
-          <p:cNvPicPr>
-            <a:picLocks noChangeAspect="1" noChangeArrowheads="1"/>
-          </p:cNvPicPr>
-          <p:nvPr/>
-        </p:nvPicPr>
-        <p:blipFill>
-          <a:blip r:embed="rId3" cstate="print">
-            <a:extLst>
-              <a:ext uri="{28A0092B-C50C-407E-A947-70E740481C1C}">
-                <a14:useLocalDpi xmlns:a14="http://schemas.microsoft.com/office/drawing/2010/main" val="0"/>
-              </a:ext>
-            </a:extLst>
-          </a:blip>
-          <a:srcRect/>
-          <a:stretch>
-            <a:fillRect/>
-          </a:stretch>
-        </p:blipFill>
+      <p:sp>
+        <p:nvSpPr>
+          <p:cNvPr id="35" name="Rounded Rectangle 34"/>
+          <p:cNvSpPr/>
+          <p:nvPr/>
+        </p:nvSpPr>
+        <p:spPr>
+          <a:xfrm>
+            <a:off x="1768843" y="2978471"/>
+            <a:ext cx="3696495" cy="1053856"/>
+          </a:xfrm>
+          <a:prstGeom prst="roundRect">
+            <a:avLst/>
+          </a:prstGeom>
+          <a:solidFill>
+            <a:schemeClr val="bg2"/>
+          </a:solidFill>
+        </p:spPr>
+        <p:style>
+          <a:lnRef idx="2">
+            <a:schemeClr val="accent1">
+              <a:shade val="50000"/>
+            </a:schemeClr>
+          </a:lnRef>
+          <a:fillRef idx="1">
+            <a:schemeClr val="accent1"/>
+          </a:fillRef>
+          <a:effectRef idx="0">
+            <a:schemeClr val="accent1"/>
+          </a:effectRef>
+          <a:fontRef idx="minor">
+            <a:schemeClr val="lt1"/>
+          </a:fontRef>
+        </p:style>
+        <p:txBody>
+          <a:bodyPr rtlCol="0" anchor="ctr"/>
+          <a:lstStyle/>
+          <a:p>
+            <a:pPr algn="ctr"/>
+            <a:endParaRPr lang="fi-FI"/>
+          </a:p>
+        </p:txBody>
+      </p:sp>
+      <p:sp>
+        <p:nvSpPr>
+          <p:cNvPr id="7" name="Suorakulmio 6"/>
+          <p:cNvSpPr/>
+          <p:nvPr/>
+        </p:nvSpPr>
+        <p:spPr>
+          <a:xfrm>
+            <a:off x="418559" y="1778142"/>
+            <a:ext cx="8230201" cy="1200329"/>
+          </a:xfrm>
+          <a:prstGeom prst="rect">
+            <a:avLst/>
+          </a:prstGeom>
+        </p:spPr>
+        <p:txBody>
+          <a:bodyPr wrap="square">
+            <a:spAutoFit/>
+          </a:bodyPr>
+          <a:lstStyle/>
+          <a:p>
+            <a:r>
+              <a:rPr lang="fi-FI" sz="2400" dirty="0">
+                <a:solidFill>
+                  <a:schemeClr val="tx2">
+                    <a:lumMod val="75000"/>
+                    <a:lumOff val="25000"/>
+                  </a:schemeClr>
+                </a:solidFill>
+                <a:latin typeface="Arial" charset="0"/>
+                <a:cs typeface="Courier New" panose="02070309020205020404" pitchFamily="49" charset="0"/>
+              </a:rPr>
+              <a:t>Oman funktion voi myös parametrisoida toimimaan paremmin eri tilanteissa. Silloin oman funktion paluuarvo on funktio (määritellään </a:t>
+            </a:r>
+            <a:r>
+              <a:rPr lang="fi-FI" sz="2400" dirty="0">
+                <a:solidFill>
+                  <a:schemeClr val="tx2">
+                    <a:lumMod val="75000"/>
+                    <a:lumOff val="25000"/>
+                  </a:schemeClr>
+                </a:solidFill>
+                <a:latin typeface="Courier New" panose="02070309020205020404" pitchFamily="49" charset="0"/>
+                <a:cs typeface="Courier New" panose="02070309020205020404" pitchFamily="49" charset="0"/>
+              </a:rPr>
+              <a:t>lambda</a:t>
+            </a:r>
+            <a:r>
+              <a:rPr lang="fi-FI" sz="2400" dirty="0">
+                <a:solidFill>
+                  <a:schemeClr val="tx2">
+                    <a:lumMod val="75000"/>
+                    <a:lumOff val="25000"/>
+                  </a:schemeClr>
+                </a:solidFill>
+                <a:latin typeface="Arial" charset="0"/>
+                <a:cs typeface="Courier New" panose="02070309020205020404" pitchFamily="49" charset="0"/>
+              </a:rPr>
+              <a:t>:n avulla).</a:t>
+            </a:r>
+            <a:endParaRPr lang="fi-FI" sz="2400" dirty="0">
+              <a:solidFill>
+                <a:schemeClr val="tx2">
+                  <a:lumMod val="75000"/>
+                  <a:lumOff val="25000"/>
+                </a:schemeClr>
+              </a:solidFill>
+              <a:latin typeface="Arial" charset="0"/>
+            </a:endParaRPr>
+          </a:p>
+        </p:txBody>
+      </p:sp>
+      <p:sp>
+        <p:nvSpPr>
+          <p:cNvPr id="10" name="Otsikko 1"/>
+          <p:cNvSpPr txBox="1">
+            <a:spLocks/>
+          </p:cNvSpPr>
+          <p:nvPr/>
+        </p:nvSpPr>
         <p:spPr bwMode="auto">
           <a:xfrm>
-            <a:off x="235017" y="5306027"/>
-            <a:ext cx="1254667" cy="1254668"/>
+            <a:off x="418559" y="880090"/>
+            <a:ext cx="8240518" cy="599694"/>
           </a:xfrm>
           <a:prstGeom prst="rect">
             <a:avLst/>
@@ -31443,66 +31297,126 @@
                 <a:solidFill>
                   <a:srgbClr val="000000"/>
                 </a:solidFill>
-                <a:miter lim="800000"/>
+                <a:round/>
                 <a:headEnd/>
                 <a:tailEnd/>
               </a14:hiddenLine>
             </a:ext>
           </a:extLst>
         </p:spPr>
-      </p:pic>
-      <p:sp>
-        <p:nvSpPr>
-          <p:cNvPr id="13" name="Suorakulmio 12"/>
-          <p:cNvSpPr/>
-          <p:nvPr/>
-        </p:nvSpPr>
-        <p:spPr bwMode="auto">
-          <a:xfrm>
-            <a:off x="5311958" y="240174"/>
-            <a:ext cx="3570371" cy="531170"/>
-          </a:xfrm>
-          <a:prstGeom prst="rect">
-            <a:avLst/>
-          </a:prstGeom>
-          <a:ln>
-            <a:headEnd type="none" w="med" len="med"/>
-            <a:tailEnd type="none" w="med" len="med"/>
-          </a:ln>
-          <a:scene3d>
-            <a:camera prst="orthographicFront"/>
-            <a:lightRig rig="threePt" dir="t"/>
-          </a:scene3d>
-          <a:sp3d>
-            <a:bevelT w="114300" prst="artDeco"/>
-          </a:sp3d>
-        </p:spPr>
-        <p:style>
-          <a:lnRef idx="2">
-            <a:schemeClr val="accent4"/>
-          </a:lnRef>
-          <a:fillRef idx="1">
-            <a:schemeClr val="lt1"/>
-          </a:fillRef>
-          <a:effectRef idx="0">
-            <a:schemeClr val="accent4"/>
-          </a:effectRef>
-          <a:fontRef idx="minor">
-            <a:schemeClr val="dk1"/>
-          </a:fontRef>
-        </p:style>
-        <p:txBody>
-          <a:bodyPr vert="horz" wrap="square" lIns="91440" tIns="45720" rIns="91440" bIns="45720" numCol="1" rtlCol="0" anchor="t" anchorCtr="0" compatLnSpc="1">
+        <p:txBody>
+          <a:bodyPr vert="horz" wrap="square" lIns="90000" tIns="46800" rIns="90000" bIns="46800" numCol="1" anchor="ctr" anchorCtr="0" compatLnSpc="1">
             <a:prstTxWarp prst="textNoShape">
               <a:avLst/>
             </a:prstTxWarp>
           </a:bodyPr>
-          <a:lstStyle/>
-          <a:p>
-            <a:pPr marL="0" marR="0" indent="0" algn="ctr" defTabSz="449263" rtl="0" eaLnBrk="1" fontAlgn="base" latinLnBrk="0" hangingPunct="1">
-              <a:lnSpc>
-                <a:spcPct val="100000"/>
-              </a:lnSpc>
+          <a:lstStyle>
+            <a:lvl1pPr algn="ctr" defTabSz="449263" rtl="0" eaLnBrk="0" fontAlgn="base" hangingPunct="0">
+              <a:spcBef>
+                <a:spcPct val="0"/>
+              </a:spcBef>
+              <a:spcAft>
+                <a:spcPct val="0"/>
+              </a:spcAft>
+              <a:buClr>
+                <a:srgbClr val="000000"/>
+              </a:buClr>
+              <a:buSzPct val="100000"/>
+              <a:buFont typeface="Times New Roman" panose="02020603050405020304" pitchFamily="18" charset="0"/>
+              <a:defRPr sz="4400">
+                <a:solidFill>
+                  <a:srgbClr val="000000"/>
+                </a:solidFill>
+                <a:latin typeface="+mj-lt"/>
+                <a:ea typeface="+mj-ea"/>
+                <a:cs typeface="+mj-cs"/>
+              </a:defRPr>
+            </a:lvl1pPr>
+            <a:lvl2pPr algn="ctr" defTabSz="449263" rtl="0" eaLnBrk="0" fontAlgn="base" hangingPunct="0">
+              <a:spcBef>
+                <a:spcPct val="0"/>
+              </a:spcBef>
+              <a:spcAft>
+                <a:spcPct val="0"/>
+              </a:spcAft>
+              <a:buClr>
+                <a:srgbClr val="000000"/>
+              </a:buClr>
+              <a:buSzPct val="100000"/>
+              <a:buFont typeface="Times New Roman" panose="02020603050405020304" pitchFamily="18" charset="0"/>
+              <a:defRPr sz="4400">
+                <a:solidFill>
+                  <a:srgbClr val="000000"/>
+                </a:solidFill>
+                <a:latin typeface="Arial" charset="0"/>
+                <a:ea typeface="AR PL Mingti2L Big5" charset="0"/>
+                <a:cs typeface="AR PL Mingti2L Big5" charset="0"/>
+              </a:defRPr>
+            </a:lvl2pPr>
+            <a:lvl3pPr algn="ctr" defTabSz="449263" rtl="0" eaLnBrk="0" fontAlgn="base" hangingPunct="0">
+              <a:spcBef>
+                <a:spcPct val="0"/>
+              </a:spcBef>
+              <a:spcAft>
+                <a:spcPct val="0"/>
+              </a:spcAft>
+              <a:buClr>
+                <a:srgbClr val="000000"/>
+              </a:buClr>
+              <a:buSzPct val="100000"/>
+              <a:buFont typeface="Times New Roman" panose="02020603050405020304" pitchFamily="18" charset="0"/>
+              <a:defRPr sz="4400">
+                <a:solidFill>
+                  <a:srgbClr val="000000"/>
+                </a:solidFill>
+                <a:latin typeface="Arial" charset="0"/>
+                <a:ea typeface="AR PL Mingti2L Big5" charset="0"/>
+                <a:cs typeface="AR PL Mingti2L Big5" charset="0"/>
+              </a:defRPr>
+            </a:lvl3pPr>
+            <a:lvl4pPr algn="ctr" defTabSz="449263" rtl="0" eaLnBrk="0" fontAlgn="base" hangingPunct="0">
+              <a:spcBef>
+                <a:spcPct val="0"/>
+              </a:spcBef>
+              <a:spcAft>
+                <a:spcPct val="0"/>
+              </a:spcAft>
+              <a:buClr>
+                <a:srgbClr val="000000"/>
+              </a:buClr>
+              <a:buSzPct val="100000"/>
+              <a:buFont typeface="Times New Roman" panose="02020603050405020304" pitchFamily="18" charset="0"/>
+              <a:defRPr sz="4400">
+                <a:solidFill>
+                  <a:srgbClr val="000000"/>
+                </a:solidFill>
+                <a:latin typeface="Arial" charset="0"/>
+                <a:ea typeface="AR PL Mingti2L Big5" charset="0"/>
+                <a:cs typeface="AR PL Mingti2L Big5" charset="0"/>
+              </a:defRPr>
+            </a:lvl4pPr>
+            <a:lvl5pPr algn="ctr" defTabSz="449263" rtl="0" eaLnBrk="0" fontAlgn="base" hangingPunct="0">
+              <a:spcBef>
+                <a:spcPct val="0"/>
+              </a:spcBef>
+              <a:spcAft>
+                <a:spcPct val="0"/>
+              </a:spcAft>
+              <a:buClr>
+                <a:srgbClr val="000000"/>
+              </a:buClr>
+              <a:buSzPct val="100000"/>
+              <a:buFont typeface="Times New Roman" panose="02020603050405020304" pitchFamily="18" charset="0"/>
+              <a:defRPr sz="4400">
+                <a:solidFill>
+                  <a:srgbClr val="000000"/>
+                </a:solidFill>
+                <a:latin typeface="Arial" charset="0"/>
+                <a:ea typeface="AR PL Mingti2L Big5" charset="0"/>
+                <a:cs typeface="AR PL Mingti2L Big5" charset="0"/>
+              </a:defRPr>
+            </a:lvl5pPr>
+            <a:lvl6pPr marL="2514600" indent="-228600" algn="ctr" defTabSz="449263" rtl="0" fontAlgn="base">
               <a:spcBef>
                 <a:spcPct val="0"/>
               </a:spcBef>
@@ -31514,44 +31428,16 @@
               </a:buClr>
               <a:buSzPct val="100000"/>
               <a:buFont typeface="Times New Roman" pitchFamily="16" charset="0"/>
-              <a:buNone/>
-              <a:tabLst/>
-            </a:pPr>
-            <a:r>
-              <a:rPr kumimoji="0" lang="fi-FI" sz="2400" b="0" i="0" u="none" strike="noStrike" cap="none" normalizeH="0" dirty="0">
-                <a:ln>
-                  <a:noFill/>
-                </a:ln>
-                <a:solidFill>
-                  <a:schemeClr val="tx2">
-                    <a:lumMod val="75000"/>
-                    <a:lumOff val="25000"/>
-                  </a:schemeClr>
-                </a:solidFill>
-                <a:effectLst/>
-                <a:latin typeface="Arial" charset="0"/>
-              </a:rPr>
-              <a:t>MÄÄRITTELYIKKUNA</a:t>
-            </a:r>
-            <a:endParaRPr kumimoji="0" lang="fi-FI" sz="1800" b="0" i="0" u="none" strike="noStrike" cap="none" normalizeH="0" dirty="0">
-              <a:ln>
-                <a:noFill/>
-              </a:ln>
-              <a:solidFill>
-                <a:schemeClr val="tx2">
-                  <a:lumMod val="75000"/>
-                  <a:lumOff val="25000"/>
-                </a:schemeClr>
-              </a:solidFill>
-              <a:effectLst/>
-              <a:latin typeface="Arial" charset="0"/>
-            </a:endParaRPr>
-          </a:p>
-          <a:p>
-            <a:pPr marL="0" marR="0" indent="0" algn="l" defTabSz="449263" rtl="0" eaLnBrk="1" fontAlgn="base" latinLnBrk="0" hangingPunct="1">
-              <a:lnSpc>
-                <a:spcPct val="100000"/>
-              </a:lnSpc>
+              <a:defRPr sz="4400">
+                <a:solidFill>
+                  <a:srgbClr val="000000"/>
+                </a:solidFill>
+                <a:latin typeface="Arial" charset="0"/>
+                <a:ea typeface="AR PL Mingti2L Big5" charset="0"/>
+                <a:cs typeface="AR PL Mingti2L Big5" charset="0"/>
+              </a:defRPr>
+            </a:lvl6pPr>
+            <a:lvl7pPr marL="2971800" indent="-228600" algn="ctr" defTabSz="449263" rtl="0" fontAlgn="base">
               <a:spcBef>
                 <a:spcPct val="0"/>
               </a:spcBef>
@@ -31563,196 +31449,89 @@
               </a:buClr>
               <a:buSzPct val="100000"/>
               <a:buFont typeface="Times New Roman" pitchFamily="16" charset="0"/>
-              <a:buNone/>
-              <a:tabLst/>
-            </a:pPr>
-            <a:endParaRPr kumimoji="0" lang="fi-FI" sz="1800" b="0" i="0" u="none" strike="noStrike" cap="none" normalizeH="0" dirty="0">
-              <a:ln>
-                <a:noFill/>
-              </a:ln>
-              <a:solidFill>
-                <a:schemeClr val="tx2">
-                  <a:lumMod val="75000"/>
-                  <a:lumOff val="25000"/>
-                </a:schemeClr>
-              </a:solidFill>
-              <a:effectLst/>
-              <a:latin typeface="Arial" charset="0"/>
-            </a:endParaRPr>
-          </a:p>
-        </p:txBody>
-      </p:sp>
-      <p:sp>
-        <p:nvSpPr>
-          <p:cNvPr id="43" name="Suorakulmio 42"/>
-          <p:cNvSpPr/>
-          <p:nvPr/>
-        </p:nvSpPr>
-        <p:spPr>
-          <a:xfrm>
-            <a:off x="9453" y="1731130"/>
-            <a:ext cx="1074012" cy="338554"/>
-          </a:xfrm>
-          <a:prstGeom prst="rect">
-            <a:avLst/>
-          </a:prstGeom>
-          <a:solidFill>
-            <a:schemeClr val="accent2">
-              <a:lumMod val="75000"/>
-            </a:schemeClr>
-          </a:solidFill>
-        </p:spPr>
-        <p:txBody>
-          <a:bodyPr wrap="none">
-            <a:spAutoFit/>
-          </a:bodyPr>
-          <a:lstStyle/>
-          <a:p>
-            <a:r>
-              <a:rPr kumimoji="0" lang="fi-FI" sz="1600" b="0" i="0" u="none" strike="noStrike" cap="none" normalizeH="0" dirty="0">
-                <a:ln>
-                  <a:noFill/>
-                </a:ln>
-                <a:effectLst/>
-                <a:latin typeface="Arial" charset="0"/>
-              </a:rPr>
-              <a:t>Tehtävä </a:t>
-            </a:r>
-            <a:r>
-              <a:rPr lang="fi-FI" sz="1600" dirty="0">
-                <a:latin typeface="Arial" charset="0"/>
-              </a:rPr>
-              <a:t>1</a:t>
-            </a:r>
-            <a:endParaRPr lang="fi-FI" sz="1600" dirty="0"/>
-          </a:p>
-        </p:txBody>
-      </p:sp>
-      <p:sp>
-        <p:nvSpPr>
-          <p:cNvPr id="44" name="Suorakulmio 43"/>
-          <p:cNvSpPr/>
-          <p:nvPr/>
-        </p:nvSpPr>
-        <p:spPr>
-          <a:xfrm>
-            <a:off x="-1906" y="2996802"/>
-            <a:ext cx="1074012" cy="338554"/>
-          </a:xfrm>
-          <a:prstGeom prst="rect">
-            <a:avLst/>
-          </a:prstGeom>
-          <a:solidFill>
-            <a:schemeClr val="accent2">
-              <a:lumMod val="75000"/>
-            </a:schemeClr>
-          </a:solidFill>
-        </p:spPr>
-        <p:txBody>
-          <a:bodyPr wrap="none">
-            <a:spAutoFit/>
-          </a:bodyPr>
-          <a:lstStyle/>
-          <a:p>
-            <a:r>
-              <a:rPr kumimoji="0" lang="fi-FI" sz="1600" b="0" i="0" u="none" strike="noStrike" cap="none" normalizeH="0" dirty="0">
-                <a:ln>
-                  <a:noFill/>
-                </a:ln>
-                <a:effectLst/>
-                <a:latin typeface="Arial" charset="0"/>
-              </a:rPr>
-              <a:t>Tehtävä </a:t>
-            </a:r>
-            <a:r>
-              <a:rPr lang="fi-FI" sz="1600" dirty="0">
-                <a:latin typeface="Arial" charset="0"/>
-              </a:rPr>
-              <a:t>2</a:t>
-            </a:r>
-            <a:endParaRPr lang="fi-FI" sz="1600" dirty="0"/>
-          </a:p>
-        </p:txBody>
-      </p:sp>
-      <p:sp>
-        <p:nvSpPr>
-          <p:cNvPr id="45" name="Suorakulmio 44"/>
-          <p:cNvSpPr/>
-          <p:nvPr/>
-        </p:nvSpPr>
-        <p:spPr>
-          <a:xfrm>
-            <a:off x="-1906" y="4243987"/>
-            <a:ext cx="1074012" cy="338554"/>
-          </a:xfrm>
-          <a:prstGeom prst="rect">
-            <a:avLst/>
-          </a:prstGeom>
-          <a:solidFill>
-            <a:schemeClr val="accent2">
-              <a:lumMod val="75000"/>
-            </a:schemeClr>
-          </a:solidFill>
-        </p:spPr>
-        <p:txBody>
-          <a:bodyPr wrap="none">
-            <a:spAutoFit/>
-          </a:bodyPr>
-          <a:lstStyle/>
-          <a:p>
-            <a:r>
-              <a:rPr kumimoji="0" lang="fi-FI" sz="1600" b="0" i="0" u="none" strike="noStrike" cap="none" normalizeH="0" dirty="0">
-                <a:ln>
-                  <a:noFill/>
-                </a:ln>
-                <a:effectLst/>
-                <a:latin typeface="Arial" charset="0"/>
-              </a:rPr>
-              <a:t>Tehtävä </a:t>
-            </a:r>
-            <a:r>
-              <a:rPr lang="fi-FI" sz="1600" dirty="0">
-                <a:latin typeface="Arial" charset="0"/>
-              </a:rPr>
-              <a:t>3</a:t>
-            </a:r>
-            <a:endParaRPr lang="fi-FI" sz="1600" dirty="0"/>
-          </a:p>
-        </p:txBody>
-      </p:sp>
-      <p:pic>
-        <p:nvPicPr>
-          <p:cNvPr id="42" name="Kuva 41"/>
-          <p:cNvPicPr>
-            <a:picLocks noChangeAspect="1"/>
-          </p:cNvPicPr>
-          <p:nvPr/>
-        </p:nvPicPr>
-        <p:blipFill>
-          <a:blip r:embed="rId4">
-            <a:extLst>
-              <a:ext uri="{28A0092B-C50C-407E-A947-70E740481C1C}">
-                <a14:useLocalDpi xmlns:a14="http://schemas.microsoft.com/office/drawing/2010/main" val="0"/>
-              </a:ext>
-            </a:extLst>
-          </a:blip>
-          <a:stretch>
-            <a:fillRect/>
-          </a:stretch>
-        </p:blipFill>
-        <p:spPr>
-          <a:xfrm>
-            <a:off x="8068724" y="1165451"/>
-            <a:ext cx="1075276" cy="516133"/>
-          </a:xfrm>
-          <a:prstGeom prst="rect">
-            <a:avLst/>
-          </a:prstGeom>
-        </p:spPr>
-      </p:pic>
-      <p:sp>
-        <p:nvSpPr>
-          <p:cNvPr id="3" name="Alatunnisteen paikkamerkki 2"/>
+              <a:defRPr sz="4400">
+                <a:solidFill>
+                  <a:srgbClr val="000000"/>
+                </a:solidFill>
+                <a:latin typeface="Arial" charset="0"/>
+                <a:ea typeface="AR PL Mingti2L Big5" charset="0"/>
+                <a:cs typeface="AR PL Mingti2L Big5" charset="0"/>
+              </a:defRPr>
+            </a:lvl7pPr>
+            <a:lvl8pPr marL="3429000" indent="-228600" algn="ctr" defTabSz="449263" rtl="0" fontAlgn="base">
+              <a:spcBef>
+                <a:spcPct val="0"/>
+              </a:spcBef>
+              <a:spcAft>
+                <a:spcPct val="0"/>
+              </a:spcAft>
+              <a:buClr>
+                <a:srgbClr val="000000"/>
+              </a:buClr>
+              <a:buSzPct val="100000"/>
+              <a:buFont typeface="Times New Roman" pitchFamily="16" charset="0"/>
+              <a:defRPr sz="4400">
+                <a:solidFill>
+                  <a:srgbClr val="000000"/>
+                </a:solidFill>
+                <a:latin typeface="Arial" charset="0"/>
+                <a:ea typeface="AR PL Mingti2L Big5" charset="0"/>
+                <a:cs typeface="AR PL Mingti2L Big5" charset="0"/>
+              </a:defRPr>
+            </a:lvl8pPr>
+            <a:lvl9pPr marL="3886200" indent="-228600" algn="ctr" defTabSz="449263" rtl="0" fontAlgn="base">
+              <a:spcBef>
+                <a:spcPct val="0"/>
+              </a:spcBef>
+              <a:spcAft>
+                <a:spcPct val="0"/>
+              </a:spcAft>
+              <a:buClr>
+                <a:srgbClr val="000000"/>
+              </a:buClr>
+              <a:buSzPct val="100000"/>
+              <a:buFont typeface="Times New Roman" pitchFamily="16" charset="0"/>
+              <a:defRPr sz="4400">
+                <a:solidFill>
+                  <a:srgbClr val="000000"/>
+                </a:solidFill>
+                <a:latin typeface="Arial" charset="0"/>
+                <a:ea typeface="AR PL Mingti2L Big5" charset="0"/>
+                <a:cs typeface="AR PL Mingti2L Big5" charset="0"/>
+              </a:defRPr>
+            </a:lvl9pPr>
+          </a:lstStyle>
+          <a:p>
+            <a:pPr algn="l"/>
+            <a:r>
+              <a:rPr lang="fi-FI" altLang="fi-FI" sz="4000" b="1" kern="0" dirty="0">
+                <a:solidFill>
+                  <a:schemeClr val="accent6">
+                    <a:lumMod val="75000"/>
+                  </a:schemeClr>
+                </a:solidFill>
+              </a:rPr>
+              <a:t>Oman funktion määrittely 1I</a:t>
+            </a:r>
+          </a:p>
+          <a:p>
+            <a:pPr algn="l"/>
+            <a:r>
+              <a:rPr lang="fi-FI" altLang="fi-FI" sz="4000" b="1" kern="0" dirty="0">
+                <a:solidFill>
+                  <a:schemeClr val="accent6">
+                    <a:lumMod val="75000"/>
+                  </a:schemeClr>
+                </a:solidFill>
+              </a:rPr>
+              <a:t>(lambda)</a:t>
+            </a:r>
+          </a:p>
+        </p:txBody>
+      </p:sp>
+      <p:sp>
+        <p:nvSpPr>
+          <p:cNvPr id="17" name="Alatunnisteen paikkamerkki 16"/>
           <p:cNvSpPr>
             <a:spLocks noGrp="1"/>
           </p:cNvSpPr>
@@ -31762,7 +31541,7 @@
         </p:nvSpPr>
         <p:spPr>
           <a:xfrm>
-            <a:off x="755576" y="6308361"/>
+            <a:off x="594753" y="6077321"/>
             <a:ext cx="4870585" cy="365125"/>
           </a:xfrm>
         </p:spPr>
@@ -31783,374 +31562,466 @@
       </p:sp>
       <p:sp>
         <p:nvSpPr>
-          <p:cNvPr id="35" name="Suorakulmio 34"/>
-          <p:cNvSpPr/>
-          <p:nvPr/>
-        </p:nvSpPr>
-        <p:spPr>
-          <a:xfrm>
-            <a:off x="428520" y="765364"/>
-            <a:ext cx="8391952" cy="677108"/>
+          <p:cNvPr id="2" name="TextBox 1"/>
+          <p:cNvSpPr txBox="1"/>
+          <p:nvPr/>
+        </p:nvSpPr>
+        <p:spPr>
+          <a:xfrm>
+            <a:off x="1732539" y="2978471"/>
+            <a:ext cx="6926538" cy="3154710"/>
           </a:xfrm>
           <a:prstGeom prst="rect">
             <a:avLst/>
           </a:prstGeom>
-        </p:spPr>
-        <p:txBody>
-          <a:bodyPr wrap="square">
+          <a:noFill/>
+        </p:spPr>
+        <p:txBody>
+          <a:bodyPr wrap="square" rtlCol="0">
             <a:spAutoFit/>
           </a:bodyPr>
           <a:lstStyle/>
           <a:p>
-            <a:r>
-              <a:rPr lang="fi-FI" sz="2200" dirty="0">
+            <a:pPr>
+              <a:spcBef>
+                <a:spcPts val="600"/>
+              </a:spcBef>
+            </a:pPr>
+            <a:r>
+              <a:rPr lang="fi-FI" b="1" dirty="0">
                 <a:solidFill>
                   <a:schemeClr val="tx1"/>
                 </a:solidFill>
-                <a:latin typeface="Arial" charset="0"/>
-              </a:rPr>
-              <a:t>Koodaa seuraavat funktiot:     </a:t>
-            </a:r>
-            <a:r>
-              <a:rPr lang="fi-FI" sz="1600" i="1" dirty="0">
+                <a:latin typeface="Courier New" panose="02070309020205020404" pitchFamily="49" charset="0"/>
+                <a:cs typeface="Courier New" panose="02070309020205020404" pitchFamily="49" charset="0"/>
+              </a:rPr>
+              <a:t>;; kerro : Luku -&gt; Funktio</a:t>
+            </a:r>
+          </a:p>
+          <a:p>
+            <a:pPr>
+              <a:spcBef>
+                <a:spcPts val="600"/>
+              </a:spcBef>
+            </a:pPr>
+            <a:r>
+              <a:rPr lang="fi-FI" b="1" dirty="0">
                 <a:solidFill>
                   <a:schemeClr val="tx1"/>
                 </a:solidFill>
-                <a:latin typeface="Arial" charset="0"/>
-              </a:rPr>
-              <a:t>(vinkki: list, length, *, /, map, make-list tai lambda,                       </a:t>
-            </a:r>
-          </a:p>
-          <a:p>
-            <a:r>
-              <a:rPr lang="fi-FI" sz="1600" i="1" dirty="0">
+                <a:latin typeface="Courier New" panose="02070309020205020404" pitchFamily="49" charset="0"/>
+                <a:cs typeface="Courier New" panose="02070309020205020404" pitchFamily="49" charset="0"/>
+              </a:rPr>
+              <a:t>(define (kerro k)</a:t>
+            </a:r>
+          </a:p>
+          <a:p>
+            <a:pPr>
+              <a:spcBef>
+                <a:spcPts val="600"/>
+              </a:spcBef>
+            </a:pPr>
+            <a:r>
+              <a:rPr lang="fi-FI" b="1" dirty="0">
                 <a:solidFill>
                   <a:schemeClr val="tx1"/>
                 </a:solidFill>
-                <a:latin typeface="Arial" charset="0"/>
-              </a:rPr>
-              <a:t>                                                                             check-expect)</a:t>
-            </a:r>
-            <a:endParaRPr lang="fi-FI" sz="1600" i="1" dirty="0">
+                <a:latin typeface="Courier New" panose="02070309020205020404" pitchFamily="49" charset="0"/>
+                <a:cs typeface="Courier New" panose="02070309020205020404" pitchFamily="49" charset="0"/>
+              </a:rPr>
+              <a:t>   (lambda (x) (* x k)))</a:t>
+            </a:r>
+          </a:p>
+          <a:p>
+            <a:pPr>
+              <a:spcBef>
+                <a:spcPts val="600"/>
+              </a:spcBef>
+            </a:pPr>
+            <a:endParaRPr lang="fi-FI" sz="800" dirty="0">
               <a:solidFill>
-                <a:schemeClr val="tx1"/>
+                <a:srgbClr val="002060"/>
               </a:solidFill>
+              <a:latin typeface="Courier New" panose="02070309020205020404" pitchFamily="49" charset="0"/>
+              <a:cs typeface="Courier New" panose="02070309020205020404" pitchFamily="49" charset="0"/>
             </a:endParaRPr>
           </a:p>
-        </p:txBody>
-      </p:sp>
-      <p:pic>
-        <p:nvPicPr>
-          <p:cNvPr id="61" name="Picture 2" descr="WeScheme Logo"/>
-          <p:cNvPicPr>
-            <a:picLocks noChangeAspect="1" noChangeArrowheads="1"/>
-          </p:cNvPicPr>
-          <p:nvPr/>
-        </p:nvPicPr>
-        <p:blipFill>
-          <a:blip r:embed="rId5" cstate="print">
-            <a:extLst>
-              <a:ext uri="{28A0092B-C50C-407E-A947-70E740481C1C}">
-                <a14:useLocalDpi xmlns:a14="http://schemas.microsoft.com/office/drawing/2010/main" val="0"/>
-              </a:ext>
-            </a:extLst>
-          </a:blip>
-          <a:srcRect/>
-          <a:stretch>
-            <a:fillRect/>
-          </a:stretch>
-        </p:blipFill>
-        <p:spPr bwMode="auto">
-          <a:xfrm>
-            <a:off x="7386527" y="5180161"/>
-            <a:ext cx="1495802" cy="1383832"/>
+          <a:p>
+            <a:pPr>
+              <a:spcBef>
+                <a:spcPts val="600"/>
+              </a:spcBef>
+            </a:pPr>
+            <a:r>
+              <a:rPr lang="fi-FI" dirty="0">
+                <a:solidFill>
+                  <a:srgbClr val="002060"/>
+                </a:solidFill>
+                <a:latin typeface="Courier New" panose="02070309020205020404" pitchFamily="49" charset="0"/>
+                <a:cs typeface="Courier New" panose="02070309020205020404" pitchFamily="49" charset="0"/>
+              </a:rPr>
+              <a:t>(map (kerro 5) (list 1 2 3))</a:t>
+            </a:r>
+          </a:p>
+          <a:p>
+            <a:pPr>
+              <a:spcBef>
+                <a:spcPts val="600"/>
+              </a:spcBef>
+            </a:pPr>
+            <a:endParaRPr lang="fi-FI" sz="1000" dirty="0">
+              <a:solidFill>
+                <a:srgbClr val="002060"/>
+              </a:solidFill>
+              <a:latin typeface="Courier New" panose="02070309020205020404" pitchFamily="49" charset="0"/>
+              <a:cs typeface="Courier New" panose="02070309020205020404" pitchFamily="49" charset="0"/>
+            </a:endParaRPr>
+          </a:p>
+          <a:p>
+            <a:pPr>
+              <a:spcBef>
+                <a:spcPts val="600"/>
+              </a:spcBef>
+            </a:pPr>
+            <a:endParaRPr lang="fi-FI" sz="1000" dirty="0">
+              <a:solidFill>
+                <a:srgbClr val="002060"/>
+              </a:solidFill>
+              <a:latin typeface="Courier New" panose="02070309020205020404" pitchFamily="49" charset="0"/>
+              <a:cs typeface="Courier New" panose="02070309020205020404" pitchFamily="49" charset="0"/>
+            </a:endParaRPr>
+          </a:p>
+          <a:p>
+            <a:pPr>
+              <a:spcBef>
+                <a:spcPts val="600"/>
+              </a:spcBef>
+            </a:pPr>
+            <a:r>
+              <a:rPr lang="fi-FI" dirty="0">
+                <a:solidFill>
+                  <a:srgbClr val="002060"/>
+                </a:solidFill>
+              </a:rPr>
+              <a:t>Tuottaa saman paluuarvon kuin:</a:t>
+            </a:r>
+          </a:p>
+          <a:p>
+            <a:pPr>
+              <a:spcBef>
+                <a:spcPts val="600"/>
+              </a:spcBef>
+            </a:pPr>
+            <a:r>
+              <a:rPr lang="fi-FI" dirty="0">
+                <a:solidFill>
+                  <a:srgbClr val="002060"/>
+                </a:solidFill>
+                <a:latin typeface="Courier New" panose="02070309020205020404" pitchFamily="49" charset="0"/>
+                <a:cs typeface="Courier New" panose="02070309020205020404" pitchFamily="49" charset="0"/>
+              </a:rPr>
+              <a:t>(list ((kerro 5) 1) ((kerro 5) 2) ((kerro 5) 3))</a:t>
+            </a:r>
+          </a:p>
+          <a:p>
+            <a:pPr>
+              <a:spcBef>
+                <a:spcPts val="600"/>
+              </a:spcBef>
+            </a:pPr>
+            <a:r>
+              <a:rPr lang="fi-FI" dirty="0">
+                <a:solidFill>
+                  <a:srgbClr val="002060"/>
+                </a:solidFill>
+                <a:latin typeface="Courier New" panose="02070309020205020404" pitchFamily="49" charset="0"/>
+                <a:cs typeface="Courier New" panose="02070309020205020404" pitchFamily="49" charset="0"/>
+                <a:sym typeface="Wingdings" panose="05000000000000000000" pitchFamily="2" charset="2"/>
+              </a:rPr>
+              <a:t></a:t>
+            </a:r>
+            <a:r>
+              <a:rPr lang="fi-FI" dirty="0">
+                <a:solidFill>
+                  <a:srgbClr val="002060"/>
+                </a:solidFill>
+                <a:latin typeface="Courier New" panose="02070309020205020404" pitchFamily="49" charset="0"/>
+                <a:cs typeface="Courier New" panose="02070309020205020404" pitchFamily="49" charset="0"/>
+              </a:rPr>
+              <a:t>(list (* 1 5) (* 2 5) (* 3 5))</a:t>
+            </a:r>
+          </a:p>
+        </p:txBody>
+      </p:sp>
+      <p:sp>
+        <p:nvSpPr>
+          <p:cNvPr id="4" name="Rectangle 3"/>
+          <p:cNvSpPr/>
+          <p:nvPr/>
+        </p:nvSpPr>
+        <p:spPr>
+          <a:xfrm>
+            <a:off x="6432729" y="3900400"/>
+            <a:ext cx="1530037" cy="1131641"/>
           </a:xfrm>
           <a:prstGeom prst="rect">
             <a:avLst/>
           </a:prstGeom>
-          <a:noFill/>
+          <a:solidFill>
+            <a:srgbClr val="D4EAF3"/>
+          </a:solidFill>
+        </p:spPr>
+        <p:style>
+          <a:lnRef idx="2">
+            <a:schemeClr val="accent1">
+              <a:shade val="50000"/>
+            </a:schemeClr>
+          </a:lnRef>
+          <a:fillRef idx="1">
+            <a:schemeClr val="accent1"/>
+          </a:fillRef>
+          <a:effectRef idx="0">
+            <a:schemeClr val="accent1"/>
+          </a:effectRef>
+          <a:fontRef idx="minor">
+            <a:schemeClr val="lt1"/>
+          </a:fontRef>
+        </p:style>
+        <p:txBody>
+          <a:bodyPr rtlCol="0" anchor="ctr"/>
+          <a:lstStyle/>
+          <a:p>
+            <a:pPr algn="ctr"/>
+            <a:r>
+              <a:rPr lang="fi-FI" dirty="0">
+                <a:solidFill>
+                  <a:schemeClr val="tx1"/>
+                </a:solidFill>
+              </a:rPr>
+              <a:t>Sama funktio toimii eri kertoimilla (tässä k=5)</a:t>
+            </a:r>
+          </a:p>
+        </p:txBody>
+      </p:sp>
+      <p:sp>
+        <p:nvSpPr>
+          <p:cNvPr id="5" name="Left Brace 4"/>
+          <p:cNvSpPr/>
+          <p:nvPr/>
+        </p:nvSpPr>
+        <p:spPr>
+          <a:xfrm rot="5400000">
+            <a:off x="7054486" y="4740627"/>
+            <a:ext cx="286525" cy="1008113"/>
+          </a:xfrm>
+          <a:prstGeom prst="leftBrace">
+            <a:avLst/>
+          </a:prstGeom>
           <a:ln>
-            <a:noFill/>
+            <a:solidFill>
+              <a:schemeClr val="tx1"/>
+            </a:solidFill>
           </a:ln>
-          <a:effectLst>
-            <a:outerShdw blurRad="50800" dist="38100" dir="5400000" algn="t" rotWithShape="0">
-              <a:prstClr val="black">
-                <a:alpha val="40000"/>
-              </a:prstClr>
-            </a:outerShdw>
-          </a:effectLst>
-          <a:extLst>
-            <a:ext uri="{909E8E84-426E-40DD-AFC4-6F175D3DCCD1}">
-              <a14:hiddenFill xmlns:a14="http://schemas.microsoft.com/office/drawing/2010/main">
-                <a:solidFill>
-                  <a:srgbClr val="FFFFFF"/>
-                </a:solidFill>
-              </a14:hiddenFill>
-            </a:ext>
-            <a:ext uri="{91240B29-F687-4F45-9708-019B960494DF}">
-              <a14:hiddenLine xmlns:a14="http://schemas.microsoft.com/office/drawing/2010/main" w="9525">
-                <a:solidFill>
-                  <a:srgbClr val="000000"/>
-                </a:solidFill>
-                <a:miter lim="800000"/>
-                <a:headEnd/>
-                <a:tailEnd/>
-              </a14:hiddenLine>
-            </a:ext>
-          </a:extLst>
-        </p:spPr>
-      </p:pic>
-      <p:sp>
-        <p:nvSpPr>
-          <p:cNvPr id="24" name="Suorakulmio 34"/>
+        </p:spPr>
+        <p:style>
+          <a:lnRef idx="1">
+            <a:schemeClr val="accent1"/>
+          </a:lnRef>
+          <a:fillRef idx="0">
+            <a:schemeClr val="accent1"/>
+          </a:fillRef>
+          <a:effectRef idx="0">
+            <a:schemeClr val="accent1"/>
+          </a:effectRef>
+          <a:fontRef idx="minor">
+            <a:schemeClr val="tx1"/>
+          </a:fontRef>
+        </p:style>
+        <p:txBody>
+          <a:bodyPr rtlCol="0" anchor="ctr"/>
+          <a:lstStyle/>
+          <a:p>
+            <a:pPr algn="ctr"/>
+            <a:endParaRPr lang="fi-FI"/>
+          </a:p>
+        </p:txBody>
+      </p:sp>
+      <p:cxnSp>
+        <p:nvCxnSpPr>
+          <p:cNvPr id="31" name="Straight Arrow Connector 30"/>
+          <p:cNvCxnSpPr/>
+          <p:nvPr/>
+        </p:nvCxnSpPr>
+        <p:spPr>
+          <a:xfrm flipV="1">
+            <a:off x="3136525" y="4527985"/>
+            <a:ext cx="0" cy="250651"/>
+          </a:xfrm>
+          <a:prstGeom prst="straightConnector1">
+            <a:avLst/>
+          </a:prstGeom>
+          <a:ln w="38100">
+            <a:solidFill>
+              <a:srgbClr val="FF0000"/>
+            </a:solidFill>
+            <a:tailEnd type="triangle"/>
+          </a:ln>
+        </p:spPr>
+        <p:style>
+          <a:lnRef idx="1">
+            <a:schemeClr val="accent1"/>
+          </a:lnRef>
+          <a:fillRef idx="0">
+            <a:schemeClr val="accent1"/>
+          </a:fillRef>
+          <a:effectRef idx="0">
+            <a:schemeClr val="accent1"/>
+          </a:effectRef>
+          <a:fontRef idx="minor">
+            <a:schemeClr val="tx1"/>
+          </a:fontRef>
+        </p:style>
+      </p:cxnSp>
+      <p:sp>
+        <p:nvSpPr>
+          <p:cNvPr id="32" name="Rectangle 31"/>
           <p:cNvSpPr/>
           <p:nvPr/>
         </p:nvSpPr>
         <p:spPr>
           <a:xfrm>
-            <a:off x="1195533" y="1638794"/>
-            <a:ext cx="5680723" cy="1107996"/>
+            <a:off x="2686309" y="4778636"/>
+            <a:ext cx="954271" cy="253405"/>
           </a:xfrm>
           <a:prstGeom prst="rect">
             <a:avLst/>
           </a:prstGeom>
-        </p:spPr>
-        <p:txBody>
-          <a:bodyPr wrap="square">
-            <a:spAutoFit/>
-          </a:bodyPr>
+          <a:solidFill>
+            <a:srgbClr val="D4EAF3"/>
+          </a:solidFill>
+        </p:spPr>
+        <p:style>
+          <a:lnRef idx="2">
+            <a:schemeClr val="accent1">
+              <a:shade val="50000"/>
+            </a:schemeClr>
+          </a:lnRef>
+          <a:fillRef idx="1">
+            <a:schemeClr val="accent1"/>
+          </a:fillRef>
+          <a:effectRef idx="0">
+            <a:schemeClr val="accent1"/>
+          </a:effectRef>
+          <a:fontRef idx="minor">
+            <a:schemeClr val="lt1"/>
+          </a:fontRef>
+        </p:style>
+        <p:txBody>
+          <a:bodyPr rtlCol="0" anchor="ctr"/>
           <a:lstStyle/>
           <a:p>
-            <a:r>
-              <a:rPr lang="fi-FI" sz="2200" dirty="0">
+            <a:pPr algn="ctr"/>
+            <a:r>
+              <a:rPr lang="fi-FI" dirty="0">
                 <a:solidFill>
                   <a:schemeClr val="tx1"/>
                 </a:solidFill>
-                <a:latin typeface="Arial" charset="0"/>
-              </a:rPr>
-              <a:t>Kirjoita funktio, joka muuttaa </a:t>
-            </a:r>
-          </a:p>
-          <a:p>
-            <a:r>
-              <a:rPr lang="fi-FI" sz="2200" dirty="0">
+              </a:rPr>
+              <a:t>funktio </a:t>
+            </a:r>
+          </a:p>
+        </p:txBody>
+      </p:sp>
+      <p:cxnSp>
+        <p:nvCxnSpPr>
+          <p:cNvPr id="33" name="Straight Arrow Connector 32"/>
+          <p:cNvCxnSpPr/>
+          <p:nvPr/>
+        </p:nvCxnSpPr>
+        <p:spPr>
+          <a:xfrm flipV="1">
+            <a:off x="4644744" y="4527985"/>
+            <a:ext cx="0" cy="250651"/>
+          </a:xfrm>
+          <a:prstGeom prst="straightConnector1">
+            <a:avLst/>
+          </a:prstGeom>
+          <a:ln w="38100">
+            <a:solidFill>
+              <a:srgbClr val="FF0000"/>
+            </a:solidFill>
+            <a:tailEnd type="triangle"/>
+          </a:ln>
+        </p:spPr>
+        <p:style>
+          <a:lnRef idx="1">
+            <a:schemeClr val="accent1"/>
+          </a:lnRef>
+          <a:fillRef idx="0">
+            <a:schemeClr val="accent1"/>
+          </a:fillRef>
+          <a:effectRef idx="0">
+            <a:schemeClr val="accent1"/>
+          </a:effectRef>
+          <a:fontRef idx="minor">
+            <a:schemeClr val="tx1"/>
+          </a:fontRef>
+        </p:style>
+      </p:cxnSp>
+      <p:sp>
+        <p:nvSpPr>
+          <p:cNvPr id="34" name="Rectangle 33"/>
+          <p:cNvSpPr/>
+          <p:nvPr/>
+        </p:nvSpPr>
+        <p:spPr>
+          <a:xfrm>
+            <a:off x="4194528" y="4778636"/>
+            <a:ext cx="954271" cy="253405"/>
+          </a:xfrm>
+          <a:prstGeom prst="rect">
+            <a:avLst/>
+          </a:prstGeom>
+          <a:solidFill>
+            <a:srgbClr val="D4EAF3"/>
+          </a:solidFill>
+        </p:spPr>
+        <p:style>
+          <a:lnRef idx="2">
+            <a:schemeClr val="accent1">
+              <a:shade val="50000"/>
+            </a:schemeClr>
+          </a:lnRef>
+          <a:fillRef idx="1">
+            <a:schemeClr val="accent1"/>
+          </a:fillRef>
+          <a:effectRef idx="0">
+            <a:schemeClr val="accent1"/>
+          </a:effectRef>
+          <a:fontRef idx="minor">
+            <a:schemeClr val="lt1"/>
+          </a:fontRef>
+        </p:style>
+        <p:txBody>
+          <a:bodyPr rtlCol="0" anchor="ctr"/>
+          <a:lstStyle/>
+          <a:p>
+            <a:pPr algn="ctr"/>
+            <a:r>
+              <a:rPr lang="fi-FI" dirty="0">
                 <a:solidFill>
                   <a:schemeClr val="tx1"/>
                 </a:solidFill>
-                <a:latin typeface="Arial" charset="0"/>
-              </a:rPr>
-              <a:t>alennusprosentin tai korotusprosentin prosenttikertoimeksi. </a:t>
-            </a:r>
-          </a:p>
-        </p:txBody>
-      </p:sp>
-      <p:sp>
-        <p:nvSpPr>
-          <p:cNvPr id="25" name="Suorakulmio 34"/>
-          <p:cNvSpPr/>
-          <p:nvPr/>
-        </p:nvSpPr>
-        <p:spPr>
-          <a:xfrm>
-            <a:off x="1164549" y="2881075"/>
-            <a:ext cx="4853221" cy="1107996"/>
-          </a:xfrm>
-          <a:prstGeom prst="rect">
-            <a:avLst/>
-          </a:prstGeom>
-        </p:spPr>
-        <p:txBody>
-          <a:bodyPr wrap="square">
-            <a:spAutoFit/>
-          </a:bodyPr>
-          <a:lstStyle/>
-          <a:p>
-            <a:r>
-              <a:rPr lang="fi-FI" sz="2200" dirty="0">
-                <a:solidFill>
-                  <a:schemeClr val="tx1"/>
-                </a:solidFill>
-                <a:latin typeface="Arial" charset="0"/>
-              </a:rPr>
-              <a:t>Kirjoita funktio, joka laskee alennetun/korotetun hinnan. </a:t>
-            </a:r>
-          </a:p>
-          <a:p>
-            <a:r>
-              <a:rPr lang="fi-FI" sz="2200" dirty="0">
-                <a:solidFill>
-                  <a:schemeClr val="tx1"/>
-                </a:solidFill>
-                <a:latin typeface="Arial" charset="0"/>
-              </a:rPr>
-              <a:t>Käytä apuna tehtävän 1 funktiota.</a:t>
-            </a:r>
-          </a:p>
-        </p:txBody>
-      </p:sp>
-      <p:sp>
-        <p:nvSpPr>
-          <p:cNvPr id="9" name="Rectangle 8"/>
-          <p:cNvSpPr/>
-          <p:nvPr/>
-        </p:nvSpPr>
-        <p:spPr>
-          <a:xfrm>
-            <a:off x="2180686" y="5654106"/>
-            <a:ext cx="4887620" cy="646331"/>
-          </a:xfrm>
-          <a:prstGeom prst="rect">
-            <a:avLst/>
-          </a:prstGeom>
-        </p:spPr>
-        <p:txBody>
-          <a:bodyPr wrap="square">
-            <a:spAutoFit/>
-          </a:bodyPr>
-          <a:lstStyle/>
-          <a:p>
-            <a:r>
-              <a:rPr lang="fi-FI" i="1" dirty="0">
-                <a:solidFill>
-                  <a:schemeClr val="tx1"/>
-                </a:solidFill>
-                <a:latin typeface="Arial" charset="0"/>
-              </a:rPr>
-              <a:t>Vinkki! Kirjoita ensin check-expect lausekkeet niin ymmärrät miten funktion kuuluu toimia.</a:t>
-            </a:r>
-          </a:p>
-        </p:txBody>
-      </p:sp>
-      <p:sp>
-        <p:nvSpPr>
-          <p:cNvPr id="16" name="Suorakulmio 34"/>
-          <p:cNvSpPr/>
-          <p:nvPr/>
-        </p:nvSpPr>
-        <p:spPr>
-          <a:xfrm>
-            <a:off x="1164549" y="4111811"/>
-            <a:ext cx="4631587" cy="1446550"/>
-          </a:xfrm>
-          <a:prstGeom prst="rect">
-            <a:avLst/>
-          </a:prstGeom>
-        </p:spPr>
-        <p:txBody>
-          <a:bodyPr wrap="square">
-            <a:spAutoFit/>
-          </a:bodyPr>
-          <a:lstStyle/>
-          <a:p>
-            <a:r>
-              <a:rPr lang="fi-FI" sz="2200" dirty="0">
-                <a:solidFill>
-                  <a:schemeClr val="tx1"/>
-                </a:solidFill>
-                <a:latin typeface="Arial" charset="0"/>
-              </a:rPr>
-              <a:t>Kirjoita funktio, joka laskee </a:t>
-            </a:r>
-          </a:p>
-          <a:p>
-            <a:r>
-              <a:rPr lang="fi-FI" sz="2200" dirty="0">
-                <a:solidFill>
-                  <a:schemeClr val="tx1"/>
-                </a:solidFill>
-                <a:latin typeface="Arial" charset="0"/>
-              </a:rPr>
-              <a:t>uudet hinnat, kun alkuperäiset hinnat on annettu listana. </a:t>
-            </a:r>
-          </a:p>
-          <a:p>
-            <a:r>
-              <a:rPr lang="fi-FI" sz="2200" dirty="0">
-                <a:solidFill>
-                  <a:schemeClr val="tx1"/>
-                </a:solidFill>
-                <a:latin typeface="Arial" charset="0"/>
-              </a:rPr>
-              <a:t>Käytä apuna tehtävän 2 funktiota.</a:t>
-            </a:r>
-          </a:p>
-        </p:txBody>
-      </p:sp>
-      <p:pic>
-        <p:nvPicPr>
-          <p:cNvPr id="4" name="Picture 3"/>
-          <p:cNvPicPr>
-            <a:picLocks noChangeAspect="1"/>
-          </p:cNvPicPr>
-          <p:nvPr/>
-        </p:nvPicPr>
-        <p:blipFill rotWithShape="1">
-          <a:blip r:embed="rId6"/>
-          <a:srcRect t="-1572" b="18373"/>
-          <a:stretch/>
-        </p:blipFill>
-        <p:spPr>
-          <a:xfrm>
-            <a:off x="6088307" y="1809877"/>
-            <a:ext cx="2997999" cy="936913"/>
-          </a:xfrm>
-          <a:prstGeom prst="rect">
-            <a:avLst/>
-          </a:prstGeom>
-        </p:spPr>
-      </p:pic>
-      <p:pic>
-        <p:nvPicPr>
-          <p:cNvPr id="5" name="Picture 4"/>
-          <p:cNvPicPr>
-            <a:picLocks noChangeAspect="1"/>
-          </p:cNvPicPr>
-          <p:nvPr/>
-        </p:nvPicPr>
-        <p:blipFill>
-          <a:blip r:embed="rId7"/>
-          <a:stretch>
-            <a:fillRect/>
-          </a:stretch>
-        </p:blipFill>
-        <p:spPr>
-          <a:xfrm>
-            <a:off x="6123639" y="2980874"/>
-            <a:ext cx="2621281" cy="911100"/>
-          </a:xfrm>
-          <a:prstGeom prst="rect">
-            <a:avLst/>
-          </a:prstGeom>
-        </p:spPr>
-      </p:pic>
-      <p:pic>
-        <p:nvPicPr>
-          <p:cNvPr id="8" name="Picture 7"/>
-          <p:cNvPicPr>
-            <a:picLocks noChangeAspect="1"/>
-          </p:cNvPicPr>
-          <p:nvPr/>
-        </p:nvPicPr>
-        <p:blipFill>
-          <a:blip r:embed="rId8"/>
-          <a:stretch>
-            <a:fillRect/>
-          </a:stretch>
-        </p:blipFill>
-        <p:spPr>
-          <a:xfrm>
-            <a:off x="5150756" y="4185428"/>
-            <a:ext cx="3892774" cy="994733"/>
-          </a:xfrm>
-          <a:prstGeom prst="rect">
-            <a:avLst/>
-          </a:prstGeom>
-        </p:spPr>
-      </p:pic>
+              </a:rPr>
+              <a:t>lista</a:t>
+            </a:r>
+          </a:p>
+        </p:txBody>
+      </p:sp>
     </p:spTree>
     <p:extLst>
       <p:ext uri="{BB962C8B-B14F-4D97-AF65-F5344CB8AC3E}">
-        <p14:creationId xmlns:p14="http://schemas.microsoft.com/office/powerpoint/2010/main" val="2346527609"/>
+        <p14:creationId xmlns:p14="http://schemas.microsoft.com/office/powerpoint/2010/main" val="4215634532"/>
       </p:ext>
     </p:extLst>
   </p:cSld>
@@ -32402,7 +32273,7 @@
               <a:rPr lang="fi-FI" sz="1600" dirty="0">
                 <a:latin typeface="Arial" charset="0"/>
               </a:rPr>
-              <a:t>4</a:t>
+              <a:t>1</a:t>
             </a:r>
             <a:endParaRPr lang="fi-FI" sz="1600" dirty="0"/>
           </a:p>
@@ -32416,7 +32287,7 @@
         </p:nvSpPr>
         <p:spPr>
           <a:xfrm>
-            <a:off x="-1906" y="2568608"/>
+            <a:off x="-1906" y="2996802"/>
             <a:ext cx="1074012" cy="338554"/>
           </a:xfrm>
           <a:prstGeom prst="rect">
@@ -32448,8 +32319,9 @@
               <a:rPr lang="fi-FI" sz="1600" dirty="0">
                 <a:latin typeface="Arial" charset="0"/>
               </a:rPr>
-              <a:t>5</a:t>
-            </a:r>
+              <a:t>2</a:t>
+            </a:r>
+            <a:endParaRPr lang="fi-FI" sz="1600" dirty="0"/>
           </a:p>
         </p:txBody>
       </p:sp>
@@ -32461,7 +32333,7 @@
         </p:nvSpPr>
         <p:spPr>
           <a:xfrm>
-            <a:off x="-1906" y="4065887"/>
+            <a:off x="-1906" y="4243987"/>
             <a:ext cx="1074012" cy="338554"/>
           </a:xfrm>
           <a:prstGeom prst="rect">
@@ -32493,7 +32365,7 @@
               <a:rPr lang="fi-FI" sz="1600" dirty="0">
                 <a:latin typeface="Arial" charset="0"/>
               </a:rPr>
-              <a:t>6</a:t>
+              <a:t>3</a:t>
             </a:r>
             <a:endParaRPr lang="fi-FI" sz="1600" dirty="0"/>
           </a:p>
@@ -32597,7 +32469,7 @@
                 </a:solidFill>
                 <a:latin typeface="Arial" charset="0"/>
               </a:rPr>
-              <a:t>(vinkki: list, length, +, -, *, /, apply, map, lambda,                       </a:t>
+              <a:t>(vinkki: list, length, *, /, map, make-list tai lambda,                       </a:t>
             </a:r>
           </a:p>
           <a:p>
@@ -32608,7 +32480,7 @@
                 </a:solidFill>
                 <a:latin typeface="Arial" charset="0"/>
               </a:rPr>
-              <a:t>                                                                             remove-all, range, check-expect)</a:t>
+              <a:t>                                                                             check-expect)</a:t>
             </a:r>
             <a:endParaRPr lang="fi-FI" sz="1600" i="1" dirty="0">
               <a:solidFill>
@@ -32687,6 +32559,785 @@
         </p:nvSpPr>
         <p:spPr>
           <a:xfrm>
+            <a:off x="1195533" y="1638794"/>
+            <a:ext cx="5680723" cy="1107996"/>
+          </a:xfrm>
+          <a:prstGeom prst="rect">
+            <a:avLst/>
+          </a:prstGeom>
+        </p:spPr>
+        <p:txBody>
+          <a:bodyPr wrap="square">
+            <a:spAutoFit/>
+          </a:bodyPr>
+          <a:lstStyle/>
+          <a:p>
+            <a:r>
+              <a:rPr lang="fi-FI" sz="2200" dirty="0">
+                <a:solidFill>
+                  <a:schemeClr val="tx1"/>
+                </a:solidFill>
+                <a:latin typeface="Arial" charset="0"/>
+              </a:rPr>
+              <a:t>Kirjoita funktio, joka muuttaa </a:t>
+            </a:r>
+          </a:p>
+          <a:p>
+            <a:r>
+              <a:rPr lang="fi-FI" sz="2200" dirty="0">
+                <a:solidFill>
+                  <a:schemeClr val="tx1"/>
+                </a:solidFill>
+                <a:latin typeface="Arial" charset="0"/>
+              </a:rPr>
+              <a:t>alennusprosentin tai korotusprosentin prosenttikertoimeksi. </a:t>
+            </a:r>
+          </a:p>
+        </p:txBody>
+      </p:sp>
+      <p:sp>
+        <p:nvSpPr>
+          <p:cNvPr id="25" name="Suorakulmio 34"/>
+          <p:cNvSpPr/>
+          <p:nvPr/>
+        </p:nvSpPr>
+        <p:spPr>
+          <a:xfrm>
+            <a:off x="1164549" y="2881075"/>
+            <a:ext cx="4853221" cy="1107996"/>
+          </a:xfrm>
+          <a:prstGeom prst="rect">
+            <a:avLst/>
+          </a:prstGeom>
+        </p:spPr>
+        <p:txBody>
+          <a:bodyPr wrap="square">
+            <a:spAutoFit/>
+          </a:bodyPr>
+          <a:lstStyle/>
+          <a:p>
+            <a:r>
+              <a:rPr lang="fi-FI" sz="2200" dirty="0">
+                <a:solidFill>
+                  <a:schemeClr val="tx1"/>
+                </a:solidFill>
+                <a:latin typeface="Arial" charset="0"/>
+              </a:rPr>
+              <a:t>Kirjoita funktio, joka laskee alennetun/korotetun hinnan. </a:t>
+            </a:r>
+          </a:p>
+          <a:p>
+            <a:r>
+              <a:rPr lang="fi-FI" sz="2200" dirty="0">
+                <a:solidFill>
+                  <a:schemeClr val="tx1"/>
+                </a:solidFill>
+                <a:latin typeface="Arial" charset="0"/>
+              </a:rPr>
+              <a:t>Käytä apuna tehtävän 1 funktiota.</a:t>
+            </a:r>
+          </a:p>
+        </p:txBody>
+      </p:sp>
+      <p:sp>
+        <p:nvSpPr>
+          <p:cNvPr id="9" name="Rectangle 8"/>
+          <p:cNvSpPr/>
+          <p:nvPr/>
+        </p:nvSpPr>
+        <p:spPr>
+          <a:xfrm>
+            <a:off x="2180686" y="5654106"/>
+            <a:ext cx="4887620" cy="646331"/>
+          </a:xfrm>
+          <a:prstGeom prst="rect">
+            <a:avLst/>
+          </a:prstGeom>
+        </p:spPr>
+        <p:txBody>
+          <a:bodyPr wrap="square">
+            <a:spAutoFit/>
+          </a:bodyPr>
+          <a:lstStyle/>
+          <a:p>
+            <a:r>
+              <a:rPr lang="fi-FI" i="1" dirty="0">
+                <a:solidFill>
+                  <a:schemeClr val="tx1"/>
+                </a:solidFill>
+                <a:latin typeface="Arial" charset="0"/>
+              </a:rPr>
+              <a:t>Vinkki! Kirjoita ensin check-expect lausekkeet niin ymmärrät miten funktion kuuluu toimia.</a:t>
+            </a:r>
+          </a:p>
+        </p:txBody>
+      </p:sp>
+      <p:sp>
+        <p:nvSpPr>
+          <p:cNvPr id="16" name="Suorakulmio 34"/>
+          <p:cNvSpPr/>
+          <p:nvPr/>
+        </p:nvSpPr>
+        <p:spPr>
+          <a:xfrm>
+            <a:off x="1164549" y="4111811"/>
+            <a:ext cx="4631587" cy="1446550"/>
+          </a:xfrm>
+          <a:prstGeom prst="rect">
+            <a:avLst/>
+          </a:prstGeom>
+        </p:spPr>
+        <p:txBody>
+          <a:bodyPr wrap="square">
+            <a:spAutoFit/>
+          </a:bodyPr>
+          <a:lstStyle/>
+          <a:p>
+            <a:r>
+              <a:rPr lang="fi-FI" sz="2200" dirty="0">
+                <a:solidFill>
+                  <a:schemeClr val="tx1"/>
+                </a:solidFill>
+                <a:latin typeface="Arial" charset="0"/>
+              </a:rPr>
+              <a:t>Kirjoita funktio, joka laskee </a:t>
+            </a:r>
+          </a:p>
+          <a:p>
+            <a:r>
+              <a:rPr lang="fi-FI" sz="2200" dirty="0">
+                <a:solidFill>
+                  <a:schemeClr val="tx1"/>
+                </a:solidFill>
+                <a:latin typeface="Arial" charset="0"/>
+              </a:rPr>
+              <a:t>uudet hinnat, kun alkuperäiset hinnat on annettu listana. </a:t>
+            </a:r>
+          </a:p>
+          <a:p>
+            <a:r>
+              <a:rPr lang="fi-FI" sz="2200" dirty="0">
+                <a:solidFill>
+                  <a:schemeClr val="tx1"/>
+                </a:solidFill>
+                <a:latin typeface="Arial" charset="0"/>
+              </a:rPr>
+              <a:t>Käytä apuna tehtävän 2 funktiota.</a:t>
+            </a:r>
+          </a:p>
+        </p:txBody>
+      </p:sp>
+      <p:pic>
+        <p:nvPicPr>
+          <p:cNvPr id="4" name="Picture 3"/>
+          <p:cNvPicPr>
+            <a:picLocks noChangeAspect="1"/>
+          </p:cNvPicPr>
+          <p:nvPr/>
+        </p:nvPicPr>
+        <p:blipFill rotWithShape="1">
+          <a:blip r:embed="rId6"/>
+          <a:srcRect t="-1572" b="18373"/>
+          <a:stretch/>
+        </p:blipFill>
+        <p:spPr>
+          <a:xfrm>
+            <a:off x="6088307" y="1809877"/>
+            <a:ext cx="2997999" cy="936913"/>
+          </a:xfrm>
+          <a:prstGeom prst="rect">
+            <a:avLst/>
+          </a:prstGeom>
+        </p:spPr>
+      </p:pic>
+      <p:pic>
+        <p:nvPicPr>
+          <p:cNvPr id="5" name="Picture 4"/>
+          <p:cNvPicPr>
+            <a:picLocks noChangeAspect="1"/>
+          </p:cNvPicPr>
+          <p:nvPr/>
+        </p:nvPicPr>
+        <p:blipFill>
+          <a:blip r:embed="rId7"/>
+          <a:stretch>
+            <a:fillRect/>
+          </a:stretch>
+        </p:blipFill>
+        <p:spPr>
+          <a:xfrm>
+            <a:off x="6123639" y="2980874"/>
+            <a:ext cx="2621281" cy="911100"/>
+          </a:xfrm>
+          <a:prstGeom prst="rect">
+            <a:avLst/>
+          </a:prstGeom>
+        </p:spPr>
+      </p:pic>
+      <p:pic>
+        <p:nvPicPr>
+          <p:cNvPr id="8" name="Picture 7"/>
+          <p:cNvPicPr>
+            <a:picLocks noChangeAspect="1"/>
+          </p:cNvPicPr>
+          <p:nvPr/>
+        </p:nvPicPr>
+        <p:blipFill>
+          <a:blip r:embed="rId8"/>
+          <a:stretch>
+            <a:fillRect/>
+          </a:stretch>
+        </p:blipFill>
+        <p:spPr>
+          <a:xfrm>
+            <a:off x="5150756" y="4185428"/>
+            <a:ext cx="3892774" cy="994733"/>
+          </a:xfrm>
+          <a:prstGeom prst="rect">
+            <a:avLst/>
+          </a:prstGeom>
+        </p:spPr>
+      </p:pic>
+    </p:spTree>
+    <p:extLst>
+      <p:ext uri="{BB962C8B-B14F-4D97-AF65-F5344CB8AC3E}">
+        <p14:creationId xmlns:p14="http://schemas.microsoft.com/office/powerpoint/2010/main" val="2346527609"/>
+      </p:ext>
+    </p:extLst>
+  </p:cSld>
+  <p:clrMapOvr>
+    <a:masterClrMapping/>
+  </p:clrMapOvr>
+</p:sld>
+</file>
+
+<file path=ppt/slides/slide37.xml><?xml version="1.0" encoding="utf-8"?>
+<p:sld xmlns:a="http://schemas.openxmlformats.org/drawingml/2006/main" xmlns:r="http://schemas.openxmlformats.org/officeDocument/2006/relationships" xmlns:p="http://schemas.openxmlformats.org/presentationml/2006/main">
+  <p:cSld>
+    <p:spTree>
+      <p:nvGrpSpPr>
+        <p:cNvPr id="1" name=""/>
+        <p:cNvGrpSpPr/>
+        <p:nvPr/>
+      </p:nvGrpSpPr>
+      <p:grpSpPr>
+        <a:xfrm>
+          <a:off x="0" y="0"/>
+          <a:ext cx="0" cy="0"/>
+          <a:chOff x="0" y="0"/>
+          <a:chExt cx="0" cy="0"/>
+        </a:xfrm>
+      </p:grpSpPr>
+      <p:pic>
+        <p:nvPicPr>
+          <p:cNvPr id="10" name="Picture 8" descr="https://avatars0.githubusercontent.com/u/232371?v=3&amp;s=400"/>
+          <p:cNvPicPr>
+            <a:picLocks noChangeAspect="1" noChangeArrowheads="1"/>
+          </p:cNvPicPr>
+          <p:nvPr/>
+        </p:nvPicPr>
+        <p:blipFill>
+          <a:blip r:embed="rId3" cstate="print">
+            <a:extLst>
+              <a:ext uri="{28A0092B-C50C-407E-A947-70E740481C1C}">
+                <a14:useLocalDpi xmlns:a14="http://schemas.microsoft.com/office/drawing/2010/main" val="0"/>
+              </a:ext>
+            </a:extLst>
+          </a:blip>
+          <a:srcRect/>
+          <a:stretch>
+            <a:fillRect/>
+          </a:stretch>
+        </p:blipFill>
+        <p:spPr bwMode="auto">
+          <a:xfrm>
+            <a:off x="235017" y="5306027"/>
+            <a:ext cx="1254667" cy="1254668"/>
+          </a:xfrm>
+          <a:prstGeom prst="rect">
+            <a:avLst/>
+          </a:prstGeom>
+          <a:noFill/>
+          <a:ln>
+            <a:noFill/>
+          </a:ln>
+          <a:extLst>
+            <a:ext uri="{909E8E84-426E-40DD-AFC4-6F175D3DCCD1}">
+              <a14:hiddenFill xmlns:a14="http://schemas.microsoft.com/office/drawing/2010/main">
+                <a:solidFill>
+                  <a:srgbClr val="FFFFFF"/>
+                </a:solidFill>
+              </a14:hiddenFill>
+            </a:ext>
+            <a:ext uri="{91240B29-F687-4F45-9708-019B960494DF}">
+              <a14:hiddenLine xmlns:a14="http://schemas.microsoft.com/office/drawing/2010/main" w="9525">
+                <a:solidFill>
+                  <a:srgbClr val="000000"/>
+                </a:solidFill>
+                <a:miter lim="800000"/>
+                <a:headEnd/>
+                <a:tailEnd/>
+              </a14:hiddenLine>
+            </a:ext>
+          </a:extLst>
+        </p:spPr>
+      </p:pic>
+      <p:sp>
+        <p:nvSpPr>
+          <p:cNvPr id="13" name="Suorakulmio 12"/>
+          <p:cNvSpPr/>
+          <p:nvPr/>
+        </p:nvSpPr>
+        <p:spPr bwMode="auto">
+          <a:xfrm>
+            <a:off x="5311958" y="240174"/>
+            <a:ext cx="3570371" cy="531170"/>
+          </a:xfrm>
+          <a:prstGeom prst="rect">
+            <a:avLst/>
+          </a:prstGeom>
+          <a:ln>
+            <a:headEnd type="none" w="med" len="med"/>
+            <a:tailEnd type="none" w="med" len="med"/>
+          </a:ln>
+          <a:scene3d>
+            <a:camera prst="orthographicFront"/>
+            <a:lightRig rig="threePt" dir="t"/>
+          </a:scene3d>
+          <a:sp3d>
+            <a:bevelT w="114300" prst="artDeco"/>
+          </a:sp3d>
+        </p:spPr>
+        <p:style>
+          <a:lnRef idx="2">
+            <a:schemeClr val="accent4"/>
+          </a:lnRef>
+          <a:fillRef idx="1">
+            <a:schemeClr val="lt1"/>
+          </a:fillRef>
+          <a:effectRef idx="0">
+            <a:schemeClr val="accent4"/>
+          </a:effectRef>
+          <a:fontRef idx="minor">
+            <a:schemeClr val="dk1"/>
+          </a:fontRef>
+        </p:style>
+        <p:txBody>
+          <a:bodyPr vert="horz" wrap="square" lIns="91440" tIns="45720" rIns="91440" bIns="45720" numCol="1" rtlCol="0" anchor="t" anchorCtr="0" compatLnSpc="1">
+            <a:prstTxWarp prst="textNoShape">
+              <a:avLst/>
+            </a:prstTxWarp>
+          </a:bodyPr>
+          <a:lstStyle/>
+          <a:p>
+            <a:pPr marL="0" marR="0" indent="0" algn="ctr" defTabSz="449263" rtl="0" eaLnBrk="1" fontAlgn="base" latinLnBrk="0" hangingPunct="1">
+              <a:lnSpc>
+                <a:spcPct val="100000"/>
+              </a:lnSpc>
+              <a:spcBef>
+                <a:spcPct val="0"/>
+              </a:spcBef>
+              <a:spcAft>
+                <a:spcPct val="0"/>
+              </a:spcAft>
+              <a:buClr>
+                <a:srgbClr val="000000"/>
+              </a:buClr>
+              <a:buSzPct val="100000"/>
+              <a:buFont typeface="Times New Roman" pitchFamily="16" charset="0"/>
+              <a:buNone/>
+              <a:tabLst/>
+            </a:pPr>
+            <a:r>
+              <a:rPr kumimoji="0" lang="fi-FI" sz="2400" b="0" i="0" u="none" strike="noStrike" cap="none" normalizeH="0" dirty="0">
+                <a:ln>
+                  <a:noFill/>
+                </a:ln>
+                <a:solidFill>
+                  <a:schemeClr val="tx2">
+                    <a:lumMod val="75000"/>
+                    <a:lumOff val="25000"/>
+                  </a:schemeClr>
+                </a:solidFill>
+                <a:effectLst/>
+                <a:latin typeface="Arial" charset="0"/>
+              </a:rPr>
+              <a:t>MÄÄRITTELYIKKUNA</a:t>
+            </a:r>
+            <a:endParaRPr kumimoji="0" lang="fi-FI" sz="1800" b="0" i="0" u="none" strike="noStrike" cap="none" normalizeH="0" dirty="0">
+              <a:ln>
+                <a:noFill/>
+              </a:ln>
+              <a:solidFill>
+                <a:schemeClr val="tx2">
+                  <a:lumMod val="75000"/>
+                  <a:lumOff val="25000"/>
+                </a:schemeClr>
+              </a:solidFill>
+              <a:effectLst/>
+              <a:latin typeface="Arial" charset="0"/>
+            </a:endParaRPr>
+          </a:p>
+          <a:p>
+            <a:pPr marL="0" marR="0" indent="0" algn="l" defTabSz="449263" rtl="0" eaLnBrk="1" fontAlgn="base" latinLnBrk="0" hangingPunct="1">
+              <a:lnSpc>
+                <a:spcPct val="100000"/>
+              </a:lnSpc>
+              <a:spcBef>
+                <a:spcPct val="0"/>
+              </a:spcBef>
+              <a:spcAft>
+                <a:spcPct val="0"/>
+              </a:spcAft>
+              <a:buClr>
+                <a:srgbClr val="000000"/>
+              </a:buClr>
+              <a:buSzPct val="100000"/>
+              <a:buFont typeface="Times New Roman" pitchFamily="16" charset="0"/>
+              <a:buNone/>
+              <a:tabLst/>
+            </a:pPr>
+            <a:endParaRPr kumimoji="0" lang="fi-FI" sz="1800" b="0" i="0" u="none" strike="noStrike" cap="none" normalizeH="0" dirty="0">
+              <a:ln>
+                <a:noFill/>
+              </a:ln>
+              <a:solidFill>
+                <a:schemeClr val="tx2">
+                  <a:lumMod val="75000"/>
+                  <a:lumOff val="25000"/>
+                </a:schemeClr>
+              </a:solidFill>
+              <a:effectLst/>
+              <a:latin typeface="Arial" charset="0"/>
+            </a:endParaRPr>
+          </a:p>
+        </p:txBody>
+      </p:sp>
+      <p:sp>
+        <p:nvSpPr>
+          <p:cNvPr id="43" name="Suorakulmio 42"/>
+          <p:cNvSpPr/>
+          <p:nvPr/>
+        </p:nvSpPr>
+        <p:spPr>
+          <a:xfrm>
+            <a:off x="9453" y="1731130"/>
+            <a:ext cx="1074012" cy="338554"/>
+          </a:xfrm>
+          <a:prstGeom prst="rect">
+            <a:avLst/>
+          </a:prstGeom>
+          <a:solidFill>
+            <a:schemeClr val="accent2">
+              <a:lumMod val="75000"/>
+            </a:schemeClr>
+          </a:solidFill>
+        </p:spPr>
+        <p:txBody>
+          <a:bodyPr wrap="none">
+            <a:spAutoFit/>
+          </a:bodyPr>
+          <a:lstStyle/>
+          <a:p>
+            <a:r>
+              <a:rPr kumimoji="0" lang="fi-FI" sz="1600" b="0" i="0" u="none" strike="noStrike" cap="none" normalizeH="0" dirty="0">
+                <a:ln>
+                  <a:noFill/>
+                </a:ln>
+                <a:effectLst/>
+                <a:latin typeface="Arial" charset="0"/>
+              </a:rPr>
+              <a:t>Tehtävä </a:t>
+            </a:r>
+            <a:r>
+              <a:rPr lang="fi-FI" sz="1600" dirty="0">
+                <a:latin typeface="Arial" charset="0"/>
+              </a:rPr>
+              <a:t>4</a:t>
+            </a:r>
+            <a:endParaRPr lang="fi-FI" sz="1600" dirty="0"/>
+          </a:p>
+        </p:txBody>
+      </p:sp>
+      <p:sp>
+        <p:nvSpPr>
+          <p:cNvPr id="44" name="Suorakulmio 43"/>
+          <p:cNvSpPr/>
+          <p:nvPr/>
+        </p:nvSpPr>
+        <p:spPr>
+          <a:xfrm>
+            <a:off x="-1906" y="2568608"/>
+            <a:ext cx="1074012" cy="338554"/>
+          </a:xfrm>
+          <a:prstGeom prst="rect">
+            <a:avLst/>
+          </a:prstGeom>
+          <a:solidFill>
+            <a:schemeClr val="accent2">
+              <a:lumMod val="75000"/>
+            </a:schemeClr>
+          </a:solidFill>
+        </p:spPr>
+        <p:txBody>
+          <a:bodyPr wrap="none">
+            <a:spAutoFit/>
+          </a:bodyPr>
+          <a:lstStyle/>
+          <a:p>
+            <a:r>
+              <a:rPr kumimoji="0" lang="fi-FI" sz="1600" b="0" i="0" u="none" strike="noStrike" cap="none" normalizeH="0" dirty="0">
+                <a:ln>
+                  <a:noFill/>
+                </a:ln>
+                <a:effectLst/>
+                <a:latin typeface="Arial" charset="0"/>
+              </a:rPr>
+              <a:t>Tehtävä </a:t>
+            </a:r>
+            <a:r>
+              <a:rPr lang="fi-FI" sz="1600" dirty="0">
+                <a:latin typeface="Arial" charset="0"/>
+              </a:rPr>
+              <a:t>5</a:t>
+            </a:r>
+          </a:p>
+        </p:txBody>
+      </p:sp>
+      <p:sp>
+        <p:nvSpPr>
+          <p:cNvPr id="45" name="Suorakulmio 44"/>
+          <p:cNvSpPr/>
+          <p:nvPr/>
+        </p:nvSpPr>
+        <p:spPr>
+          <a:xfrm>
+            <a:off x="-1906" y="4065887"/>
+            <a:ext cx="1074012" cy="338554"/>
+          </a:xfrm>
+          <a:prstGeom prst="rect">
+            <a:avLst/>
+          </a:prstGeom>
+          <a:solidFill>
+            <a:schemeClr val="accent2">
+              <a:lumMod val="75000"/>
+            </a:schemeClr>
+          </a:solidFill>
+        </p:spPr>
+        <p:txBody>
+          <a:bodyPr wrap="none">
+            <a:spAutoFit/>
+          </a:bodyPr>
+          <a:lstStyle/>
+          <a:p>
+            <a:r>
+              <a:rPr kumimoji="0" lang="fi-FI" sz="1600" b="0" i="0" u="none" strike="noStrike" cap="none" normalizeH="0" dirty="0">
+                <a:ln>
+                  <a:noFill/>
+                </a:ln>
+                <a:effectLst/>
+                <a:latin typeface="Arial" charset="0"/>
+              </a:rPr>
+              <a:t>Tehtävä </a:t>
+            </a:r>
+            <a:r>
+              <a:rPr lang="fi-FI" sz="1600" dirty="0">
+                <a:latin typeface="Arial" charset="0"/>
+              </a:rPr>
+              <a:t>6</a:t>
+            </a:r>
+            <a:endParaRPr lang="fi-FI" sz="1600" dirty="0"/>
+          </a:p>
+        </p:txBody>
+      </p:sp>
+      <p:pic>
+        <p:nvPicPr>
+          <p:cNvPr id="42" name="Kuva 41"/>
+          <p:cNvPicPr>
+            <a:picLocks noChangeAspect="1"/>
+          </p:cNvPicPr>
+          <p:nvPr/>
+        </p:nvPicPr>
+        <p:blipFill>
+          <a:blip r:embed="rId4">
+            <a:extLst>
+              <a:ext uri="{28A0092B-C50C-407E-A947-70E740481C1C}">
+                <a14:useLocalDpi xmlns:a14="http://schemas.microsoft.com/office/drawing/2010/main" val="0"/>
+              </a:ext>
+            </a:extLst>
+          </a:blip>
+          <a:stretch>
+            <a:fillRect/>
+          </a:stretch>
+        </p:blipFill>
+        <p:spPr>
+          <a:xfrm>
+            <a:off x="8068724" y="1165451"/>
+            <a:ext cx="1075276" cy="516133"/>
+          </a:xfrm>
+          <a:prstGeom prst="rect">
+            <a:avLst/>
+          </a:prstGeom>
+        </p:spPr>
+      </p:pic>
+      <p:sp>
+        <p:nvSpPr>
+          <p:cNvPr id="3" name="Alatunnisteen paikkamerkki 2"/>
+          <p:cNvSpPr>
+            <a:spLocks noGrp="1"/>
+          </p:cNvSpPr>
+          <p:nvPr>
+            <p:ph type="ftr" sz="quarter" idx="11"/>
+          </p:nvPr>
+        </p:nvSpPr>
+        <p:spPr>
+          <a:xfrm>
+            <a:off x="755576" y="6308361"/>
+            <a:ext cx="4870585" cy="365125"/>
+          </a:xfrm>
+        </p:spPr>
+        <p:txBody>
+          <a:bodyPr/>
+          <a:lstStyle/>
+          <a:p>
+            <a:pPr algn="r">
+              <a:defRPr/>
+            </a:pPr>
+            <a:r>
+              <a:rPr lang="fi-FI" dirty="0"/>
+              <a:t>MAOL Ohjelmointia matematiikkaan</a:t>
+            </a:r>
+            <a:endParaRPr lang="ru-RU" dirty="0"/>
+          </a:p>
+        </p:txBody>
+      </p:sp>
+      <p:sp>
+        <p:nvSpPr>
+          <p:cNvPr id="35" name="Suorakulmio 34"/>
+          <p:cNvSpPr/>
+          <p:nvPr/>
+        </p:nvSpPr>
+        <p:spPr>
+          <a:xfrm>
+            <a:off x="428520" y="765364"/>
+            <a:ext cx="8391952" cy="677108"/>
+          </a:xfrm>
+          <a:prstGeom prst="rect">
+            <a:avLst/>
+          </a:prstGeom>
+        </p:spPr>
+        <p:txBody>
+          <a:bodyPr wrap="square">
+            <a:spAutoFit/>
+          </a:bodyPr>
+          <a:lstStyle/>
+          <a:p>
+            <a:r>
+              <a:rPr lang="fi-FI" sz="2200" dirty="0">
+                <a:solidFill>
+                  <a:schemeClr val="tx1"/>
+                </a:solidFill>
+                <a:latin typeface="Arial" charset="0"/>
+              </a:rPr>
+              <a:t>Koodaa seuraavat funktiot:     </a:t>
+            </a:r>
+            <a:r>
+              <a:rPr lang="fi-FI" sz="1600" i="1" dirty="0">
+                <a:solidFill>
+                  <a:schemeClr val="tx1"/>
+                </a:solidFill>
+                <a:latin typeface="Arial" charset="0"/>
+              </a:rPr>
+              <a:t>(vinkki: list, length, +, -, *, /, apply, map, lambda,                       </a:t>
+            </a:r>
+          </a:p>
+          <a:p>
+            <a:r>
+              <a:rPr lang="fi-FI" sz="1600" i="1" dirty="0">
+                <a:solidFill>
+                  <a:schemeClr val="tx1"/>
+                </a:solidFill>
+                <a:latin typeface="Arial" charset="0"/>
+              </a:rPr>
+              <a:t>                                                                             remove-all, range, check-expect)</a:t>
+            </a:r>
+            <a:endParaRPr lang="fi-FI" sz="1600" i="1" dirty="0">
+              <a:solidFill>
+                <a:schemeClr val="tx1"/>
+              </a:solidFill>
+            </a:endParaRPr>
+          </a:p>
+        </p:txBody>
+      </p:sp>
+      <p:pic>
+        <p:nvPicPr>
+          <p:cNvPr id="61" name="Picture 2" descr="WeScheme Logo"/>
+          <p:cNvPicPr>
+            <a:picLocks noChangeAspect="1" noChangeArrowheads="1"/>
+          </p:cNvPicPr>
+          <p:nvPr/>
+        </p:nvPicPr>
+        <p:blipFill>
+          <a:blip r:embed="rId5" cstate="print">
+            <a:extLst>
+              <a:ext uri="{28A0092B-C50C-407E-A947-70E740481C1C}">
+                <a14:useLocalDpi xmlns:a14="http://schemas.microsoft.com/office/drawing/2010/main" val="0"/>
+              </a:ext>
+            </a:extLst>
+          </a:blip>
+          <a:srcRect/>
+          <a:stretch>
+            <a:fillRect/>
+          </a:stretch>
+        </p:blipFill>
+        <p:spPr bwMode="auto">
+          <a:xfrm>
+            <a:off x="7386527" y="5180161"/>
+            <a:ext cx="1495802" cy="1383832"/>
+          </a:xfrm>
+          <a:prstGeom prst="rect">
+            <a:avLst/>
+          </a:prstGeom>
+          <a:noFill/>
+          <a:ln>
+            <a:noFill/>
+          </a:ln>
+          <a:effectLst>
+            <a:outerShdw blurRad="50800" dist="38100" dir="5400000" algn="t" rotWithShape="0">
+              <a:prstClr val="black">
+                <a:alpha val="40000"/>
+              </a:prstClr>
+            </a:outerShdw>
+          </a:effectLst>
+          <a:extLst>
+            <a:ext uri="{909E8E84-426E-40DD-AFC4-6F175D3DCCD1}">
+              <a14:hiddenFill xmlns:a14="http://schemas.microsoft.com/office/drawing/2010/main">
+                <a:solidFill>
+                  <a:srgbClr val="FFFFFF"/>
+                </a:solidFill>
+              </a14:hiddenFill>
+            </a:ext>
+            <a:ext uri="{91240B29-F687-4F45-9708-019B960494DF}">
+              <a14:hiddenLine xmlns:a14="http://schemas.microsoft.com/office/drawing/2010/main" w="9525">
+                <a:solidFill>
+                  <a:srgbClr val="000000"/>
+                </a:solidFill>
+                <a:miter lim="800000"/>
+                <a:headEnd/>
+                <a:tailEnd/>
+              </a14:hiddenLine>
+            </a:ext>
+          </a:extLst>
+        </p:spPr>
+      </p:pic>
+      <p:sp>
+        <p:nvSpPr>
+          <p:cNvPr id="24" name="Suorakulmio 34"/>
+          <p:cNvSpPr/>
+          <p:nvPr/>
+        </p:nvSpPr>
+        <p:spPr>
+          <a:xfrm>
             <a:off x="1195534" y="1638794"/>
             <a:ext cx="4892774" cy="769441"/>
           </a:xfrm>
@@ -32929,7 +33580,7 @@
 </p:sld>
 </file>
 
-<file path=ppt/slides/slide37.xml><?xml version="1.0" encoding="utf-8"?>
+<file path=ppt/slides/slide38.xml><?xml version="1.0" encoding="utf-8"?>
 <p:sld xmlns:a="http://schemas.openxmlformats.org/drawingml/2006/main" xmlns:r="http://schemas.openxmlformats.org/officeDocument/2006/relationships" xmlns:p="http://schemas.openxmlformats.org/presentationml/2006/main">
   <p:cSld>
     <p:spTree>
@@ -38058,7 +38709,7 @@
 <file path=ppt/tags/tag1.xml><?xml version="1.0" encoding="utf-8"?>
 <p:tagLst xmlns:a="http://schemas.openxmlformats.org/drawingml/2006/main" xmlns:r="http://schemas.openxmlformats.org/officeDocument/2006/relationships" xmlns:p="http://schemas.openxmlformats.org/presentationml/2006/main">
   <p:tag name="MMPROD_NEXTUNIQUEID" val="10009"/>
-  <p:tag name="MMPROD_UIDATA" val="&lt;database version=&quot;10.0&quot;&gt;&lt;object type=&quot;1&quot; unique_id=&quot;10001&quot;&gt;&lt;object type=&quot;2&quot; unique_id=&quot;10002&quot;&gt;&lt;object type=&quot;3&quot; unique_id=&quot;10225&quot;&gt;&lt;property id=&quot;20148&quot; value=&quot;5&quot;/&gt;&lt;property id=&quot;20300&quot; value=&quot;Slide 1&quot;/&gt;&lt;property id=&quot;20307&quot; value=&quot;388&quot;/&gt;&lt;/object&gt;&lt;object type=&quot;3&quot; unique_id=&quot;10643&quot;&gt;&lt;property id=&quot;20148&quot; value=&quot;5&quot;/&gt;&lt;property id=&quot;20300&quot; value=&quot;Slide 2&quot;/&gt;&lt;property id=&quot;20307&quot; value=&quot;393&quot;/&gt;&lt;/object&gt;&lt;object type=&quot;3&quot; unique_id=&quot;10644&quot;&gt;&lt;property id=&quot;20148&quot; value=&quot;5&quot;/&gt;&lt;property id=&quot;20300&quot; value=&quot;Slide 3&quot;/&gt;&lt;property id=&quot;20307&quot; value=&quot;392&quot;/&gt;&lt;/object&gt;&lt;object type=&quot;3&quot; unique_id=&quot;10827&quot;&gt;&lt;property id=&quot;20148&quot; value=&quot;5&quot;/&gt;&lt;property id=&quot;20300&quot; value=&quot;Slide 4&quot;/&gt;&lt;property id=&quot;20307&quot; value=&quot;394&quot;/&gt;&lt;/object&gt;&lt;object type=&quot;3&quot; unique_id=&quot;10903&quot;&gt;&lt;property id=&quot;20148&quot; value=&quot;5&quot;/&gt;&lt;property id=&quot;20300&quot; value=&quot;Slide 5&quot;/&gt;&lt;property id=&quot;20307&quot; value=&quot;395&quot;/&gt;&lt;/object&gt;&lt;object type=&quot;3&quot; unique_id=&quot;11292&quot;&gt;&lt;property id=&quot;20148&quot; value=&quot;5&quot;/&gt;&lt;property id=&quot;20300&quot; value=&quot;Slide 8&quot;/&gt;&lt;property id=&quot;20307&quot; value=&quot;396&quot;/&gt;&lt;/object&gt;&lt;object type=&quot;3&quot; unique_id=&quot;11413&quot;&gt;&lt;property id=&quot;20148&quot; value=&quot;5&quot;/&gt;&lt;property id=&quot;20300&quot; value=&quot;Slide 7&quot;/&gt;&lt;property id=&quot;20307&quot; value=&quot;397&quot;/&gt;&lt;/object&gt;&lt;object type=&quot;3&quot; unique_id=&quot;11646&quot;&gt;&lt;property id=&quot;20148&quot; value=&quot;5&quot;/&gt;&lt;property id=&quot;20300&quot; value=&quot;Slide 11&quot;/&gt;&lt;property id=&quot;20307&quot; value=&quot;399&quot;/&gt;&lt;/object&gt;&lt;object type=&quot;3&quot; unique_id=&quot;11647&quot;&gt;&lt;property id=&quot;20148&quot; value=&quot;5&quot;/&gt;&lt;property id=&quot;20300&quot; value=&quot;Slide 12&quot;/&gt;&lt;property id=&quot;20307&quot; value=&quot;398&quot;/&gt;&lt;/object&gt;&lt;object type=&quot;3&quot; unique_id=&quot;11791&quot;&gt;&lt;property id=&quot;20148&quot; value=&quot;5&quot;/&gt;&lt;property id=&quot;20300&quot; value=&quot;Slide 13&quot;/&gt;&lt;property id=&quot;20307&quot; value=&quot;400&quot;/&gt;&lt;/object&gt;&lt;object type=&quot;3&quot; unique_id=&quot;11876&quot;&gt;&lt;property id=&quot;20148&quot; value=&quot;5&quot;/&gt;&lt;property id=&quot;20300&quot; value=&quot;Slide 16&quot;/&gt;&lt;property id=&quot;20307&quot; value=&quot;401&quot;/&gt;&lt;/object&gt;&lt;object type=&quot;3&quot; unique_id=&quot;12214&quot;&gt;&lt;property id=&quot;20148&quot; value=&quot;5&quot;/&gt;&lt;property id=&quot;20300&quot; value=&quot;Slide 14&quot;/&gt;&lt;property id=&quot;20307&quot; value=&quot;403&quot;/&gt;&lt;/object&gt;&lt;object type=&quot;3&quot; unique_id=&quot;12283&quot;&gt;&lt;property id=&quot;20148&quot; value=&quot;5&quot;/&gt;&lt;property id=&quot;20300&quot; value=&quot;Slide 15&quot;/&gt;&lt;property id=&quot;20307&quot; value=&quot;405&quot;/&gt;&lt;/object&gt;&lt;object type=&quot;3&quot; unique_id=&quot;14090&quot;&gt;&lt;property id=&quot;20148&quot; value=&quot;5&quot;/&gt;&lt;property id=&quot;20300&quot; value=&quot;Slide 6&quot;/&gt;&lt;property id=&quot;20307&quot; value=&quot;415&quot;/&gt;&lt;/object&gt;&lt;object type=&quot;3&quot; unique_id=&quot;14451&quot;&gt;&lt;property id=&quot;20148&quot; value=&quot;5&quot;/&gt;&lt;property id=&quot;20300&quot; value=&quot;Slide 9&quot;/&gt;&lt;property id=&quot;20307&quot; value=&quot;416&quot;/&gt;&lt;/object&gt;&lt;object type=&quot;3&quot; unique_id=&quot;14927&quot;&gt;&lt;property id=&quot;20148&quot; value=&quot;5&quot;/&gt;&lt;property id=&quot;20300&quot; value=&quot;Slide 32&quot;/&gt;&lt;property id=&quot;20307&quot; value=&quot;417&quot;/&gt;&lt;/object&gt;&lt;object type=&quot;3&quot; unique_id=&quot;15006&quot;&gt;&lt;property id=&quot;20148&quot; value=&quot;5&quot;/&gt;&lt;property id=&quot;20300&quot; value=&quot;Slide 17&quot;/&gt;&lt;property id=&quot;20307&quot; value=&quot;418&quot;/&gt;&lt;/object&gt;&lt;object type=&quot;3&quot; unique_id=&quot;15194&quot;&gt;&lt;property id=&quot;20148&quot; value=&quot;5&quot;/&gt;&lt;property id=&quot;20300&quot; value=&quot;Slide 18&quot;/&gt;&lt;property id=&quot;20307&quot; value=&quot;419&quot;/&gt;&lt;/object&gt;&lt;object type=&quot;3&quot; unique_id=&quot;15531&quot;&gt;&lt;property id=&quot;20148&quot; value=&quot;5&quot;/&gt;&lt;property id=&quot;20300&quot; value=&quot;Slide 21&quot;/&gt;&lt;property id=&quot;20307&quot; value=&quot;421&quot;/&gt;&lt;/object&gt;&lt;object type=&quot;3&quot; unique_id=&quot;15532&quot;&gt;&lt;property id=&quot;20148&quot; value=&quot;5&quot;/&gt;&lt;property id=&quot;20300&quot; value=&quot;Slide 23&quot;/&gt;&lt;property id=&quot;20307&quot; value=&quot;420&quot;/&gt;&lt;/object&gt;&lt;object type=&quot;3&quot; unique_id=&quot;15694&quot;&gt;&lt;property id=&quot;20148&quot; value=&quot;5&quot;/&gt;&lt;property id=&quot;20300&quot; value=&quot;Slide 24&quot;/&gt;&lt;property id=&quot;20307&quot; value=&quot;422&quot;/&gt;&lt;/object&gt;&lt;object type=&quot;3&quot; unique_id=&quot;15788&quot;&gt;&lt;property id=&quot;20148&quot; value=&quot;5&quot;/&gt;&lt;property id=&quot;20300&quot; value=&quot;Slide 22&quot;/&gt;&lt;property id=&quot;20307&quot; value=&quot;423&quot;/&gt;&lt;/object&gt;&lt;object type=&quot;3&quot; unique_id=&quot;16465&quot;&gt;&lt;property id=&quot;20148&quot; value=&quot;5&quot;/&gt;&lt;property id=&quot;20300&quot; value=&quot;Slide 10&quot;/&gt;&lt;property id=&quot;20307&quot; value=&quot;424&quot;/&gt;&lt;/object&gt;&lt;object type=&quot;3&quot; unique_id=&quot;16467&quot;&gt;&lt;property id=&quot;20148&quot; value=&quot;5&quot;/&gt;&lt;property id=&quot;20300&quot; value=&quot;Slide 27&quot;/&gt;&lt;property id=&quot;20307&quot; value=&quot;436&quot;/&gt;&lt;/object&gt;&lt;object type=&quot;3&quot; unique_id=&quot;16468&quot;&gt;&lt;property id=&quot;20148&quot; value=&quot;5&quot;/&gt;&lt;property id=&quot;20300&quot; value=&quot;Slide 28&quot;/&gt;&lt;property id=&quot;20307&quot; value=&quot;437&quot;/&gt;&lt;/object&gt;&lt;object type=&quot;3&quot; unique_id=&quot;16469&quot;&gt;&lt;property id=&quot;20148&quot; value=&quot;5&quot;/&gt;&lt;property id=&quot;20300&quot; value=&quot;Slide 25&quot;/&gt;&lt;property id=&quot;20307&quot; value=&quot;438&quot;/&gt;&lt;/object&gt;&lt;object type=&quot;3&quot; unique_id=&quot;16470&quot;&gt;&lt;property id=&quot;20148&quot; value=&quot;5&quot;/&gt;&lt;property id=&quot;20300&quot; value=&quot;Slide 31 - &amp;quot;POISTETTUJA&amp;quot;&quot;/&gt;&lt;property id=&quot;20307&quot; value=&quot;435&quot;/&gt;&lt;/object&gt;&lt;object type=&quot;3&quot; unique_id=&quot;16471&quot;&gt;&lt;property id=&quot;20148&quot; value=&quot;5&quot;/&gt;&lt;property id=&quot;20300&quot; value=&quot;Slide 33&quot;/&gt;&lt;property id=&quot;20307&quot; value=&quot;425&quot;/&gt;&lt;/object&gt;&lt;object type=&quot;3&quot; unique_id=&quot;16472&quot;&gt;&lt;property id=&quot;20148&quot; value=&quot;5&quot;/&gt;&lt;property id=&quot;20300&quot; value=&quot;Slide 34&quot;/&gt;&lt;property id=&quot;20307&quot; value=&quot;426&quot;/&gt;&lt;/object&gt;&lt;object type=&quot;3&quot; unique_id=&quot;16473&quot;&gt;&lt;property id=&quot;20148&quot; value=&quot;5&quot;/&gt;&lt;property id=&quot;20300&quot; value=&quot;Slide 35&quot;/&gt;&lt;property id=&quot;20307&quot; value=&quot;427&quot;/&gt;&lt;/object&gt;&lt;object type=&quot;3&quot; unique_id=&quot;16474&quot;&gt;&lt;property id=&quot;20148&quot; value=&quot;5&quot;/&gt;&lt;property id=&quot;20300&quot; value=&quot;Slide 36&quot;/&gt;&lt;property id=&quot;20307&quot; value=&quot;428&quot;/&gt;&lt;/object&gt;&lt;object type=&quot;3&quot; unique_id=&quot;16476&quot;&gt;&lt;property id=&quot;20148&quot; value=&quot;5&quot;/&gt;&lt;property id=&quot;20300&quot; value=&quot;Slide 37&quot;/&gt;&lt;property id=&quot;20307&quot; value=&quot;433&quot;/&gt;&lt;/object&gt;&lt;object type=&quot;3&quot; unique_id=&quot;16793&quot;&gt;&lt;property id=&quot;20148&quot; value=&quot;5&quot;/&gt;&lt;property id=&quot;20300&quot; value=&quot;Slide 19&quot;/&gt;&lt;property id=&quot;20307&quot; value=&quot;439&quot;/&gt;&lt;/object&gt;&lt;object type=&quot;3&quot; unique_id=&quot;16974&quot;&gt;&lt;property id=&quot;20148&quot; value=&quot;5&quot;/&gt;&lt;property id=&quot;20300&quot; value=&quot;Slide 20&quot;/&gt;&lt;property id=&quot;20307&quot; value=&quot;440&quot;/&gt;&lt;/object&gt;&lt;object type=&quot;3&quot; unique_id=&quot;18100&quot;&gt;&lt;property id=&quot;20148&quot; value=&quot;5&quot;/&gt;&lt;property id=&quot;20300&quot; value=&quot;Slide 26&quot;/&gt;&lt;property id=&quot;20307&quot; value=&quot;441&quot;/&gt;&lt;/object&gt;&lt;object type=&quot;3&quot; unique_id=&quot;18329&quot;&gt;&lt;property id=&quot;20148&quot; value=&quot;5&quot;/&gt;&lt;property id=&quot;20300&quot; value=&quot;Slide 29&quot;/&gt;&lt;property id=&quot;20307&quot; value=&quot;443&quot;/&gt;&lt;/object&gt;&lt;object type=&quot;3&quot; unique_id=&quot;18330&quot;&gt;&lt;property id=&quot;20148&quot; value=&quot;5&quot;/&gt;&lt;property id=&quot;20300&quot; value=&quot;Slide 30&quot;/&gt;&lt;property id=&quot;20307&quot; value=&quot;442&quot;/&gt;&lt;/object&gt;&lt;/object&gt;&lt;object type=&quot;8&quot; unique_id=&quot;10028&quot;&gt;&lt;/object&gt;&lt;/object&gt;&lt;/database&gt;"/>
+  <p:tag name="MMPROD_UIDATA" val="&lt;database version=&quot;10.0&quot;&gt;&lt;object type=&quot;1&quot; unique_id=&quot;10001&quot;&gt;&lt;object type=&quot;2&quot; unique_id=&quot;10002&quot;&gt;&lt;object type=&quot;3&quot; unique_id=&quot;10225&quot;&gt;&lt;property id=&quot;20148&quot; value=&quot;5&quot;/&gt;&lt;property id=&quot;20300&quot; value=&quot;Slide 1&quot;/&gt;&lt;property id=&quot;20307&quot; value=&quot;388&quot;/&gt;&lt;/object&gt;&lt;object type=&quot;3&quot; unique_id=&quot;10643&quot;&gt;&lt;property id=&quot;20148&quot; value=&quot;5&quot;/&gt;&lt;property id=&quot;20300&quot; value=&quot;Slide 2&quot;/&gt;&lt;property id=&quot;20307&quot; value=&quot;393&quot;/&gt;&lt;/object&gt;&lt;object type=&quot;3&quot; unique_id=&quot;10644&quot;&gt;&lt;property id=&quot;20148&quot; value=&quot;5&quot;/&gt;&lt;property id=&quot;20300&quot; value=&quot;Slide 3&quot;/&gt;&lt;property id=&quot;20307&quot; value=&quot;392&quot;/&gt;&lt;/object&gt;&lt;object type=&quot;3&quot; unique_id=&quot;10827&quot;&gt;&lt;property id=&quot;20148&quot; value=&quot;5&quot;/&gt;&lt;property id=&quot;20300&quot; value=&quot;Slide 4&quot;/&gt;&lt;property id=&quot;20307&quot; value=&quot;394&quot;/&gt;&lt;/object&gt;&lt;object type=&quot;3&quot; unique_id=&quot;10903&quot;&gt;&lt;property id=&quot;20148&quot; value=&quot;5&quot;/&gt;&lt;property id=&quot;20300&quot; value=&quot;Slide 5&quot;/&gt;&lt;property id=&quot;20307&quot; value=&quot;395&quot;/&gt;&lt;/object&gt;&lt;object type=&quot;3&quot; unique_id=&quot;11292&quot;&gt;&lt;property id=&quot;20148&quot; value=&quot;5&quot;/&gt;&lt;property id=&quot;20300&quot; value=&quot;Slide 8&quot;/&gt;&lt;property id=&quot;20307&quot; value=&quot;396&quot;/&gt;&lt;/object&gt;&lt;object type=&quot;3&quot; unique_id=&quot;11413&quot;&gt;&lt;property id=&quot;20148&quot; value=&quot;5&quot;/&gt;&lt;property id=&quot;20300&quot; value=&quot;Slide 7&quot;/&gt;&lt;property id=&quot;20307&quot; value=&quot;397&quot;/&gt;&lt;/object&gt;&lt;object type=&quot;3&quot; unique_id=&quot;11646&quot;&gt;&lt;property id=&quot;20148&quot; value=&quot;5&quot;/&gt;&lt;property id=&quot;20300&quot; value=&quot;Slide 11&quot;/&gt;&lt;property id=&quot;20307&quot; value=&quot;399&quot;/&gt;&lt;/object&gt;&lt;object type=&quot;3&quot; unique_id=&quot;11647&quot;&gt;&lt;property id=&quot;20148&quot; value=&quot;5&quot;/&gt;&lt;property id=&quot;20300&quot; value=&quot;Slide 12&quot;/&gt;&lt;property id=&quot;20307&quot; value=&quot;398&quot;/&gt;&lt;/object&gt;&lt;object type=&quot;3&quot; unique_id=&quot;11791&quot;&gt;&lt;property id=&quot;20148&quot; value=&quot;5&quot;/&gt;&lt;property id=&quot;20300&quot; value=&quot;Slide 13&quot;/&gt;&lt;property id=&quot;20307&quot; value=&quot;400&quot;/&gt;&lt;/object&gt;&lt;object type=&quot;3&quot; unique_id=&quot;11876&quot;&gt;&lt;property id=&quot;20148&quot; value=&quot;5&quot;/&gt;&lt;property id=&quot;20300&quot; value=&quot;Slide 16&quot;/&gt;&lt;property id=&quot;20307&quot; value=&quot;401&quot;/&gt;&lt;/object&gt;&lt;object type=&quot;3&quot; unique_id=&quot;12214&quot;&gt;&lt;property id=&quot;20148&quot; value=&quot;5&quot;/&gt;&lt;property id=&quot;20300&quot; value=&quot;Slide 14&quot;/&gt;&lt;property id=&quot;20307&quot; value=&quot;403&quot;/&gt;&lt;/object&gt;&lt;object type=&quot;3&quot; unique_id=&quot;12283&quot;&gt;&lt;property id=&quot;20148&quot; value=&quot;5&quot;/&gt;&lt;property id=&quot;20300&quot; value=&quot;Slide 15&quot;/&gt;&lt;property id=&quot;20307&quot; value=&quot;405&quot;/&gt;&lt;/object&gt;&lt;object type=&quot;3&quot; unique_id=&quot;14090&quot;&gt;&lt;property id=&quot;20148&quot; value=&quot;5&quot;/&gt;&lt;property id=&quot;20300&quot; value=&quot;Slide 6&quot;/&gt;&lt;property id=&quot;20307&quot; value=&quot;415&quot;/&gt;&lt;/object&gt;&lt;object type=&quot;3&quot; unique_id=&quot;14451&quot;&gt;&lt;property id=&quot;20148&quot; value=&quot;5&quot;/&gt;&lt;property id=&quot;20300&quot; value=&quot;Slide 9&quot;/&gt;&lt;property id=&quot;20307&quot; value=&quot;416&quot;/&gt;&lt;/object&gt;&lt;object type=&quot;3&quot; unique_id=&quot;14927&quot;&gt;&lt;property id=&quot;20148&quot; value=&quot;5&quot;/&gt;&lt;property id=&quot;20300&quot; value=&quot;Slide 33&quot;/&gt;&lt;property id=&quot;20307&quot; value=&quot;417&quot;/&gt;&lt;/object&gt;&lt;object type=&quot;3&quot; unique_id=&quot;15006&quot;&gt;&lt;property id=&quot;20148&quot; value=&quot;5&quot;/&gt;&lt;property id=&quot;20300&quot; value=&quot;Slide 17&quot;/&gt;&lt;property id=&quot;20307&quot; value=&quot;418&quot;/&gt;&lt;/object&gt;&lt;object type=&quot;3&quot; unique_id=&quot;15194&quot;&gt;&lt;property id=&quot;20148&quot; value=&quot;5&quot;/&gt;&lt;property id=&quot;20300&quot; value=&quot;Slide 18&quot;/&gt;&lt;property id=&quot;20307&quot; value=&quot;419&quot;/&gt;&lt;/object&gt;&lt;object type=&quot;3&quot; unique_id=&quot;15531&quot;&gt;&lt;property id=&quot;20148&quot; value=&quot;5&quot;/&gt;&lt;property id=&quot;20300&quot; value=&quot;Slide 21&quot;/&gt;&lt;property id=&quot;20307&quot; value=&quot;421&quot;/&gt;&lt;/object&gt;&lt;object type=&quot;3&quot; unique_id=&quot;15532&quot;&gt;&lt;property id=&quot;20148&quot; value=&quot;5&quot;/&gt;&lt;property id=&quot;20300&quot; value=&quot;Slide 23&quot;/&gt;&lt;property id=&quot;20307&quot; value=&quot;420&quot;/&gt;&lt;/object&gt;&lt;object type=&quot;3&quot; unique_id=&quot;15694&quot;&gt;&lt;property id=&quot;20148&quot; value=&quot;5&quot;/&gt;&lt;property id=&quot;20300&quot; value=&quot;Slide 24&quot;/&gt;&lt;property id=&quot;20307&quot; value=&quot;422&quot;/&gt;&lt;/object&gt;&lt;object type=&quot;3&quot; unique_id=&quot;15788&quot;&gt;&lt;property id=&quot;20148&quot; value=&quot;5&quot;/&gt;&lt;property id=&quot;20300&quot; value=&quot;Slide 22&quot;/&gt;&lt;property id=&quot;20307&quot; value=&quot;423&quot;/&gt;&lt;/object&gt;&lt;object type=&quot;3&quot; unique_id=&quot;16465&quot;&gt;&lt;property id=&quot;20148&quot; value=&quot;5&quot;/&gt;&lt;property id=&quot;20300&quot; value=&quot;Slide 10&quot;/&gt;&lt;property id=&quot;20307&quot; value=&quot;424&quot;/&gt;&lt;/object&gt;&lt;object type=&quot;3&quot; unique_id=&quot;16467&quot;&gt;&lt;property id=&quot;20148&quot; value=&quot;5&quot;/&gt;&lt;property id=&quot;20300&quot; value=&quot;Slide 27&quot;/&gt;&lt;property id=&quot;20307&quot; value=&quot;436&quot;/&gt;&lt;/object&gt;&lt;object type=&quot;3&quot; unique_id=&quot;16468&quot;&gt;&lt;property id=&quot;20148&quot; value=&quot;5&quot;/&gt;&lt;property id=&quot;20300&quot; value=&quot;Slide 28&quot;/&gt;&lt;property id=&quot;20307&quot; value=&quot;437&quot;/&gt;&lt;/object&gt;&lt;object type=&quot;3&quot; unique_id=&quot;16469&quot;&gt;&lt;property id=&quot;20148&quot; value=&quot;5&quot;/&gt;&lt;property id=&quot;20300&quot; value=&quot;Slide 25&quot;/&gt;&lt;property id=&quot;20307&quot; value=&quot;438&quot;/&gt;&lt;/object&gt;&lt;object type=&quot;3&quot; unique_id=&quot;16470&quot;&gt;&lt;property id=&quot;20148&quot; value=&quot;5&quot;/&gt;&lt;property id=&quot;20300&quot; value=&quot;Slide 32 - &amp;quot;POISTETTUJA&amp;quot;&quot;/&gt;&lt;property id=&quot;20307&quot; value=&quot;435&quot;/&gt;&lt;/object&gt;&lt;object type=&quot;3&quot; unique_id=&quot;16471&quot;&gt;&lt;property id=&quot;20148&quot; value=&quot;5&quot;/&gt;&lt;property id=&quot;20300&quot; value=&quot;Slide 34&quot;/&gt;&lt;property id=&quot;20307&quot; value=&quot;425&quot;/&gt;&lt;/object&gt;&lt;object type=&quot;3&quot; unique_id=&quot;16472&quot;&gt;&lt;property id=&quot;20148&quot; value=&quot;5&quot;/&gt;&lt;property id=&quot;20300&quot; value=&quot;Slide 35&quot;/&gt;&lt;property id=&quot;20307&quot; value=&quot;426&quot;/&gt;&lt;/object&gt;&lt;object type=&quot;3&quot; unique_id=&quot;16473&quot;&gt;&lt;property id=&quot;20148&quot; value=&quot;5&quot;/&gt;&lt;property id=&quot;20300&quot; value=&quot;Slide 36&quot;/&gt;&lt;property id=&quot;20307&quot; value=&quot;427&quot;/&gt;&lt;/object&gt;&lt;object type=&quot;3&quot; unique_id=&quot;16474&quot;&gt;&lt;property id=&quot;20148&quot; value=&quot;5&quot;/&gt;&lt;property id=&quot;20300&quot; value=&quot;Slide 37&quot;/&gt;&lt;property id=&quot;20307&quot; value=&quot;428&quot;/&gt;&lt;/object&gt;&lt;object type=&quot;3&quot; unique_id=&quot;16476&quot;&gt;&lt;property id=&quot;20148&quot; value=&quot;5&quot;/&gt;&lt;property id=&quot;20300&quot; value=&quot;Slide 38&quot;/&gt;&lt;property id=&quot;20307&quot; value=&quot;433&quot;/&gt;&lt;/object&gt;&lt;object type=&quot;3&quot; unique_id=&quot;16793&quot;&gt;&lt;property id=&quot;20148&quot; value=&quot;5&quot;/&gt;&lt;property id=&quot;20300&quot; value=&quot;Slide 19&quot;/&gt;&lt;property id=&quot;20307&quot; value=&quot;439&quot;/&gt;&lt;/object&gt;&lt;object type=&quot;3&quot; unique_id=&quot;16974&quot;&gt;&lt;property id=&quot;20148&quot; value=&quot;5&quot;/&gt;&lt;property id=&quot;20300&quot; value=&quot;Slide 20&quot;/&gt;&lt;property id=&quot;20307&quot; value=&quot;440&quot;/&gt;&lt;/object&gt;&lt;object type=&quot;3&quot; unique_id=&quot;18100&quot;&gt;&lt;property id=&quot;20148&quot; value=&quot;5&quot;/&gt;&lt;property id=&quot;20300&quot; value=&quot;Slide 26&quot;/&gt;&lt;property id=&quot;20307&quot; value=&quot;441&quot;/&gt;&lt;/object&gt;&lt;object type=&quot;3&quot; unique_id=&quot;18329&quot;&gt;&lt;property id=&quot;20148&quot; value=&quot;5&quot;/&gt;&lt;property id=&quot;20300&quot; value=&quot;Slide 29&quot;/&gt;&lt;property id=&quot;20307&quot; value=&quot;443&quot;/&gt;&lt;/object&gt;&lt;object type=&quot;3&quot; unique_id=&quot;18330&quot;&gt;&lt;property id=&quot;20148&quot; value=&quot;5&quot;/&gt;&lt;property id=&quot;20300&quot; value=&quot;Slide 30&quot;/&gt;&lt;property id=&quot;20307&quot; value=&quot;442&quot;/&gt;&lt;/object&gt;&lt;object type=&quot;3&quot; unique_id=&quot;18449&quot;&gt;&lt;property id=&quot;20148&quot; value=&quot;5&quot;/&gt;&lt;property id=&quot;20300&quot; value=&quot;Slide 31&quot;/&gt;&lt;property id=&quot;20307&quot; value=&quot;444&quot;/&gt;&lt;/object&gt;&lt;/object&gt;&lt;object type=&quot;8&quot; unique_id=&quot;10028&quot;&gt;&lt;/object&gt;&lt;/object&gt;&lt;/database&gt;"/>
   <p:tag name="SECTOMILLISECCONVERTED" val="1"/>
 </p:tagLst>
 </file>
